--- a/projeto_final/Apresentação.pptx
+++ b/projeto_final/Apresentação.pptx
@@ -5,32 +5,36 @@
     <p:sldMasterId id="2147483648" r:id="rId1"/>
   </p:sldMasterIdLst>
   <p:notesMasterIdLst>
-    <p:notesMasterId r:id="rId25"/>
+    <p:notesMasterId r:id="rId29"/>
   </p:notesMasterIdLst>
   <p:sldIdLst>
     <p:sldId id="265" r:id="rId2"/>
     <p:sldId id="274" r:id="rId3"/>
-    <p:sldId id="277" r:id="rId4"/>
-    <p:sldId id="278" r:id="rId5"/>
-    <p:sldId id="280" r:id="rId6"/>
-    <p:sldId id="279" r:id="rId7"/>
-    <p:sldId id="281" r:id="rId8"/>
-    <p:sldId id="283" r:id="rId9"/>
-    <p:sldId id="282" r:id="rId10"/>
-    <p:sldId id="284" r:id="rId11"/>
-    <p:sldId id="290" r:id="rId12"/>
-    <p:sldId id="292" r:id="rId13"/>
-    <p:sldId id="285" r:id="rId14"/>
-    <p:sldId id="286" r:id="rId15"/>
-    <p:sldId id="287" r:id="rId16"/>
-    <p:sldId id="288" r:id="rId17"/>
-    <p:sldId id="289" r:id="rId18"/>
-    <p:sldId id="291" r:id="rId19"/>
-    <p:sldId id="293" r:id="rId20"/>
-    <p:sldId id="294" r:id="rId21"/>
-    <p:sldId id="295" r:id="rId22"/>
-    <p:sldId id="270" r:id="rId23"/>
-    <p:sldId id="268" r:id="rId24"/>
+    <p:sldId id="296" r:id="rId4"/>
+    <p:sldId id="298" r:id="rId5"/>
+    <p:sldId id="299" r:id="rId6"/>
+    <p:sldId id="278" r:id="rId7"/>
+    <p:sldId id="280" r:id="rId8"/>
+    <p:sldId id="279" r:id="rId9"/>
+    <p:sldId id="281" r:id="rId10"/>
+    <p:sldId id="283" r:id="rId11"/>
+    <p:sldId id="282" r:id="rId12"/>
+    <p:sldId id="277" r:id="rId13"/>
+    <p:sldId id="300" r:id="rId14"/>
+    <p:sldId id="297" r:id="rId15"/>
+    <p:sldId id="290" r:id="rId16"/>
+    <p:sldId id="292" r:id="rId17"/>
+    <p:sldId id="285" r:id="rId18"/>
+    <p:sldId id="286" r:id="rId19"/>
+    <p:sldId id="287" r:id="rId20"/>
+    <p:sldId id="288" r:id="rId21"/>
+    <p:sldId id="289" r:id="rId22"/>
+    <p:sldId id="291" r:id="rId23"/>
+    <p:sldId id="293" r:id="rId24"/>
+    <p:sldId id="294" r:id="rId25"/>
+    <p:sldId id="295" r:id="rId26"/>
+    <p:sldId id="270" r:id="rId27"/>
+    <p:sldId id="268" r:id="rId28"/>
   </p:sldIdLst>
   <p:sldSz cx="11522075" cy="6480175"/>
   <p:notesSz cx="9144000" cy="6858000"/>
@@ -230,7 +234,7 @@
           <a:p>
             <a:fld id="{2F8BED3A-9422-4E14-A9B9-938985A422CB}" type="datetimeFigureOut">
               <a:rPr lang="pt-BR" smtClean="0"/>
-              <a:t>28/10/2024</a:t>
+              <a:t>29/10/2024</a:t>
             </a:fld>
             <a:endParaRPr lang="pt-BR"/>
           </a:p>
@@ -562,7 +566,7 @@
           <a:p>
             <a:fld id="{FA2A56E4-E937-4984-A444-6FDADFE5641C}" type="slidenum">
               <a:rPr lang="pt-BR" smtClean="0"/>
-              <a:t>6</a:t>
+              <a:t>8</a:t>
             </a:fld>
             <a:endParaRPr lang="pt-BR"/>
           </a:p>
@@ -724,7 +728,7 @@
             <a:fld id="{B76ADD97-593B-4FCA-900D-00522E87B7DD}" type="datetime1">
               <a:rPr lang="pt-BR" smtClean="0"/>
               <a:pPr/>
-              <a:t>28/10/2024</a:t>
+              <a:t>29/10/2024</a:t>
             </a:fld>
             <a:endParaRPr lang="pt-BR" dirty="0"/>
           </a:p>
@@ -874,7 +878,7 @@
             <a:fld id="{B76ADD97-593B-4FCA-900D-00522E87B7DD}" type="datetime1">
               <a:rPr lang="pt-BR" smtClean="0"/>
               <a:pPr/>
-              <a:t>28/10/2024</a:t>
+              <a:t>29/10/2024</a:t>
             </a:fld>
             <a:endParaRPr lang="pt-BR" dirty="0"/>
           </a:p>
@@ -1151,7 +1155,7 @@
             <a:fld id="{B76ADD97-593B-4FCA-900D-00522E87B7DD}" type="datetime1">
               <a:rPr lang="pt-BR" smtClean="0"/>
               <a:pPr/>
-              <a:t>28/10/2024</a:t>
+              <a:t>29/10/2024</a:t>
             </a:fld>
             <a:endParaRPr lang="pt-BR" dirty="0"/>
           </a:p>
@@ -1459,7 +1463,7 @@
             <a:fld id="{B76ADD97-593B-4FCA-900D-00522E87B7DD}" type="datetime1">
               <a:rPr lang="pt-BR" smtClean="0"/>
               <a:pPr/>
-              <a:t>28/10/2024</a:t>
+              <a:t>29/10/2024</a:t>
             </a:fld>
             <a:endParaRPr lang="pt-BR" dirty="0"/>
           </a:p>
@@ -1742,7 +1746,7 @@
             <a:fld id="{B76ADD97-593B-4FCA-900D-00522E87B7DD}" type="datetime1">
               <a:rPr lang="pt-BR" smtClean="0"/>
               <a:pPr/>
-              <a:t>28/10/2024</a:t>
+              <a:t>29/10/2024</a:t>
             </a:fld>
             <a:endParaRPr lang="pt-BR" dirty="0"/>
           </a:p>
@@ -2016,7 +2020,7 @@
             <a:fld id="{B76ADD97-593B-4FCA-900D-00522E87B7DD}" type="datetime1">
               <a:rPr lang="pt-BR" smtClean="0"/>
               <a:pPr/>
-              <a:t>28/10/2024</a:t>
+              <a:t>29/10/2024</a:t>
             </a:fld>
             <a:endParaRPr lang="pt-BR" dirty="0"/>
           </a:p>
@@ -2347,7 +2351,7 @@
             <a:fld id="{B76ADD97-593B-4FCA-900D-00522E87B7DD}" type="datetime1">
               <a:rPr lang="pt-BR" smtClean="0"/>
               <a:pPr/>
-              <a:t>28/10/2024</a:t>
+              <a:t>29/10/2024</a:t>
             </a:fld>
             <a:endParaRPr lang="pt-BR" dirty="0"/>
           </a:p>
@@ -2769,16 +2773,22 @@
           <a:p>
             <a:r>
               <a:rPr lang="pt-BR" dirty="0"/>
-              <a:t>Inovações na Recuperação de Informações da Jurisprudência do TCU usando Large </a:t>
-            </a:r>
-            <a:r>
-              <a:rPr lang="pt-BR" dirty="0" err="1"/>
-              <a:t>Language</a:t>
-            </a:r>
-            <a:r>
+              <a:t>Inovação na Pesquisa de Jurisprudência Selecionada do TCU:</a:t>
+            </a:r>
+            <a:br>
               <a:rPr lang="pt-BR" dirty="0"/>
-              <a:t> Models para Enriquecimento de Documentos </a:t>
-            </a:r>
+            </a:br>
+            <a:br>
+              <a:rPr lang="pt-BR" dirty="0"/>
+            </a:br>
+            <a:r>
+              <a:rPr lang="pt-BR" dirty="0"/>
+              <a:t>Expansão de Documentos usando Modelos de Linguagem</a:t>
+            </a:r>
+            <a:br>
+              <a:rPr lang="pt-BR" dirty="0"/>
+            </a:br>
+            <a:endParaRPr lang="pt-BR" dirty="0"/>
           </a:p>
         </p:txBody>
       </p:sp>
@@ -2803,7 +2813,7 @@
         <p:cNvPr id="1" name="">
           <a:extLst>
             <a:ext uri="{FF2B5EF4-FFF2-40B4-BE49-F238E27FC236}">
-              <a16:creationId xmlns:a16="http://schemas.microsoft.com/office/drawing/2014/main" id="{3446B2D8-FA70-4940-0698-06A54B00E446}"/>
+              <a16:creationId xmlns:a16="http://schemas.microsoft.com/office/drawing/2014/main" id="{D78CB7BC-6CD2-B7B9-83D7-29AF2DDE22E8}"/>
             </a:ext>
           </a:extLst>
         </p:cNvPr>
@@ -2823,7 +2833,7 @@
           <p:cNvPr id="2" name="Título 1">
             <a:extLst>
               <a:ext uri="{FF2B5EF4-FFF2-40B4-BE49-F238E27FC236}">
-                <a16:creationId xmlns:a16="http://schemas.microsoft.com/office/drawing/2014/main" id="{6D0E759B-7CFA-3F55-41CB-272A5DBD83A3}"/>
+                <a16:creationId xmlns:a16="http://schemas.microsoft.com/office/drawing/2014/main" id="{CB10D847-3CA3-CE1F-DDEC-E89D056D136D}"/>
               </a:ext>
             </a:extLst>
           </p:cNvPr>
@@ -2841,7 +2851,7 @@
           <a:p>
             <a:r>
               <a:rPr lang="pt-BR" dirty="0"/>
-              <a:t>2. Método</a:t>
+              <a:t>1. Descrição do problema</a:t>
             </a:r>
           </a:p>
         </p:txBody>
@@ -2851,7 +2861,7 @@
           <p:cNvPr id="3" name="Subtítulo 2">
             <a:extLst>
               <a:ext uri="{FF2B5EF4-FFF2-40B4-BE49-F238E27FC236}">
-                <a16:creationId xmlns:a16="http://schemas.microsoft.com/office/drawing/2014/main" id="{9A55690F-6F27-15C9-CAD9-6348D8A6DE29}"/>
+                <a16:creationId xmlns:a16="http://schemas.microsoft.com/office/drawing/2014/main" id="{60A9787E-F0E5-1365-BB2B-C82B7C208894}"/>
               </a:ext>
             </a:extLst>
           </p:cNvPr>
@@ -2869,17 +2879,17 @@
           <a:p>
             <a:r>
               <a:rPr lang="pt-BR" dirty="0"/>
-              <a:t>Expansão de documentos</a:t>
+              <a:t>Possíveis soluções</a:t>
             </a:r>
           </a:p>
         </p:txBody>
       </p:sp>
       <p:sp>
         <p:nvSpPr>
-          <p:cNvPr id="6" name="Espaço Reservado para Conteúdo 5">
+          <p:cNvPr id="4" name="Espaço Reservado para Conteúdo 3">
             <a:extLst>
               <a:ext uri="{FF2B5EF4-FFF2-40B4-BE49-F238E27FC236}">
-                <a16:creationId xmlns:a16="http://schemas.microsoft.com/office/drawing/2014/main" id="{383216E6-BF3F-05A3-677D-4FE66B42E532}"/>
+                <a16:creationId xmlns:a16="http://schemas.microsoft.com/office/drawing/2014/main" id="{0BA517DD-250A-8C25-EE85-6218FEAD5122}"/>
               </a:ext>
             </a:extLst>
           </p:cNvPr>
@@ -2895,70 +2905,149 @@
           <a:bodyPr/>
           <a:lstStyle/>
           <a:p>
-            <a:pPr marL="285750" indent="-285750">
+            <a:r>
+              <a:rPr lang="pt-BR" dirty="0"/>
+              <a:t>2.   Expansão de documentos</a:t>
+            </a:r>
+          </a:p>
+          <a:p>
+            <a:pPr marL="522900" lvl="1" indent="-342900">
               <a:buFont typeface="Arial" panose="020B0604020202020204" pitchFamily="34" charset="0"/>
               <a:buChar char="•"/>
             </a:pPr>
             <a:r>
               <a:rPr lang="pt-BR" dirty="0"/>
-              <a:t>Base de dados escolhida: Jurisprudência Selecionada</a:t>
-            </a:r>
-          </a:p>
-          <a:p>
-            <a:pPr marL="465750" lvl="1" indent="-285750">
+              <a:t>Altera </a:t>
+            </a:r>
+            <a:r>
+              <a:rPr lang="pt-BR" b="1" u="sng" dirty="0"/>
+              <a:t>os documentos da base </a:t>
+            </a:r>
+            <a:r>
+              <a:rPr lang="pt-BR" dirty="0"/>
+              <a:t>inserindo novos textos</a:t>
+            </a:r>
+          </a:p>
+          <a:p>
+            <a:pPr marL="522900" lvl="1" indent="-342900">
               <a:buFont typeface="Arial" panose="020B0604020202020204" pitchFamily="34" charset="0"/>
               <a:buChar char="•"/>
             </a:pPr>
-            <a:r>
-              <a:rPr lang="pt-BR" dirty="0"/>
-              <a:t>Base relevante para o Controle Externo, visto que possui entendimentos extraídos de deliberações do TCU</a:t>
-            </a:r>
-          </a:p>
-          <a:p>
-            <a:pPr marL="465750" lvl="1" indent="-285750">
+            <a:endParaRPr lang="pt-BR" dirty="0"/>
+          </a:p>
+          <a:p>
+            <a:pPr marL="522900" lvl="1" indent="-342900">
               <a:buFont typeface="Arial" panose="020B0604020202020204" pitchFamily="34" charset="0"/>
               <a:buChar char="•"/>
             </a:pPr>
-            <a:r>
-              <a:rPr lang="pt-BR" dirty="0"/>
-              <a:t>Cerca de 16 mil documentos =&gt; Nem muito grande, nem muito pequena</a:t>
-            </a:r>
-          </a:p>
-          <a:p>
-            <a:pPr marL="465750" lvl="1" indent="-285750">
+            <a:endParaRPr lang="pt-BR" dirty="0"/>
+          </a:p>
+          <a:p>
+            <a:pPr marL="522900" lvl="1" indent="-342900">
               <a:buFont typeface="Arial" panose="020B0604020202020204" pitchFamily="34" charset="0"/>
               <a:buChar char="•"/>
             </a:pPr>
             <a:r>
+              <a:rPr lang="pt-BR" dirty="0">
+                <a:solidFill>
+                  <a:srgbClr val="00B050"/>
+                </a:solidFill>
+                <a:latin typeface="Times New Roman" panose="02020603050405020304" pitchFamily="18" charset="0"/>
+                <a:cs typeface="Times New Roman" panose="02020603050405020304" pitchFamily="18" charset="0"/>
+              </a:rPr>
+              <a:t>▲ </a:t>
+            </a:r>
+            <a:r>
               <a:rPr lang="pt-BR" dirty="0"/>
-              <a:t>É possível testar melhorias, pois possui </a:t>
+              <a:t>Não Insere novo elemento (código, </a:t>
+            </a:r>
+            <a:r>
+              <a:rPr lang="pt-BR" i="1" dirty="0"/>
+              <a:t>hardware</a:t>
+            </a:r>
+            <a:r>
+              <a:rPr lang="pt-BR" dirty="0"/>
+              <a:t> </a:t>
             </a:r>
             <a:r>
               <a:rPr lang="pt-BR" dirty="0" err="1"/>
-              <a:t>qrels</a:t>
+              <a:t>etc</a:t>
             </a:r>
             <a:r>
               <a:rPr lang="pt-BR" dirty="0"/>
-              <a:t> (</a:t>
+              <a:t>) apenas na indexação</a:t>
+            </a:r>
+          </a:p>
+          <a:p>
+            <a:pPr marL="522900" lvl="1" indent="-342900">
+              <a:buFont typeface="Arial" panose="020B0604020202020204" pitchFamily="34" charset="0"/>
+              <a:buChar char="•"/>
+            </a:pPr>
+            <a:r>
+              <a:rPr lang="pt-BR" dirty="0">
+                <a:solidFill>
+                  <a:srgbClr val="00B050"/>
+                </a:solidFill>
+                <a:latin typeface="Times New Roman" panose="02020603050405020304" pitchFamily="18" charset="0"/>
+                <a:cs typeface="Times New Roman" panose="02020603050405020304" pitchFamily="18" charset="0"/>
+              </a:rPr>
+              <a:t>▲ </a:t>
+            </a:r>
+            <a:r>
+              <a:rPr lang="pt-BR" dirty="0"/>
+              <a:t>Não exige mudança do motor de busca</a:t>
+            </a:r>
+          </a:p>
+          <a:p>
+            <a:pPr marL="522900" lvl="1" indent="-342900">
+              <a:buFont typeface="Arial" panose="020B0604020202020204" pitchFamily="34" charset="0"/>
+              <a:buChar char="•"/>
+            </a:pPr>
+            <a:r>
+              <a:rPr lang="pt-BR" dirty="0">
+                <a:solidFill>
+                  <a:srgbClr val="00B050"/>
+                </a:solidFill>
+                <a:latin typeface="Times New Roman" panose="02020603050405020304" pitchFamily="18" charset="0"/>
+                <a:cs typeface="Times New Roman" panose="02020603050405020304" pitchFamily="18" charset="0"/>
+              </a:rPr>
+              <a:t>▲ </a:t>
+            </a:r>
+            <a:r>
+              <a:rPr lang="pt-BR" dirty="0"/>
+              <a:t>Novos modelos apresentam resultados melhores do que a expansão de </a:t>
             </a:r>
             <a:r>
               <a:rPr lang="pt-BR" i="1" dirty="0"/>
               <a:t>queries</a:t>
             </a:r>
+          </a:p>
+          <a:p>
+            <a:pPr marL="522900" lvl="1" indent="-342900">
+              <a:buFont typeface="Arial" panose="020B0604020202020204" pitchFamily="34" charset="0"/>
+              <a:buChar char="•"/>
+            </a:pPr>
+            <a:r>
+              <a:rPr lang="pt-BR" dirty="0">
+                <a:solidFill>
+                  <a:srgbClr val="FF0000"/>
+                </a:solidFill>
+                <a:latin typeface="Times New Roman" panose="02020603050405020304" pitchFamily="18" charset="0"/>
+                <a:cs typeface="Times New Roman" panose="02020603050405020304" pitchFamily="18" charset="0"/>
+              </a:rPr>
+              <a:t>▼ </a:t>
+            </a:r>
             <a:r>
               <a:rPr lang="pt-BR" dirty="0"/>
-              <a:t> padronizadas e documentos esperados)</a:t>
-            </a:r>
-          </a:p>
-          <a:p>
-            <a:endParaRPr lang="pt-BR" dirty="0"/>
+              <a:t>É mais difícil de testar, pois exige a reindexação da base de dados</a:t>
+            </a:r>
           </a:p>
         </p:txBody>
       </p:sp>
     </p:spTree>
     <p:extLst>
       <p:ext uri="{BB962C8B-B14F-4D97-AF65-F5344CB8AC3E}">
-        <p14:creationId xmlns:p14="http://schemas.microsoft.com/office/powerpoint/2010/main" val="1776472912"/>
+        <p14:creationId xmlns:p14="http://schemas.microsoft.com/office/powerpoint/2010/main" val="1906641157"/>
       </p:ext>
     </p:extLst>
   </p:cSld>
@@ -2969,6 +3058,1601 @@
 </file>
 
 <file path=ppt/slides/slide11.xml><?xml version="1.0" encoding="utf-8"?>
+<p:sld xmlns:a="http://schemas.openxmlformats.org/drawingml/2006/main" xmlns:r="http://schemas.openxmlformats.org/officeDocument/2006/relationships" xmlns:p="http://schemas.openxmlformats.org/presentationml/2006/main">
+  <p:cSld>
+    <p:spTree>
+      <p:nvGrpSpPr>
+        <p:cNvPr id="1" name="">
+          <a:extLst>
+            <a:ext uri="{FF2B5EF4-FFF2-40B4-BE49-F238E27FC236}">
+              <a16:creationId xmlns:a16="http://schemas.microsoft.com/office/drawing/2014/main" id="{A0F1AE5D-B903-2B0D-5A0A-34E617FE49E3}"/>
+            </a:ext>
+          </a:extLst>
+        </p:cNvPr>
+        <p:cNvGrpSpPr/>
+        <p:nvPr/>
+      </p:nvGrpSpPr>
+      <p:grpSpPr>
+        <a:xfrm>
+          <a:off x="0" y="0"/>
+          <a:ext cx="0" cy="0"/>
+          <a:chOff x="0" y="0"/>
+          <a:chExt cx="0" cy="0"/>
+        </a:xfrm>
+      </p:grpSpPr>
+      <p:sp>
+        <p:nvSpPr>
+          <p:cNvPr id="2" name="Título 1">
+            <a:extLst>
+              <a:ext uri="{FF2B5EF4-FFF2-40B4-BE49-F238E27FC236}">
+                <a16:creationId xmlns:a16="http://schemas.microsoft.com/office/drawing/2014/main" id="{75E93E77-0D03-6FB2-0CA0-8C4013E50398}"/>
+              </a:ext>
+            </a:extLst>
+          </p:cNvPr>
+          <p:cNvSpPr>
+            <a:spLocks noGrp="1"/>
+          </p:cNvSpPr>
+          <p:nvPr>
+            <p:ph type="ctrTitle"/>
+          </p:nvPr>
+        </p:nvSpPr>
+        <p:spPr/>
+        <p:txBody>
+          <a:bodyPr/>
+          <a:lstStyle/>
+          <a:p>
+            <a:r>
+              <a:rPr lang="pt-BR" dirty="0"/>
+              <a:t>1. Descrição do problema</a:t>
+            </a:r>
+          </a:p>
+        </p:txBody>
+      </p:sp>
+      <p:sp>
+        <p:nvSpPr>
+          <p:cNvPr id="3" name="Subtítulo 2">
+            <a:extLst>
+              <a:ext uri="{FF2B5EF4-FFF2-40B4-BE49-F238E27FC236}">
+                <a16:creationId xmlns:a16="http://schemas.microsoft.com/office/drawing/2014/main" id="{84041930-54E0-AC55-410D-57C869A1329F}"/>
+              </a:ext>
+            </a:extLst>
+          </p:cNvPr>
+          <p:cNvSpPr>
+            <a:spLocks noGrp="1"/>
+          </p:cNvSpPr>
+          <p:nvPr>
+            <p:ph type="subTitle" idx="1"/>
+          </p:nvPr>
+        </p:nvSpPr>
+        <p:spPr/>
+        <p:txBody>
+          <a:bodyPr/>
+          <a:lstStyle/>
+          <a:p>
+            <a:r>
+              <a:rPr lang="pt-BR" dirty="0"/>
+              <a:t>Possíveis soluções</a:t>
+            </a:r>
+          </a:p>
+        </p:txBody>
+      </p:sp>
+      <p:sp>
+        <p:nvSpPr>
+          <p:cNvPr id="4" name="Espaço Reservado para Conteúdo 3">
+            <a:extLst>
+              <a:ext uri="{FF2B5EF4-FFF2-40B4-BE49-F238E27FC236}">
+                <a16:creationId xmlns:a16="http://schemas.microsoft.com/office/drawing/2014/main" id="{6214C158-C4CC-5151-C118-B8B981BF0241}"/>
+              </a:ext>
+            </a:extLst>
+          </p:cNvPr>
+          <p:cNvSpPr>
+            <a:spLocks noGrp="1"/>
+          </p:cNvSpPr>
+          <p:nvPr>
+            <p:ph idx="10"/>
+          </p:nvPr>
+        </p:nvSpPr>
+        <p:spPr/>
+        <p:txBody>
+          <a:bodyPr/>
+          <a:lstStyle/>
+          <a:p>
+            <a:r>
+              <a:rPr lang="pt-BR" dirty="0"/>
+              <a:t>3.   Ir além da correspondência exata dos termos</a:t>
+            </a:r>
+          </a:p>
+          <a:p>
+            <a:pPr marL="522900" lvl="1" indent="-342900">
+              <a:buFont typeface="Arial" panose="020B0604020202020204" pitchFamily="34" charset="0"/>
+              <a:buChar char="•"/>
+            </a:pPr>
+            <a:r>
+              <a:rPr lang="pt-BR" dirty="0"/>
+              <a:t>Queries e documentos são representados por </a:t>
+            </a:r>
+            <a:r>
+              <a:rPr lang="pt-BR" b="1" u="sng" dirty="0"/>
+              <a:t>vetores que capturam a semântica do texto</a:t>
+            </a:r>
+          </a:p>
+          <a:p>
+            <a:pPr marL="522900" lvl="1" indent="-342900">
+              <a:buFont typeface="Arial" panose="020B0604020202020204" pitchFamily="34" charset="0"/>
+              <a:buChar char="•"/>
+            </a:pPr>
+            <a:endParaRPr lang="pt-BR" dirty="0"/>
+          </a:p>
+          <a:p>
+            <a:pPr marL="522900" lvl="1" indent="-342900">
+              <a:buFont typeface="Arial" panose="020B0604020202020204" pitchFamily="34" charset="0"/>
+              <a:buChar char="•"/>
+            </a:pPr>
+            <a:endParaRPr lang="pt-BR" dirty="0"/>
+          </a:p>
+          <a:p>
+            <a:pPr marL="522900" lvl="1" indent="-342900">
+              <a:buFont typeface="Arial" panose="020B0604020202020204" pitchFamily="34" charset="0"/>
+              <a:buChar char="•"/>
+            </a:pPr>
+            <a:r>
+              <a:rPr lang="pt-BR" dirty="0">
+                <a:solidFill>
+                  <a:srgbClr val="00B050"/>
+                </a:solidFill>
+                <a:latin typeface="Times New Roman" panose="02020603050405020304" pitchFamily="18" charset="0"/>
+                <a:cs typeface="Times New Roman" panose="02020603050405020304" pitchFamily="18" charset="0"/>
+              </a:rPr>
+              <a:t>▲ </a:t>
+            </a:r>
+            <a:r>
+              <a:rPr lang="pt-BR" dirty="0"/>
+              <a:t>Sai do espaço vocabular e vai para o espaço semântico</a:t>
+            </a:r>
+          </a:p>
+          <a:p>
+            <a:pPr marL="522900" lvl="1" indent="-342900">
+              <a:buFont typeface="Arial" panose="020B0604020202020204" pitchFamily="34" charset="0"/>
+              <a:buChar char="•"/>
+            </a:pPr>
+            <a:r>
+              <a:rPr lang="pt-BR" dirty="0">
+                <a:solidFill>
+                  <a:srgbClr val="00B050"/>
+                </a:solidFill>
+                <a:latin typeface="Times New Roman" panose="02020603050405020304" pitchFamily="18" charset="0"/>
+                <a:cs typeface="Times New Roman" panose="02020603050405020304" pitchFamily="18" charset="0"/>
+              </a:rPr>
+              <a:t>▲ </a:t>
+            </a:r>
+            <a:r>
+              <a:rPr lang="pt-BR" dirty="0"/>
+              <a:t>É o método que promete os melhores resultados</a:t>
+            </a:r>
+          </a:p>
+          <a:p>
+            <a:pPr marL="522900" lvl="1" indent="-342900">
+              <a:buFont typeface="Arial" panose="020B0604020202020204" pitchFamily="34" charset="0"/>
+              <a:buChar char="•"/>
+            </a:pPr>
+            <a:r>
+              <a:rPr lang="pt-BR" dirty="0">
+                <a:solidFill>
+                  <a:srgbClr val="FF0000"/>
+                </a:solidFill>
+                <a:latin typeface="Times New Roman" panose="02020603050405020304" pitchFamily="18" charset="0"/>
+                <a:cs typeface="Times New Roman" panose="02020603050405020304" pitchFamily="18" charset="0"/>
+              </a:rPr>
+              <a:t>▼ </a:t>
+            </a:r>
+            <a:r>
+              <a:rPr lang="pt-BR" dirty="0"/>
+              <a:t>Exige muita alteração na pesquisa (troca do motor de busca, métodos para geração de </a:t>
+            </a:r>
+            <a:r>
+              <a:rPr lang="pt-BR" i="1" dirty="0" err="1"/>
+              <a:t>embeddings</a:t>
+            </a:r>
+            <a:r>
+              <a:rPr lang="pt-BR" dirty="0"/>
+              <a:t> </a:t>
+            </a:r>
+            <a:r>
+              <a:rPr lang="pt-BR" dirty="0" err="1"/>
+              <a:t>etc</a:t>
+            </a:r>
+            <a:r>
+              <a:rPr lang="pt-BR" dirty="0"/>
+              <a:t>)</a:t>
+            </a:r>
+          </a:p>
+          <a:p>
+            <a:pPr marL="522900" lvl="1" indent="-342900">
+              <a:buFont typeface="Arial" panose="020B0604020202020204" pitchFamily="34" charset="0"/>
+              <a:buChar char="•"/>
+            </a:pPr>
+            <a:r>
+              <a:rPr lang="pt-BR" dirty="0">
+                <a:solidFill>
+                  <a:srgbClr val="FF0000"/>
+                </a:solidFill>
+                <a:latin typeface="Times New Roman" panose="02020603050405020304" pitchFamily="18" charset="0"/>
+                <a:cs typeface="Times New Roman" panose="02020603050405020304" pitchFamily="18" charset="0"/>
+              </a:rPr>
+              <a:t>▼ </a:t>
+            </a:r>
+            <a:r>
+              <a:rPr lang="pt-BR" dirty="0"/>
+              <a:t>Métodos modernos para geração de </a:t>
+            </a:r>
+            <a:r>
+              <a:rPr lang="pt-BR" i="1" dirty="0" err="1"/>
+              <a:t>embeddings</a:t>
+            </a:r>
+            <a:r>
+              <a:rPr lang="pt-BR" dirty="0"/>
+              <a:t> exigem </a:t>
+            </a:r>
+            <a:r>
+              <a:rPr lang="pt-BR" i="1" dirty="0"/>
+              <a:t>hardware</a:t>
+            </a:r>
+            <a:r>
+              <a:rPr lang="pt-BR" dirty="0"/>
+              <a:t> especializado</a:t>
+            </a:r>
+          </a:p>
+          <a:p>
+            <a:pPr marL="522900" lvl="1" indent="-342900">
+              <a:buFont typeface="Arial" panose="020B0604020202020204" pitchFamily="34" charset="0"/>
+              <a:buChar char="•"/>
+            </a:pPr>
+            <a:endParaRPr lang="pt-BR" dirty="0"/>
+          </a:p>
+          <a:p>
+            <a:pPr marL="522900" lvl="1" indent="-342900">
+              <a:buFont typeface="Arial" panose="020B0604020202020204" pitchFamily="34" charset="0"/>
+              <a:buChar char="•"/>
+            </a:pPr>
+            <a:endParaRPr lang="pt-BR" dirty="0"/>
+          </a:p>
+        </p:txBody>
+      </p:sp>
+    </p:spTree>
+    <p:extLst>
+      <p:ext uri="{BB962C8B-B14F-4D97-AF65-F5344CB8AC3E}">
+        <p14:creationId xmlns:p14="http://schemas.microsoft.com/office/powerpoint/2010/main" val="1765854844"/>
+      </p:ext>
+    </p:extLst>
+  </p:cSld>
+  <p:clrMapOvr>
+    <a:masterClrMapping/>
+  </p:clrMapOvr>
+</p:sld>
+</file>
+
+<file path=ppt/slides/slide12.xml><?xml version="1.0" encoding="utf-8"?>
+<p:sld xmlns:a="http://schemas.openxmlformats.org/drawingml/2006/main" xmlns:r="http://schemas.openxmlformats.org/officeDocument/2006/relationships" xmlns:p="http://schemas.openxmlformats.org/presentationml/2006/main">
+  <p:cSld>
+    <p:spTree>
+      <p:nvGrpSpPr>
+        <p:cNvPr id="1" name="">
+          <a:extLst>
+            <a:ext uri="{FF2B5EF4-FFF2-40B4-BE49-F238E27FC236}">
+              <a16:creationId xmlns:a16="http://schemas.microsoft.com/office/drawing/2014/main" id="{CF8C13B5-5309-2977-8A09-A8F3A432604B}"/>
+            </a:ext>
+          </a:extLst>
+        </p:cNvPr>
+        <p:cNvGrpSpPr/>
+        <p:nvPr/>
+      </p:nvGrpSpPr>
+      <p:grpSpPr>
+        <a:xfrm>
+          <a:off x="0" y="0"/>
+          <a:ext cx="0" cy="0"/>
+          <a:chOff x="0" y="0"/>
+          <a:chExt cx="0" cy="0"/>
+        </a:xfrm>
+      </p:grpSpPr>
+      <p:sp>
+        <p:nvSpPr>
+          <p:cNvPr id="4" name="Título 3">
+            <a:extLst>
+              <a:ext uri="{FF2B5EF4-FFF2-40B4-BE49-F238E27FC236}">
+                <a16:creationId xmlns:a16="http://schemas.microsoft.com/office/drawing/2014/main" id="{1AF50086-2DA6-6C92-BE16-93ECCAA0E8C7}"/>
+              </a:ext>
+            </a:extLst>
+          </p:cNvPr>
+          <p:cNvSpPr>
+            <a:spLocks noGrp="1"/>
+          </p:cNvSpPr>
+          <p:nvPr>
+            <p:ph type="ctrTitle"/>
+          </p:nvPr>
+        </p:nvSpPr>
+        <p:spPr/>
+        <p:txBody>
+          <a:bodyPr/>
+          <a:lstStyle/>
+          <a:p>
+            <a:r>
+              <a:rPr lang="pt-BR" dirty="0"/>
+              <a:t>2. Método</a:t>
+            </a:r>
+          </a:p>
+        </p:txBody>
+      </p:sp>
+      <p:sp>
+        <p:nvSpPr>
+          <p:cNvPr id="5" name="Subtítulo 4">
+            <a:extLst>
+              <a:ext uri="{FF2B5EF4-FFF2-40B4-BE49-F238E27FC236}">
+                <a16:creationId xmlns:a16="http://schemas.microsoft.com/office/drawing/2014/main" id="{294778DD-F316-D816-8960-BEB84DF0033D}"/>
+              </a:ext>
+            </a:extLst>
+          </p:cNvPr>
+          <p:cNvSpPr>
+            <a:spLocks noGrp="1"/>
+          </p:cNvSpPr>
+          <p:nvPr>
+            <p:ph type="subTitle" idx="1"/>
+          </p:nvPr>
+        </p:nvSpPr>
+        <p:spPr/>
+        <p:txBody>
+          <a:bodyPr/>
+          <a:lstStyle/>
+          <a:p>
+            <a:r>
+              <a:rPr lang="pt-BR" dirty="0"/>
+              <a:t>Expansão de documentos na base de jurisprudência selecionada</a:t>
+            </a:r>
+          </a:p>
+        </p:txBody>
+      </p:sp>
+      <p:sp>
+        <p:nvSpPr>
+          <p:cNvPr id="7" name="Espaço Reservado para Número de Slide 6">
+            <a:extLst>
+              <a:ext uri="{FF2B5EF4-FFF2-40B4-BE49-F238E27FC236}">
+                <a16:creationId xmlns:a16="http://schemas.microsoft.com/office/drawing/2014/main" id="{DE5ED2A3-1C53-7783-5BBB-8BD134F446C4}"/>
+              </a:ext>
+            </a:extLst>
+          </p:cNvPr>
+          <p:cNvSpPr>
+            <a:spLocks noGrp="1"/>
+          </p:cNvSpPr>
+          <p:nvPr>
+            <p:ph type="sldNum" sz="quarter" idx="4"/>
+          </p:nvPr>
+        </p:nvSpPr>
+        <p:spPr/>
+        <p:txBody>
+          <a:bodyPr/>
+          <a:lstStyle/>
+          <a:p>
+            <a:fld id="{F237BF63-6F93-4812-BF2B-F503033D63A9}" type="slidenum">
+              <a:rPr lang="pt-BR" smtClean="0"/>
+              <a:pPr/>
+              <a:t>12</a:t>
+            </a:fld>
+            <a:endParaRPr lang="pt-BR" dirty="0"/>
+          </a:p>
+        </p:txBody>
+      </p:sp>
+      <p:sp>
+        <p:nvSpPr>
+          <p:cNvPr id="8" name="Espaço Reservado para Conteúdo 10">
+            <a:extLst>
+              <a:ext uri="{FF2B5EF4-FFF2-40B4-BE49-F238E27FC236}">
+                <a16:creationId xmlns:a16="http://schemas.microsoft.com/office/drawing/2014/main" id="{B9F5C98C-F19F-F62E-05F4-8C7822EC51D1}"/>
+              </a:ext>
+            </a:extLst>
+          </p:cNvPr>
+          <p:cNvSpPr txBox="1">
+            <a:spLocks/>
+          </p:cNvSpPr>
+          <p:nvPr/>
+        </p:nvSpPr>
+        <p:spPr>
+          <a:xfrm>
+            <a:off x="692400" y="1772400"/>
+            <a:ext cx="10440000" cy="4140000"/>
+          </a:xfrm>
+          <a:prstGeom prst="rect">
+            <a:avLst/>
+          </a:prstGeom>
+        </p:spPr>
+        <p:txBody>
+          <a:bodyPr vert="horz" lIns="0" tIns="0" rIns="0" bIns="0" rtlCol="0">
+            <a:normAutofit/>
+          </a:bodyPr>
+          <a:lstStyle>
+            <a:lvl1pPr marL="0" indent="0" algn="l" defTabSz="914400" rtl="0" eaLnBrk="1" latinLnBrk="0" hangingPunct="1">
+              <a:lnSpc>
+                <a:spcPts val="2000"/>
+              </a:lnSpc>
+              <a:spcBef>
+                <a:spcPts val="0"/>
+              </a:spcBef>
+              <a:spcAft>
+                <a:spcPts val="1200"/>
+              </a:spcAft>
+              <a:buFont typeface="Arial" panose="020B0604020202020204" pitchFamily="34" charset="0"/>
+              <a:buNone/>
+              <a:defRPr sz="1800" kern="1200">
+                <a:solidFill>
+                  <a:srgbClr val="002060"/>
+                </a:solidFill>
+                <a:latin typeface="Calibri Light" panose="020F0302020204030204" pitchFamily="34" charset="0"/>
+                <a:ea typeface="+mn-ea"/>
+                <a:cs typeface="Arial" panose="020B0604020202020204" pitchFamily="34" charset="0"/>
+              </a:defRPr>
+            </a:lvl1pPr>
+            <a:lvl2pPr marL="180000" indent="-180000" algn="l" defTabSz="914400" rtl="0" eaLnBrk="1" latinLnBrk="0" hangingPunct="1">
+              <a:lnSpc>
+                <a:spcPts val="2000"/>
+              </a:lnSpc>
+              <a:spcBef>
+                <a:spcPts val="0"/>
+              </a:spcBef>
+              <a:spcAft>
+                <a:spcPts val="1200"/>
+              </a:spcAft>
+              <a:buClr>
+                <a:schemeClr val="accent6">
+                  <a:lumMod val="75000"/>
+                </a:schemeClr>
+              </a:buClr>
+              <a:buFont typeface="Wingdings" panose="05000000000000000000" pitchFamily="2" charset="2"/>
+              <a:buChar char="§"/>
+              <a:defRPr sz="1800" kern="1200">
+                <a:solidFill>
+                  <a:srgbClr val="002060"/>
+                </a:solidFill>
+                <a:latin typeface="Calibri Light" panose="020F0302020204030204" pitchFamily="34" charset="0"/>
+                <a:ea typeface="+mn-ea"/>
+                <a:cs typeface="Arial" panose="020B0604020202020204" pitchFamily="34" charset="0"/>
+              </a:defRPr>
+            </a:lvl2pPr>
+            <a:lvl3pPr marL="180000" indent="0" algn="l" defTabSz="914400" rtl="0" eaLnBrk="1" latinLnBrk="0" hangingPunct="1">
+              <a:lnSpc>
+                <a:spcPts val="2000"/>
+              </a:lnSpc>
+              <a:spcBef>
+                <a:spcPts val="0"/>
+              </a:spcBef>
+              <a:spcAft>
+                <a:spcPts val="1200"/>
+              </a:spcAft>
+              <a:buFont typeface="Arial" panose="020B0604020202020204" pitchFamily="34" charset="0"/>
+              <a:buNone/>
+              <a:defRPr sz="1800" i="1" kern="1200">
+                <a:solidFill>
+                  <a:srgbClr val="002060"/>
+                </a:solidFill>
+                <a:latin typeface="Calibri Light" panose="020F0302020204030204" pitchFamily="34" charset="0"/>
+                <a:ea typeface="+mn-ea"/>
+                <a:cs typeface="Arial" panose="020B0604020202020204" pitchFamily="34" charset="0"/>
+              </a:defRPr>
+            </a:lvl3pPr>
+            <a:lvl4pPr marL="540000" indent="-180000" algn="l" defTabSz="914400" rtl="0" eaLnBrk="1" latinLnBrk="0" hangingPunct="1">
+              <a:lnSpc>
+                <a:spcPts val="2000"/>
+              </a:lnSpc>
+              <a:spcBef>
+                <a:spcPts val="0"/>
+              </a:spcBef>
+              <a:spcAft>
+                <a:spcPts val="1200"/>
+              </a:spcAft>
+              <a:buClr>
+                <a:schemeClr val="accent6">
+                  <a:lumMod val="75000"/>
+                </a:schemeClr>
+              </a:buClr>
+              <a:buFont typeface="Wingdings" panose="05000000000000000000" pitchFamily="2" charset="2"/>
+              <a:buChar char="§"/>
+              <a:defRPr sz="1800" kern="1200">
+                <a:solidFill>
+                  <a:schemeClr val="accent3">
+                    <a:lumMod val="50000"/>
+                  </a:schemeClr>
+                </a:solidFill>
+                <a:latin typeface="Calibri Light" panose="020F0302020204030204" pitchFamily="34" charset="0"/>
+                <a:ea typeface="+mn-ea"/>
+                <a:cs typeface="Arial" panose="020B0604020202020204" pitchFamily="34" charset="0"/>
+              </a:defRPr>
+            </a:lvl4pPr>
+            <a:lvl5pPr marL="540000" indent="0" algn="l" defTabSz="914400" rtl="0" eaLnBrk="1" latinLnBrk="0" hangingPunct="1">
+              <a:lnSpc>
+                <a:spcPts val="2000"/>
+              </a:lnSpc>
+              <a:spcBef>
+                <a:spcPts val="0"/>
+              </a:spcBef>
+              <a:spcAft>
+                <a:spcPts val="1200"/>
+              </a:spcAft>
+              <a:buFont typeface="Arial" panose="020B0604020202020204" pitchFamily="34" charset="0"/>
+              <a:buNone/>
+              <a:defRPr sz="1800" i="1" kern="1200">
+                <a:solidFill>
+                  <a:schemeClr val="accent3">
+                    <a:lumMod val="50000"/>
+                  </a:schemeClr>
+                </a:solidFill>
+                <a:latin typeface="Calibri Light" panose="020F0302020204030204" pitchFamily="34" charset="0"/>
+                <a:ea typeface="+mn-ea"/>
+                <a:cs typeface="Arial" panose="020B0604020202020204" pitchFamily="34" charset="0"/>
+              </a:defRPr>
+            </a:lvl5pPr>
+            <a:lvl6pPr marL="2514600" indent="-228600" algn="l" defTabSz="914400" rtl="0" eaLnBrk="1" latinLnBrk="0" hangingPunct="1">
+              <a:spcBef>
+                <a:spcPct val="20000"/>
+              </a:spcBef>
+              <a:buFont typeface="Arial" panose="020B0604020202020204" pitchFamily="34" charset="0"/>
+              <a:buChar char="•"/>
+              <a:defRPr sz="2000" kern="1200">
+                <a:solidFill>
+                  <a:schemeClr val="tx1"/>
+                </a:solidFill>
+                <a:latin typeface="+mn-lt"/>
+                <a:ea typeface="+mn-ea"/>
+                <a:cs typeface="+mn-cs"/>
+              </a:defRPr>
+            </a:lvl6pPr>
+            <a:lvl7pPr marL="2971800" indent="-228600" algn="l" defTabSz="914400" rtl="0" eaLnBrk="1" latinLnBrk="0" hangingPunct="1">
+              <a:spcBef>
+                <a:spcPct val="20000"/>
+              </a:spcBef>
+              <a:buFont typeface="Arial" panose="020B0604020202020204" pitchFamily="34" charset="0"/>
+              <a:buChar char="•"/>
+              <a:defRPr sz="2000" kern="1200">
+                <a:solidFill>
+                  <a:schemeClr val="tx1"/>
+                </a:solidFill>
+                <a:latin typeface="+mn-lt"/>
+                <a:ea typeface="+mn-ea"/>
+                <a:cs typeface="+mn-cs"/>
+              </a:defRPr>
+            </a:lvl7pPr>
+            <a:lvl8pPr marL="3429000" indent="-228600" algn="l" defTabSz="914400" rtl="0" eaLnBrk="1" latinLnBrk="0" hangingPunct="1">
+              <a:spcBef>
+                <a:spcPct val="20000"/>
+              </a:spcBef>
+              <a:buFont typeface="Arial" panose="020B0604020202020204" pitchFamily="34" charset="0"/>
+              <a:buChar char="•"/>
+              <a:defRPr sz="2000" kern="1200">
+                <a:solidFill>
+                  <a:schemeClr val="tx1"/>
+                </a:solidFill>
+                <a:latin typeface="+mn-lt"/>
+                <a:ea typeface="+mn-ea"/>
+                <a:cs typeface="+mn-cs"/>
+              </a:defRPr>
+            </a:lvl8pPr>
+            <a:lvl9pPr marL="3886200" indent="-228600" algn="l" defTabSz="914400" rtl="0" eaLnBrk="1" latinLnBrk="0" hangingPunct="1">
+              <a:spcBef>
+                <a:spcPct val="20000"/>
+              </a:spcBef>
+              <a:buFont typeface="Arial" panose="020B0604020202020204" pitchFamily="34" charset="0"/>
+              <a:buChar char="•"/>
+              <a:defRPr sz="2000" kern="1200">
+                <a:solidFill>
+                  <a:schemeClr val="tx1"/>
+                </a:solidFill>
+                <a:latin typeface="+mn-lt"/>
+                <a:ea typeface="+mn-ea"/>
+                <a:cs typeface="+mn-cs"/>
+              </a:defRPr>
+            </a:lvl9pPr>
+          </a:lstStyle>
+          <a:p>
+            <a:endParaRPr lang="pt-BR" dirty="0"/>
+          </a:p>
+        </p:txBody>
+      </p:sp>
+      <p:sp>
+        <p:nvSpPr>
+          <p:cNvPr id="6" name="Espaço Reservado para Conteúdo 3">
+            <a:extLst>
+              <a:ext uri="{FF2B5EF4-FFF2-40B4-BE49-F238E27FC236}">
+                <a16:creationId xmlns:a16="http://schemas.microsoft.com/office/drawing/2014/main" id="{E6001040-A923-E54A-C5E6-AB9CC12802F3}"/>
+              </a:ext>
+            </a:extLst>
+          </p:cNvPr>
+          <p:cNvSpPr>
+            <a:spLocks noGrp="1"/>
+          </p:cNvSpPr>
+          <p:nvPr>
+            <p:ph idx="10"/>
+          </p:nvPr>
+        </p:nvSpPr>
+        <p:spPr>
+          <a:xfrm>
+            <a:off x="540000" y="1620000"/>
+            <a:ext cx="10440000" cy="4140000"/>
+          </a:xfrm>
+        </p:spPr>
+        <p:txBody>
+          <a:bodyPr/>
+          <a:lstStyle/>
+          <a:p>
+            <a:r>
+              <a:rPr lang="pt-BR" dirty="0"/>
+              <a:t>Por que expansão de documentos?</a:t>
+            </a:r>
+          </a:p>
+          <a:p>
+            <a:endParaRPr lang="pt-BR" dirty="0"/>
+          </a:p>
+          <a:p>
+            <a:r>
+              <a:rPr lang="pt-BR" dirty="0"/>
+              <a:t>Das três alternativas, é a que menos altera a busca atual. E o faz apenas na indexação.</a:t>
+            </a:r>
+          </a:p>
+        </p:txBody>
+      </p:sp>
+    </p:spTree>
+    <p:extLst>
+      <p:ext uri="{BB962C8B-B14F-4D97-AF65-F5344CB8AC3E}">
+        <p14:creationId xmlns:p14="http://schemas.microsoft.com/office/powerpoint/2010/main" val="3208253352"/>
+      </p:ext>
+    </p:extLst>
+  </p:cSld>
+  <p:clrMapOvr>
+    <a:masterClrMapping/>
+  </p:clrMapOvr>
+</p:sld>
+</file>
+
+<file path=ppt/slides/slide13.xml><?xml version="1.0" encoding="utf-8"?>
+<p:sld xmlns:a="http://schemas.openxmlformats.org/drawingml/2006/main" xmlns:r="http://schemas.openxmlformats.org/officeDocument/2006/relationships" xmlns:p="http://schemas.openxmlformats.org/presentationml/2006/main">
+  <p:cSld>
+    <p:spTree>
+      <p:nvGrpSpPr>
+        <p:cNvPr id="1" name="">
+          <a:extLst>
+            <a:ext uri="{FF2B5EF4-FFF2-40B4-BE49-F238E27FC236}">
+              <a16:creationId xmlns:a16="http://schemas.microsoft.com/office/drawing/2014/main" id="{2F787FCE-2DB9-B51F-608B-2FED1FC2AE1C}"/>
+            </a:ext>
+          </a:extLst>
+        </p:cNvPr>
+        <p:cNvGrpSpPr/>
+        <p:nvPr/>
+      </p:nvGrpSpPr>
+      <p:grpSpPr>
+        <a:xfrm>
+          <a:off x="0" y="0"/>
+          <a:ext cx="0" cy="0"/>
+          <a:chOff x="0" y="0"/>
+          <a:chExt cx="0" cy="0"/>
+        </a:xfrm>
+      </p:grpSpPr>
+      <p:sp>
+        <p:nvSpPr>
+          <p:cNvPr id="4" name="Título 3">
+            <a:extLst>
+              <a:ext uri="{FF2B5EF4-FFF2-40B4-BE49-F238E27FC236}">
+                <a16:creationId xmlns:a16="http://schemas.microsoft.com/office/drawing/2014/main" id="{D6D46A16-F747-2236-2D49-3791D6C69BBA}"/>
+              </a:ext>
+            </a:extLst>
+          </p:cNvPr>
+          <p:cNvSpPr>
+            <a:spLocks noGrp="1"/>
+          </p:cNvSpPr>
+          <p:nvPr>
+            <p:ph type="ctrTitle"/>
+          </p:nvPr>
+        </p:nvSpPr>
+        <p:spPr/>
+        <p:txBody>
+          <a:bodyPr/>
+          <a:lstStyle/>
+          <a:p>
+            <a:r>
+              <a:rPr lang="pt-BR" dirty="0"/>
+              <a:t>2. Método</a:t>
+            </a:r>
+          </a:p>
+        </p:txBody>
+      </p:sp>
+      <p:sp>
+        <p:nvSpPr>
+          <p:cNvPr id="5" name="Subtítulo 4">
+            <a:extLst>
+              <a:ext uri="{FF2B5EF4-FFF2-40B4-BE49-F238E27FC236}">
+                <a16:creationId xmlns:a16="http://schemas.microsoft.com/office/drawing/2014/main" id="{BA3533DE-B875-45AE-1359-0C9938A6DE45}"/>
+              </a:ext>
+            </a:extLst>
+          </p:cNvPr>
+          <p:cNvSpPr>
+            <a:spLocks noGrp="1"/>
+          </p:cNvSpPr>
+          <p:nvPr>
+            <p:ph type="subTitle" idx="1"/>
+          </p:nvPr>
+        </p:nvSpPr>
+        <p:spPr/>
+        <p:txBody>
+          <a:bodyPr/>
+          <a:lstStyle/>
+          <a:p>
+            <a:r>
+              <a:rPr lang="pt-BR" dirty="0"/>
+              <a:t>Expansão de documentos na base de jurisprudência selecionada</a:t>
+            </a:r>
+          </a:p>
+        </p:txBody>
+      </p:sp>
+      <p:sp>
+        <p:nvSpPr>
+          <p:cNvPr id="7" name="Espaço Reservado para Número de Slide 6">
+            <a:extLst>
+              <a:ext uri="{FF2B5EF4-FFF2-40B4-BE49-F238E27FC236}">
+                <a16:creationId xmlns:a16="http://schemas.microsoft.com/office/drawing/2014/main" id="{CBE01E28-E22A-21B0-3B3E-B04913BB0C01}"/>
+              </a:ext>
+            </a:extLst>
+          </p:cNvPr>
+          <p:cNvSpPr>
+            <a:spLocks noGrp="1"/>
+          </p:cNvSpPr>
+          <p:nvPr>
+            <p:ph type="sldNum" sz="quarter" idx="4"/>
+          </p:nvPr>
+        </p:nvSpPr>
+        <p:spPr/>
+        <p:txBody>
+          <a:bodyPr/>
+          <a:lstStyle/>
+          <a:p>
+            <a:fld id="{F237BF63-6F93-4812-BF2B-F503033D63A9}" type="slidenum">
+              <a:rPr lang="pt-BR" smtClean="0"/>
+              <a:pPr/>
+              <a:t>13</a:t>
+            </a:fld>
+            <a:endParaRPr lang="pt-BR" dirty="0"/>
+          </a:p>
+        </p:txBody>
+      </p:sp>
+      <p:sp>
+        <p:nvSpPr>
+          <p:cNvPr id="8" name="Espaço Reservado para Conteúdo 10">
+            <a:extLst>
+              <a:ext uri="{FF2B5EF4-FFF2-40B4-BE49-F238E27FC236}">
+                <a16:creationId xmlns:a16="http://schemas.microsoft.com/office/drawing/2014/main" id="{C31B9C03-059D-A34E-716C-D2EFE718D2F1}"/>
+              </a:ext>
+            </a:extLst>
+          </p:cNvPr>
+          <p:cNvSpPr txBox="1">
+            <a:spLocks/>
+          </p:cNvSpPr>
+          <p:nvPr/>
+        </p:nvSpPr>
+        <p:spPr>
+          <a:xfrm>
+            <a:off x="692400" y="1772400"/>
+            <a:ext cx="10440000" cy="4140000"/>
+          </a:xfrm>
+          <a:prstGeom prst="rect">
+            <a:avLst/>
+          </a:prstGeom>
+        </p:spPr>
+        <p:txBody>
+          <a:bodyPr vert="horz" lIns="0" tIns="0" rIns="0" bIns="0" rtlCol="0">
+            <a:normAutofit/>
+          </a:bodyPr>
+          <a:lstStyle>
+            <a:lvl1pPr marL="0" indent="0" algn="l" defTabSz="914400" rtl="0" eaLnBrk="1" latinLnBrk="0" hangingPunct="1">
+              <a:lnSpc>
+                <a:spcPts val="2000"/>
+              </a:lnSpc>
+              <a:spcBef>
+                <a:spcPts val="0"/>
+              </a:spcBef>
+              <a:spcAft>
+                <a:spcPts val="1200"/>
+              </a:spcAft>
+              <a:buFont typeface="Arial" panose="020B0604020202020204" pitchFamily="34" charset="0"/>
+              <a:buNone/>
+              <a:defRPr sz="1800" kern="1200">
+                <a:solidFill>
+                  <a:srgbClr val="002060"/>
+                </a:solidFill>
+                <a:latin typeface="Calibri Light" panose="020F0302020204030204" pitchFamily="34" charset="0"/>
+                <a:ea typeface="+mn-ea"/>
+                <a:cs typeface="Arial" panose="020B0604020202020204" pitchFamily="34" charset="0"/>
+              </a:defRPr>
+            </a:lvl1pPr>
+            <a:lvl2pPr marL="180000" indent="-180000" algn="l" defTabSz="914400" rtl="0" eaLnBrk="1" latinLnBrk="0" hangingPunct="1">
+              <a:lnSpc>
+                <a:spcPts val="2000"/>
+              </a:lnSpc>
+              <a:spcBef>
+                <a:spcPts val="0"/>
+              </a:spcBef>
+              <a:spcAft>
+                <a:spcPts val="1200"/>
+              </a:spcAft>
+              <a:buClr>
+                <a:schemeClr val="accent6">
+                  <a:lumMod val="75000"/>
+                </a:schemeClr>
+              </a:buClr>
+              <a:buFont typeface="Wingdings" panose="05000000000000000000" pitchFamily="2" charset="2"/>
+              <a:buChar char="§"/>
+              <a:defRPr sz="1800" kern="1200">
+                <a:solidFill>
+                  <a:srgbClr val="002060"/>
+                </a:solidFill>
+                <a:latin typeface="Calibri Light" panose="020F0302020204030204" pitchFamily="34" charset="0"/>
+                <a:ea typeface="+mn-ea"/>
+                <a:cs typeface="Arial" panose="020B0604020202020204" pitchFamily="34" charset="0"/>
+              </a:defRPr>
+            </a:lvl2pPr>
+            <a:lvl3pPr marL="180000" indent="0" algn="l" defTabSz="914400" rtl="0" eaLnBrk="1" latinLnBrk="0" hangingPunct="1">
+              <a:lnSpc>
+                <a:spcPts val="2000"/>
+              </a:lnSpc>
+              <a:spcBef>
+                <a:spcPts val="0"/>
+              </a:spcBef>
+              <a:spcAft>
+                <a:spcPts val="1200"/>
+              </a:spcAft>
+              <a:buFont typeface="Arial" panose="020B0604020202020204" pitchFamily="34" charset="0"/>
+              <a:buNone/>
+              <a:defRPr sz="1800" i="1" kern="1200">
+                <a:solidFill>
+                  <a:srgbClr val="002060"/>
+                </a:solidFill>
+                <a:latin typeface="Calibri Light" panose="020F0302020204030204" pitchFamily="34" charset="0"/>
+                <a:ea typeface="+mn-ea"/>
+                <a:cs typeface="Arial" panose="020B0604020202020204" pitchFamily="34" charset="0"/>
+              </a:defRPr>
+            </a:lvl3pPr>
+            <a:lvl4pPr marL="540000" indent="-180000" algn="l" defTabSz="914400" rtl="0" eaLnBrk="1" latinLnBrk="0" hangingPunct="1">
+              <a:lnSpc>
+                <a:spcPts val="2000"/>
+              </a:lnSpc>
+              <a:spcBef>
+                <a:spcPts val="0"/>
+              </a:spcBef>
+              <a:spcAft>
+                <a:spcPts val="1200"/>
+              </a:spcAft>
+              <a:buClr>
+                <a:schemeClr val="accent6">
+                  <a:lumMod val="75000"/>
+                </a:schemeClr>
+              </a:buClr>
+              <a:buFont typeface="Wingdings" panose="05000000000000000000" pitchFamily="2" charset="2"/>
+              <a:buChar char="§"/>
+              <a:defRPr sz="1800" kern="1200">
+                <a:solidFill>
+                  <a:schemeClr val="accent3">
+                    <a:lumMod val="50000"/>
+                  </a:schemeClr>
+                </a:solidFill>
+                <a:latin typeface="Calibri Light" panose="020F0302020204030204" pitchFamily="34" charset="0"/>
+                <a:ea typeface="+mn-ea"/>
+                <a:cs typeface="Arial" panose="020B0604020202020204" pitchFamily="34" charset="0"/>
+              </a:defRPr>
+            </a:lvl4pPr>
+            <a:lvl5pPr marL="540000" indent="0" algn="l" defTabSz="914400" rtl="0" eaLnBrk="1" latinLnBrk="0" hangingPunct="1">
+              <a:lnSpc>
+                <a:spcPts val="2000"/>
+              </a:lnSpc>
+              <a:spcBef>
+                <a:spcPts val="0"/>
+              </a:spcBef>
+              <a:spcAft>
+                <a:spcPts val="1200"/>
+              </a:spcAft>
+              <a:buFont typeface="Arial" panose="020B0604020202020204" pitchFamily="34" charset="0"/>
+              <a:buNone/>
+              <a:defRPr sz="1800" i="1" kern="1200">
+                <a:solidFill>
+                  <a:schemeClr val="accent3">
+                    <a:lumMod val="50000"/>
+                  </a:schemeClr>
+                </a:solidFill>
+                <a:latin typeface="Calibri Light" panose="020F0302020204030204" pitchFamily="34" charset="0"/>
+                <a:ea typeface="+mn-ea"/>
+                <a:cs typeface="Arial" panose="020B0604020202020204" pitchFamily="34" charset="0"/>
+              </a:defRPr>
+            </a:lvl5pPr>
+            <a:lvl6pPr marL="2514600" indent="-228600" algn="l" defTabSz="914400" rtl="0" eaLnBrk="1" latinLnBrk="0" hangingPunct="1">
+              <a:spcBef>
+                <a:spcPct val="20000"/>
+              </a:spcBef>
+              <a:buFont typeface="Arial" panose="020B0604020202020204" pitchFamily="34" charset="0"/>
+              <a:buChar char="•"/>
+              <a:defRPr sz="2000" kern="1200">
+                <a:solidFill>
+                  <a:schemeClr val="tx1"/>
+                </a:solidFill>
+                <a:latin typeface="+mn-lt"/>
+                <a:ea typeface="+mn-ea"/>
+                <a:cs typeface="+mn-cs"/>
+              </a:defRPr>
+            </a:lvl6pPr>
+            <a:lvl7pPr marL="2971800" indent="-228600" algn="l" defTabSz="914400" rtl="0" eaLnBrk="1" latinLnBrk="0" hangingPunct="1">
+              <a:spcBef>
+                <a:spcPct val="20000"/>
+              </a:spcBef>
+              <a:buFont typeface="Arial" panose="020B0604020202020204" pitchFamily="34" charset="0"/>
+              <a:buChar char="•"/>
+              <a:defRPr sz="2000" kern="1200">
+                <a:solidFill>
+                  <a:schemeClr val="tx1"/>
+                </a:solidFill>
+                <a:latin typeface="+mn-lt"/>
+                <a:ea typeface="+mn-ea"/>
+                <a:cs typeface="+mn-cs"/>
+              </a:defRPr>
+            </a:lvl7pPr>
+            <a:lvl8pPr marL="3429000" indent="-228600" algn="l" defTabSz="914400" rtl="0" eaLnBrk="1" latinLnBrk="0" hangingPunct="1">
+              <a:spcBef>
+                <a:spcPct val="20000"/>
+              </a:spcBef>
+              <a:buFont typeface="Arial" panose="020B0604020202020204" pitchFamily="34" charset="0"/>
+              <a:buChar char="•"/>
+              <a:defRPr sz="2000" kern="1200">
+                <a:solidFill>
+                  <a:schemeClr val="tx1"/>
+                </a:solidFill>
+                <a:latin typeface="+mn-lt"/>
+                <a:ea typeface="+mn-ea"/>
+                <a:cs typeface="+mn-cs"/>
+              </a:defRPr>
+            </a:lvl8pPr>
+            <a:lvl9pPr marL="3886200" indent="-228600" algn="l" defTabSz="914400" rtl="0" eaLnBrk="1" latinLnBrk="0" hangingPunct="1">
+              <a:spcBef>
+                <a:spcPct val="20000"/>
+              </a:spcBef>
+              <a:buFont typeface="Arial" panose="020B0604020202020204" pitchFamily="34" charset="0"/>
+              <a:buChar char="•"/>
+              <a:defRPr sz="2000" kern="1200">
+                <a:solidFill>
+                  <a:schemeClr val="tx1"/>
+                </a:solidFill>
+                <a:latin typeface="+mn-lt"/>
+                <a:ea typeface="+mn-ea"/>
+                <a:cs typeface="+mn-cs"/>
+              </a:defRPr>
+            </a:lvl9pPr>
+          </a:lstStyle>
+          <a:p>
+            <a:endParaRPr lang="pt-BR" dirty="0"/>
+          </a:p>
+        </p:txBody>
+      </p:sp>
+      <p:pic>
+        <p:nvPicPr>
+          <p:cNvPr id="12" name="Imagem 11">
+            <a:extLst>
+              <a:ext uri="{FF2B5EF4-FFF2-40B4-BE49-F238E27FC236}">
+                <a16:creationId xmlns:a16="http://schemas.microsoft.com/office/drawing/2014/main" id="{38E07E77-464A-02E9-BBE9-7EECA513637E}"/>
+              </a:ext>
+            </a:extLst>
+          </p:cNvPr>
+          <p:cNvPicPr>
+            <a:picLocks noChangeAspect="1"/>
+          </p:cNvPicPr>
+          <p:nvPr/>
+        </p:nvPicPr>
+        <p:blipFill>
+          <a:blip r:embed="rId2"/>
+          <a:stretch>
+            <a:fillRect/>
+          </a:stretch>
+        </p:blipFill>
+        <p:spPr>
+          <a:xfrm>
+            <a:off x="7057181" y="1823419"/>
+            <a:ext cx="3139712" cy="2545301"/>
+          </a:xfrm>
+          <a:prstGeom prst="rect">
+            <a:avLst/>
+          </a:prstGeom>
+        </p:spPr>
+      </p:pic>
+      <p:cxnSp>
+        <p:nvCxnSpPr>
+          <p:cNvPr id="14" name="Conector de Seta Reta 13">
+            <a:extLst>
+              <a:ext uri="{FF2B5EF4-FFF2-40B4-BE49-F238E27FC236}">
+                <a16:creationId xmlns:a16="http://schemas.microsoft.com/office/drawing/2014/main" id="{7BD4A450-7D51-87FF-4459-43826D4DBE2D}"/>
+              </a:ext>
+            </a:extLst>
+          </p:cNvPr>
+          <p:cNvCxnSpPr>
+            <a:cxnSpLocks/>
+          </p:cNvCxnSpPr>
+          <p:nvPr/>
+        </p:nvCxnSpPr>
+        <p:spPr>
+          <a:xfrm flipH="1">
+            <a:off x="5328989" y="2447999"/>
+            <a:ext cx="1728192" cy="0"/>
+          </a:xfrm>
+          <a:prstGeom prst="straightConnector1">
+            <a:avLst/>
+          </a:prstGeom>
+          <a:ln w="25400">
+            <a:tailEnd type="triangle"/>
+          </a:ln>
+        </p:spPr>
+        <p:style>
+          <a:lnRef idx="1">
+            <a:schemeClr val="accent1"/>
+          </a:lnRef>
+          <a:fillRef idx="0">
+            <a:schemeClr val="accent1"/>
+          </a:fillRef>
+          <a:effectRef idx="0">
+            <a:schemeClr val="accent1"/>
+          </a:effectRef>
+          <a:fontRef idx="minor">
+            <a:schemeClr val="tx1"/>
+          </a:fontRef>
+        </p:style>
+      </p:cxnSp>
+      <p:sp>
+        <p:nvSpPr>
+          <p:cNvPr id="16" name="CaixaDeTexto 15">
+            <a:extLst>
+              <a:ext uri="{FF2B5EF4-FFF2-40B4-BE49-F238E27FC236}">
+                <a16:creationId xmlns:a16="http://schemas.microsoft.com/office/drawing/2014/main" id="{274EFCEC-DE3F-808C-2040-7F33B15C6B73}"/>
+              </a:ext>
+            </a:extLst>
+          </p:cNvPr>
+          <p:cNvSpPr txBox="1"/>
+          <p:nvPr/>
+        </p:nvSpPr>
+        <p:spPr>
+          <a:xfrm>
+            <a:off x="539999" y="1620000"/>
+            <a:ext cx="4933005" cy="3693319"/>
+          </a:xfrm>
+          <a:prstGeom prst="rect">
+            <a:avLst/>
+          </a:prstGeom>
+          <a:noFill/>
+        </p:spPr>
+        <p:txBody>
+          <a:bodyPr wrap="square" rtlCol="0">
+            <a:spAutoFit/>
+          </a:bodyPr>
+          <a:lstStyle/>
+          <a:p>
+            <a:pPr algn="ctr"/>
+            <a:r>
+              <a:rPr lang="pt-BR" dirty="0">
+                <a:solidFill>
+                  <a:srgbClr val="002060"/>
+                </a:solidFill>
+                <a:latin typeface="Calibri Light" panose="020F0302020204030204" pitchFamily="34" charset="0"/>
+                <a:cs typeface="Arial" panose="020B0604020202020204" pitchFamily="34" charset="0"/>
+              </a:rPr>
+              <a:t>Por que Jurisprudência Selecionada?</a:t>
+            </a:r>
+          </a:p>
+          <a:p>
+            <a:endParaRPr lang="pt-BR" dirty="0">
+              <a:solidFill>
+                <a:srgbClr val="002060"/>
+              </a:solidFill>
+              <a:latin typeface="Calibri Light" panose="020F0302020204030204" pitchFamily="34" charset="0"/>
+              <a:cs typeface="Arial" panose="020B0604020202020204" pitchFamily="34" charset="0"/>
+            </a:endParaRPr>
+          </a:p>
+          <a:p>
+            <a:r>
+              <a:rPr lang="pt-BR" dirty="0">
+                <a:solidFill>
+                  <a:srgbClr val="002060"/>
+                </a:solidFill>
+                <a:latin typeface="Calibri Light" panose="020F0302020204030204" pitchFamily="34" charset="0"/>
+                <a:cs typeface="Arial" panose="020B0604020202020204" pitchFamily="34" charset="0"/>
+              </a:rPr>
+              <a:t>Os documentos são estruturados ao redor de um enunciado elaborado por órgão especializado do Tribunal.</a:t>
+            </a:r>
+          </a:p>
+          <a:p>
+            <a:endParaRPr lang="pt-BR" dirty="0">
+              <a:solidFill>
+                <a:srgbClr val="002060"/>
+              </a:solidFill>
+              <a:latin typeface="Calibri Light" panose="020F0302020204030204" pitchFamily="34" charset="0"/>
+              <a:cs typeface="Arial" panose="020B0604020202020204" pitchFamily="34" charset="0"/>
+            </a:endParaRPr>
+          </a:p>
+          <a:p>
+            <a:r>
+              <a:rPr lang="pt-BR" dirty="0">
+                <a:solidFill>
+                  <a:srgbClr val="002060"/>
+                </a:solidFill>
+                <a:latin typeface="Calibri Light" panose="020F0302020204030204" pitchFamily="34" charset="0"/>
+                <a:cs typeface="Arial" panose="020B0604020202020204" pitchFamily="34" charset="0"/>
+              </a:rPr>
+              <a:t>O enunciado retrata o entendimento contido na deliberação da qual ele foi extraído.</a:t>
+            </a:r>
+          </a:p>
+          <a:p>
+            <a:endParaRPr lang="pt-BR" dirty="0">
+              <a:solidFill>
+                <a:srgbClr val="002060"/>
+              </a:solidFill>
+              <a:latin typeface="Calibri Light" panose="020F0302020204030204" pitchFamily="34" charset="0"/>
+              <a:cs typeface="Arial" panose="020B0604020202020204" pitchFamily="34" charset="0"/>
+            </a:endParaRPr>
+          </a:p>
+          <a:p>
+            <a:endParaRPr lang="pt-BR" dirty="0">
+              <a:solidFill>
+                <a:srgbClr val="002060"/>
+              </a:solidFill>
+              <a:latin typeface="Calibri Light" panose="020F0302020204030204" pitchFamily="34" charset="0"/>
+              <a:cs typeface="Arial" panose="020B0604020202020204" pitchFamily="34" charset="0"/>
+            </a:endParaRPr>
+          </a:p>
+          <a:p>
+            <a:pPr marL="465750" lvl="1" indent="-285750">
+              <a:buFont typeface="Arial" panose="020B0604020202020204" pitchFamily="34" charset="0"/>
+              <a:buChar char="•"/>
+            </a:pPr>
+            <a:r>
+              <a:rPr lang="pt-BR" dirty="0">
+                <a:solidFill>
+                  <a:srgbClr val="002060"/>
+                </a:solidFill>
+                <a:latin typeface="Calibri Light" panose="020F0302020204030204" pitchFamily="34" charset="0"/>
+                <a:cs typeface="Arial" panose="020B0604020202020204" pitchFamily="34" charset="0"/>
+              </a:rPr>
+              <a:t>Relevante para o controle externo</a:t>
+            </a:r>
+          </a:p>
+          <a:p>
+            <a:pPr marL="465750" lvl="1" indent="-285750">
+              <a:buFont typeface="Arial" panose="020B0604020202020204" pitchFamily="34" charset="0"/>
+              <a:buChar char="•"/>
+            </a:pPr>
+            <a:r>
+              <a:rPr lang="pt-BR" dirty="0">
+                <a:solidFill>
+                  <a:srgbClr val="002060"/>
+                </a:solidFill>
+                <a:latin typeface="Calibri Light" panose="020F0302020204030204" pitchFamily="34" charset="0"/>
+                <a:cs typeface="Arial" panose="020B0604020202020204" pitchFamily="34" charset="0"/>
+              </a:rPr>
+              <a:t>Nem muito grande, nem muito pequena</a:t>
+            </a:r>
+          </a:p>
+          <a:p>
+            <a:pPr marL="465750" lvl="1" indent="-285750">
+              <a:buFont typeface="Arial" panose="020B0604020202020204" pitchFamily="34" charset="0"/>
+              <a:buChar char="•"/>
+            </a:pPr>
+            <a:r>
+              <a:rPr lang="pt-BR" dirty="0">
+                <a:solidFill>
+                  <a:srgbClr val="002060"/>
+                </a:solidFill>
+                <a:latin typeface="Calibri Light" panose="020F0302020204030204" pitchFamily="34" charset="0"/>
+                <a:cs typeface="Arial" panose="020B0604020202020204" pitchFamily="34" charset="0"/>
+              </a:rPr>
+              <a:t>Possui </a:t>
+            </a:r>
+            <a:r>
+              <a:rPr lang="pt-BR" dirty="0" err="1">
+                <a:solidFill>
+                  <a:srgbClr val="002060"/>
+                </a:solidFill>
+                <a:latin typeface="Calibri Light" panose="020F0302020204030204" pitchFamily="34" charset="0"/>
+                <a:cs typeface="Arial" panose="020B0604020202020204" pitchFamily="34" charset="0"/>
+              </a:rPr>
+              <a:t>qrels</a:t>
+            </a:r>
+            <a:endParaRPr lang="pt-BR" dirty="0">
+              <a:solidFill>
+                <a:srgbClr val="002060"/>
+              </a:solidFill>
+              <a:latin typeface="Calibri Light" panose="020F0302020204030204" pitchFamily="34" charset="0"/>
+              <a:cs typeface="Arial" panose="020B0604020202020204" pitchFamily="34" charset="0"/>
+            </a:endParaRPr>
+          </a:p>
+        </p:txBody>
+      </p:sp>
+    </p:spTree>
+    <p:extLst>
+      <p:ext uri="{BB962C8B-B14F-4D97-AF65-F5344CB8AC3E}">
+        <p14:creationId xmlns:p14="http://schemas.microsoft.com/office/powerpoint/2010/main" val="2360391570"/>
+      </p:ext>
+    </p:extLst>
+  </p:cSld>
+  <p:clrMapOvr>
+    <a:masterClrMapping/>
+  </p:clrMapOvr>
+</p:sld>
+</file>
+
+<file path=ppt/slides/slide14.xml><?xml version="1.0" encoding="utf-8"?>
+<p:sld xmlns:a="http://schemas.openxmlformats.org/drawingml/2006/main" xmlns:r="http://schemas.openxmlformats.org/officeDocument/2006/relationships" xmlns:p="http://schemas.openxmlformats.org/presentationml/2006/main">
+  <p:cSld>
+    <p:spTree>
+      <p:nvGrpSpPr>
+        <p:cNvPr id="1" name="">
+          <a:extLst>
+            <a:ext uri="{FF2B5EF4-FFF2-40B4-BE49-F238E27FC236}">
+              <a16:creationId xmlns:a16="http://schemas.microsoft.com/office/drawing/2014/main" id="{0BBC915B-C422-D2E5-FC4C-8665F4885C63}"/>
+            </a:ext>
+          </a:extLst>
+        </p:cNvPr>
+        <p:cNvGrpSpPr/>
+        <p:nvPr/>
+      </p:nvGrpSpPr>
+      <p:grpSpPr>
+        <a:xfrm>
+          <a:off x="0" y="0"/>
+          <a:ext cx="0" cy="0"/>
+          <a:chOff x="0" y="0"/>
+          <a:chExt cx="0" cy="0"/>
+        </a:xfrm>
+      </p:grpSpPr>
+      <p:sp>
+        <p:nvSpPr>
+          <p:cNvPr id="4" name="Título 3">
+            <a:extLst>
+              <a:ext uri="{FF2B5EF4-FFF2-40B4-BE49-F238E27FC236}">
+                <a16:creationId xmlns:a16="http://schemas.microsoft.com/office/drawing/2014/main" id="{A7CE7FCE-C006-6A30-9F4C-8160E7096439}"/>
+              </a:ext>
+            </a:extLst>
+          </p:cNvPr>
+          <p:cNvSpPr>
+            <a:spLocks noGrp="1"/>
+          </p:cNvSpPr>
+          <p:nvPr>
+            <p:ph type="ctrTitle"/>
+          </p:nvPr>
+        </p:nvSpPr>
+        <p:spPr/>
+        <p:txBody>
+          <a:bodyPr/>
+          <a:lstStyle/>
+          <a:p>
+            <a:r>
+              <a:rPr lang="pt-BR" dirty="0"/>
+              <a:t>2. Método</a:t>
+            </a:r>
+          </a:p>
+        </p:txBody>
+      </p:sp>
+      <p:sp>
+        <p:nvSpPr>
+          <p:cNvPr id="5" name="Subtítulo 4">
+            <a:extLst>
+              <a:ext uri="{FF2B5EF4-FFF2-40B4-BE49-F238E27FC236}">
+                <a16:creationId xmlns:a16="http://schemas.microsoft.com/office/drawing/2014/main" id="{5F89771D-0A27-DB83-BD2F-77630DFB5E34}"/>
+              </a:ext>
+            </a:extLst>
+          </p:cNvPr>
+          <p:cNvSpPr>
+            <a:spLocks noGrp="1"/>
+          </p:cNvSpPr>
+          <p:nvPr>
+            <p:ph type="subTitle" idx="1"/>
+          </p:nvPr>
+        </p:nvSpPr>
+        <p:spPr/>
+        <p:txBody>
+          <a:bodyPr/>
+          <a:lstStyle/>
+          <a:p>
+            <a:r>
+              <a:rPr lang="pt-BR" dirty="0"/>
+              <a:t>Documentos da jurisprudência selecionada</a:t>
+            </a:r>
+          </a:p>
+        </p:txBody>
+      </p:sp>
+      <p:sp>
+        <p:nvSpPr>
+          <p:cNvPr id="7" name="Espaço Reservado para Número de Slide 6">
+            <a:extLst>
+              <a:ext uri="{FF2B5EF4-FFF2-40B4-BE49-F238E27FC236}">
+                <a16:creationId xmlns:a16="http://schemas.microsoft.com/office/drawing/2014/main" id="{0FD099F5-44DF-825A-FE23-9304693E8AF6}"/>
+              </a:ext>
+            </a:extLst>
+          </p:cNvPr>
+          <p:cNvSpPr>
+            <a:spLocks noGrp="1"/>
+          </p:cNvSpPr>
+          <p:nvPr>
+            <p:ph type="sldNum" sz="quarter" idx="4"/>
+          </p:nvPr>
+        </p:nvSpPr>
+        <p:spPr/>
+        <p:txBody>
+          <a:bodyPr/>
+          <a:lstStyle/>
+          <a:p>
+            <a:fld id="{F237BF63-6F93-4812-BF2B-F503033D63A9}" type="slidenum">
+              <a:rPr lang="pt-BR" smtClean="0"/>
+              <a:pPr/>
+              <a:t>14</a:t>
+            </a:fld>
+            <a:endParaRPr lang="pt-BR" dirty="0"/>
+          </a:p>
+        </p:txBody>
+      </p:sp>
+      <p:sp>
+        <p:nvSpPr>
+          <p:cNvPr id="8" name="Espaço Reservado para Conteúdo 10">
+            <a:extLst>
+              <a:ext uri="{FF2B5EF4-FFF2-40B4-BE49-F238E27FC236}">
+                <a16:creationId xmlns:a16="http://schemas.microsoft.com/office/drawing/2014/main" id="{0C665D5A-1F1D-6E73-CB64-D289005A8B83}"/>
+              </a:ext>
+            </a:extLst>
+          </p:cNvPr>
+          <p:cNvSpPr txBox="1">
+            <a:spLocks/>
+          </p:cNvSpPr>
+          <p:nvPr/>
+        </p:nvSpPr>
+        <p:spPr>
+          <a:xfrm>
+            <a:off x="692400" y="1772400"/>
+            <a:ext cx="10440000" cy="4140000"/>
+          </a:xfrm>
+          <a:prstGeom prst="rect">
+            <a:avLst/>
+          </a:prstGeom>
+        </p:spPr>
+        <p:txBody>
+          <a:bodyPr vert="horz" lIns="0" tIns="0" rIns="0" bIns="0" rtlCol="0">
+            <a:normAutofit/>
+          </a:bodyPr>
+          <a:lstStyle>
+            <a:lvl1pPr marL="0" indent="0" algn="l" defTabSz="914400" rtl="0" eaLnBrk="1" latinLnBrk="0" hangingPunct="1">
+              <a:lnSpc>
+                <a:spcPts val="2000"/>
+              </a:lnSpc>
+              <a:spcBef>
+                <a:spcPts val="0"/>
+              </a:spcBef>
+              <a:spcAft>
+                <a:spcPts val="1200"/>
+              </a:spcAft>
+              <a:buFont typeface="Arial" panose="020B0604020202020204" pitchFamily="34" charset="0"/>
+              <a:buNone/>
+              <a:defRPr sz="1800" kern="1200">
+                <a:solidFill>
+                  <a:srgbClr val="002060"/>
+                </a:solidFill>
+                <a:latin typeface="Calibri Light" panose="020F0302020204030204" pitchFamily="34" charset="0"/>
+                <a:ea typeface="+mn-ea"/>
+                <a:cs typeface="Arial" panose="020B0604020202020204" pitchFamily="34" charset="0"/>
+              </a:defRPr>
+            </a:lvl1pPr>
+            <a:lvl2pPr marL="180000" indent="-180000" algn="l" defTabSz="914400" rtl="0" eaLnBrk="1" latinLnBrk="0" hangingPunct="1">
+              <a:lnSpc>
+                <a:spcPts val="2000"/>
+              </a:lnSpc>
+              <a:spcBef>
+                <a:spcPts val="0"/>
+              </a:spcBef>
+              <a:spcAft>
+                <a:spcPts val="1200"/>
+              </a:spcAft>
+              <a:buClr>
+                <a:schemeClr val="accent6">
+                  <a:lumMod val="75000"/>
+                </a:schemeClr>
+              </a:buClr>
+              <a:buFont typeface="Wingdings" panose="05000000000000000000" pitchFamily="2" charset="2"/>
+              <a:buChar char="§"/>
+              <a:defRPr sz="1800" kern="1200">
+                <a:solidFill>
+                  <a:srgbClr val="002060"/>
+                </a:solidFill>
+                <a:latin typeface="Calibri Light" panose="020F0302020204030204" pitchFamily="34" charset="0"/>
+                <a:ea typeface="+mn-ea"/>
+                <a:cs typeface="Arial" panose="020B0604020202020204" pitchFamily="34" charset="0"/>
+              </a:defRPr>
+            </a:lvl2pPr>
+            <a:lvl3pPr marL="180000" indent="0" algn="l" defTabSz="914400" rtl="0" eaLnBrk="1" latinLnBrk="0" hangingPunct="1">
+              <a:lnSpc>
+                <a:spcPts val="2000"/>
+              </a:lnSpc>
+              <a:spcBef>
+                <a:spcPts val="0"/>
+              </a:spcBef>
+              <a:spcAft>
+                <a:spcPts val="1200"/>
+              </a:spcAft>
+              <a:buFont typeface="Arial" panose="020B0604020202020204" pitchFamily="34" charset="0"/>
+              <a:buNone/>
+              <a:defRPr sz="1800" i="1" kern="1200">
+                <a:solidFill>
+                  <a:srgbClr val="002060"/>
+                </a:solidFill>
+                <a:latin typeface="Calibri Light" panose="020F0302020204030204" pitchFamily="34" charset="0"/>
+                <a:ea typeface="+mn-ea"/>
+                <a:cs typeface="Arial" panose="020B0604020202020204" pitchFamily="34" charset="0"/>
+              </a:defRPr>
+            </a:lvl3pPr>
+            <a:lvl4pPr marL="540000" indent="-180000" algn="l" defTabSz="914400" rtl="0" eaLnBrk="1" latinLnBrk="0" hangingPunct="1">
+              <a:lnSpc>
+                <a:spcPts val="2000"/>
+              </a:lnSpc>
+              <a:spcBef>
+                <a:spcPts val="0"/>
+              </a:spcBef>
+              <a:spcAft>
+                <a:spcPts val="1200"/>
+              </a:spcAft>
+              <a:buClr>
+                <a:schemeClr val="accent6">
+                  <a:lumMod val="75000"/>
+                </a:schemeClr>
+              </a:buClr>
+              <a:buFont typeface="Wingdings" panose="05000000000000000000" pitchFamily="2" charset="2"/>
+              <a:buChar char="§"/>
+              <a:defRPr sz="1800" kern="1200">
+                <a:solidFill>
+                  <a:schemeClr val="accent3">
+                    <a:lumMod val="50000"/>
+                  </a:schemeClr>
+                </a:solidFill>
+                <a:latin typeface="Calibri Light" panose="020F0302020204030204" pitchFamily="34" charset="0"/>
+                <a:ea typeface="+mn-ea"/>
+                <a:cs typeface="Arial" panose="020B0604020202020204" pitchFamily="34" charset="0"/>
+              </a:defRPr>
+            </a:lvl4pPr>
+            <a:lvl5pPr marL="540000" indent="0" algn="l" defTabSz="914400" rtl="0" eaLnBrk="1" latinLnBrk="0" hangingPunct="1">
+              <a:lnSpc>
+                <a:spcPts val="2000"/>
+              </a:lnSpc>
+              <a:spcBef>
+                <a:spcPts val="0"/>
+              </a:spcBef>
+              <a:spcAft>
+                <a:spcPts val="1200"/>
+              </a:spcAft>
+              <a:buFont typeface="Arial" panose="020B0604020202020204" pitchFamily="34" charset="0"/>
+              <a:buNone/>
+              <a:defRPr sz="1800" i="1" kern="1200">
+                <a:solidFill>
+                  <a:schemeClr val="accent3">
+                    <a:lumMod val="50000"/>
+                  </a:schemeClr>
+                </a:solidFill>
+                <a:latin typeface="Calibri Light" panose="020F0302020204030204" pitchFamily="34" charset="0"/>
+                <a:ea typeface="+mn-ea"/>
+                <a:cs typeface="Arial" panose="020B0604020202020204" pitchFamily="34" charset="0"/>
+              </a:defRPr>
+            </a:lvl5pPr>
+            <a:lvl6pPr marL="2514600" indent="-228600" algn="l" defTabSz="914400" rtl="0" eaLnBrk="1" latinLnBrk="0" hangingPunct="1">
+              <a:spcBef>
+                <a:spcPct val="20000"/>
+              </a:spcBef>
+              <a:buFont typeface="Arial" panose="020B0604020202020204" pitchFamily="34" charset="0"/>
+              <a:buChar char="•"/>
+              <a:defRPr sz="2000" kern="1200">
+                <a:solidFill>
+                  <a:schemeClr val="tx1"/>
+                </a:solidFill>
+                <a:latin typeface="+mn-lt"/>
+                <a:ea typeface="+mn-ea"/>
+                <a:cs typeface="+mn-cs"/>
+              </a:defRPr>
+            </a:lvl6pPr>
+            <a:lvl7pPr marL="2971800" indent="-228600" algn="l" defTabSz="914400" rtl="0" eaLnBrk="1" latinLnBrk="0" hangingPunct="1">
+              <a:spcBef>
+                <a:spcPct val="20000"/>
+              </a:spcBef>
+              <a:buFont typeface="Arial" panose="020B0604020202020204" pitchFamily="34" charset="0"/>
+              <a:buChar char="•"/>
+              <a:defRPr sz="2000" kern="1200">
+                <a:solidFill>
+                  <a:schemeClr val="tx1"/>
+                </a:solidFill>
+                <a:latin typeface="+mn-lt"/>
+                <a:ea typeface="+mn-ea"/>
+                <a:cs typeface="+mn-cs"/>
+              </a:defRPr>
+            </a:lvl7pPr>
+            <a:lvl8pPr marL="3429000" indent="-228600" algn="l" defTabSz="914400" rtl="0" eaLnBrk="1" latinLnBrk="0" hangingPunct="1">
+              <a:spcBef>
+                <a:spcPct val="20000"/>
+              </a:spcBef>
+              <a:buFont typeface="Arial" panose="020B0604020202020204" pitchFamily="34" charset="0"/>
+              <a:buChar char="•"/>
+              <a:defRPr sz="2000" kern="1200">
+                <a:solidFill>
+                  <a:schemeClr val="tx1"/>
+                </a:solidFill>
+                <a:latin typeface="+mn-lt"/>
+                <a:ea typeface="+mn-ea"/>
+                <a:cs typeface="+mn-cs"/>
+              </a:defRPr>
+            </a:lvl8pPr>
+            <a:lvl9pPr marL="3886200" indent="-228600" algn="l" defTabSz="914400" rtl="0" eaLnBrk="1" latinLnBrk="0" hangingPunct="1">
+              <a:spcBef>
+                <a:spcPct val="20000"/>
+              </a:spcBef>
+              <a:buFont typeface="Arial" panose="020B0604020202020204" pitchFamily="34" charset="0"/>
+              <a:buChar char="•"/>
+              <a:defRPr sz="2000" kern="1200">
+                <a:solidFill>
+                  <a:schemeClr val="tx1"/>
+                </a:solidFill>
+                <a:latin typeface="+mn-lt"/>
+                <a:ea typeface="+mn-ea"/>
+                <a:cs typeface="+mn-cs"/>
+              </a:defRPr>
+            </a:lvl9pPr>
+          </a:lstStyle>
+          <a:p>
+            <a:endParaRPr lang="pt-BR" dirty="0"/>
+          </a:p>
+        </p:txBody>
+      </p:sp>
+      <p:pic>
+        <p:nvPicPr>
+          <p:cNvPr id="3" name="Imagem 2" descr="Interface gráfica do usuário, Texto, Aplicativo, Email&#10;&#10;Descrição gerada automaticamente">
+            <a:extLst>
+              <a:ext uri="{FF2B5EF4-FFF2-40B4-BE49-F238E27FC236}">
+                <a16:creationId xmlns:a16="http://schemas.microsoft.com/office/drawing/2014/main" id="{120ADEFD-721B-9576-F859-1A27A7B92736}"/>
+              </a:ext>
+            </a:extLst>
+          </p:cNvPr>
+          <p:cNvPicPr>
+            <a:picLocks noChangeAspect="1"/>
+          </p:cNvPicPr>
+          <p:nvPr/>
+        </p:nvPicPr>
+        <p:blipFill>
+          <a:blip r:embed="rId2">
+            <a:extLst>
+              <a:ext uri="{28A0092B-C50C-407E-A947-70E740481C1C}">
+                <a14:useLocalDpi xmlns:a14="http://schemas.microsoft.com/office/drawing/2010/main" val="0"/>
+              </a:ext>
+            </a:extLst>
+          </a:blip>
+          <a:stretch>
+            <a:fillRect/>
+          </a:stretch>
+        </p:blipFill>
+        <p:spPr>
+          <a:xfrm>
+            <a:off x="2376661" y="1620000"/>
+            <a:ext cx="5824110" cy="4775074"/>
+          </a:xfrm>
+          <a:prstGeom prst="rect">
+            <a:avLst/>
+          </a:prstGeom>
+        </p:spPr>
+      </p:pic>
+    </p:spTree>
+    <p:extLst>
+      <p:ext uri="{BB962C8B-B14F-4D97-AF65-F5344CB8AC3E}">
+        <p14:creationId xmlns:p14="http://schemas.microsoft.com/office/powerpoint/2010/main" val="3551043217"/>
+      </p:ext>
+    </p:extLst>
+  </p:cSld>
+  <p:clrMapOvr>
+    <a:masterClrMapping/>
+  </p:clrMapOvr>
+</p:sld>
+</file>
+
+<file path=ppt/slides/slide15.xml><?xml version="1.0" encoding="utf-8"?>
 <p:sld xmlns:a="http://schemas.openxmlformats.org/drawingml/2006/main" xmlns:r="http://schemas.openxmlformats.org/officeDocument/2006/relationships" xmlns:p="http://schemas.openxmlformats.org/presentationml/2006/main">
   <p:cSld>
     <p:spTree>
@@ -3180,7 +4864,7 @@
 </p:sld>
 </file>
 
-<file path=ppt/slides/slide12.xml><?xml version="1.0" encoding="utf-8"?>
+<file path=ppt/slides/slide16.xml><?xml version="1.0" encoding="utf-8"?>
 <p:sld xmlns:a="http://schemas.openxmlformats.org/drawingml/2006/main" xmlns:r="http://schemas.openxmlformats.org/officeDocument/2006/relationships" xmlns:p="http://schemas.openxmlformats.org/presentationml/2006/main">
   <p:cSld>
     <p:spTree>
@@ -3359,7 +5043,7 @@
 </p:sld>
 </file>
 
-<file path=ppt/slides/slide13.xml><?xml version="1.0" encoding="utf-8"?>
+<file path=ppt/slides/slide17.xml><?xml version="1.0" encoding="utf-8"?>
 <p:sld xmlns:a="http://schemas.openxmlformats.org/drawingml/2006/main" xmlns:r="http://schemas.openxmlformats.org/officeDocument/2006/relationships" xmlns:p="http://schemas.openxmlformats.org/presentationml/2006/main">
   <p:cSld>
     <p:spTree>
@@ -3507,7 +5191,7 @@
 </p:sld>
 </file>
 
-<file path=ppt/slides/slide14.xml><?xml version="1.0" encoding="utf-8"?>
+<file path=ppt/slides/slide18.xml><?xml version="1.0" encoding="utf-8"?>
 <p:sld xmlns:a="http://schemas.openxmlformats.org/drawingml/2006/main" xmlns:r="http://schemas.openxmlformats.org/officeDocument/2006/relationships" xmlns:p="http://schemas.openxmlformats.org/presentationml/2006/main">
   <p:cSld>
     <p:spTree>
@@ -3885,7 +5569,7 @@
 </p:sld>
 </file>
 
-<file path=ppt/slides/slide15.xml><?xml version="1.0" encoding="utf-8"?>
+<file path=ppt/slides/slide19.xml><?xml version="1.0" encoding="utf-8"?>
 <p:sld xmlns:a="http://schemas.openxmlformats.org/drawingml/2006/main" xmlns:r="http://schemas.openxmlformats.org/officeDocument/2006/relationships" xmlns:p="http://schemas.openxmlformats.org/presentationml/2006/main">
   <p:cSld>
     <p:spTree>
@@ -4272,7 +5956,172 @@
 </p:sld>
 </file>
 
-<file path=ppt/slides/slide16.xml><?xml version="1.0" encoding="utf-8"?>
+<file path=ppt/slides/slide2.xml><?xml version="1.0" encoding="utf-8"?>
+<p:sld xmlns:a="http://schemas.openxmlformats.org/drawingml/2006/main" xmlns:r="http://schemas.openxmlformats.org/officeDocument/2006/relationships" xmlns:p="http://schemas.openxmlformats.org/presentationml/2006/main">
+  <p:cSld>
+    <p:spTree>
+      <p:nvGrpSpPr>
+        <p:cNvPr id="1" name=""/>
+        <p:cNvGrpSpPr/>
+        <p:nvPr/>
+      </p:nvGrpSpPr>
+      <p:grpSpPr>
+        <a:xfrm>
+          <a:off x="0" y="0"/>
+          <a:ext cx="0" cy="0"/>
+          <a:chOff x="0" y="0"/>
+          <a:chExt cx="0" cy="0"/>
+        </a:xfrm>
+      </p:grpSpPr>
+      <p:sp>
+        <p:nvSpPr>
+          <p:cNvPr id="7" name="Espaço Reservado para Número de Slide 6"/>
+          <p:cNvSpPr>
+            <a:spLocks noGrp="1"/>
+          </p:cNvSpPr>
+          <p:nvPr>
+            <p:ph type="sldNum" sz="quarter" idx="4"/>
+          </p:nvPr>
+        </p:nvSpPr>
+        <p:spPr/>
+        <p:txBody>
+          <a:bodyPr/>
+          <a:lstStyle/>
+          <a:p>
+            <a:fld id="{F237BF63-6F93-4812-BF2B-F503033D63A9}" type="slidenum">
+              <a:rPr lang="pt-BR" smtClean="0"/>
+              <a:pPr/>
+              <a:t>2</a:t>
+            </a:fld>
+            <a:endParaRPr lang="pt-BR" dirty="0"/>
+          </a:p>
+        </p:txBody>
+      </p:sp>
+      <p:sp>
+        <p:nvSpPr>
+          <p:cNvPr id="3" name="Subtítulo 2">
+            <a:extLst>
+              <a:ext uri="{FF2B5EF4-FFF2-40B4-BE49-F238E27FC236}">
+                <a16:creationId xmlns:a16="http://schemas.microsoft.com/office/drawing/2014/main" id="{4EC5B438-70C4-DE53-E2B7-EA6727F37A2D}"/>
+              </a:ext>
+            </a:extLst>
+          </p:cNvPr>
+          <p:cNvSpPr>
+            <a:spLocks noGrp="1"/>
+          </p:cNvSpPr>
+          <p:nvPr>
+            <p:ph type="subTitle" idx="1"/>
+          </p:nvPr>
+        </p:nvSpPr>
+        <p:spPr/>
+        <p:txBody>
+          <a:bodyPr/>
+          <a:lstStyle/>
+          <a:p>
+            <a:endParaRPr lang="pt-BR" dirty="0"/>
+          </a:p>
+        </p:txBody>
+      </p:sp>
+      <p:sp>
+        <p:nvSpPr>
+          <p:cNvPr id="9" name="Título 8">
+            <a:extLst>
+              <a:ext uri="{FF2B5EF4-FFF2-40B4-BE49-F238E27FC236}">
+                <a16:creationId xmlns:a16="http://schemas.microsoft.com/office/drawing/2014/main" id="{678A9265-E0D5-4ECE-8EAD-915B386CBF29}"/>
+              </a:ext>
+            </a:extLst>
+          </p:cNvPr>
+          <p:cNvSpPr>
+            <a:spLocks noGrp="1"/>
+          </p:cNvSpPr>
+          <p:nvPr>
+            <p:ph type="ctrTitle"/>
+          </p:nvPr>
+        </p:nvSpPr>
+        <p:spPr/>
+        <p:txBody>
+          <a:bodyPr/>
+          <a:lstStyle/>
+          <a:p>
+            <a:r>
+              <a:rPr lang="pt-BR" dirty="0"/>
+              <a:t>Índice</a:t>
+            </a:r>
+          </a:p>
+        </p:txBody>
+      </p:sp>
+      <p:sp>
+        <p:nvSpPr>
+          <p:cNvPr id="11" name="Espaço Reservado para Conteúdo 10">
+            <a:extLst>
+              <a:ext uri="{FF2B5EF4-FFF2-40B4-BE49-F238E27FC236}">
+                <a16:creationId xmlns:a16="http://schemas.microsoft.com/office/drawing/2014/main" id="{6AD571BC-3CFD-F346-50F3-69B8714950DC}"/>
+              </a:ext>
+            </a:extLst>
+          </p:cNvPr>
+          <p:cNvSpPr>
+            <a:spLocks noGrp="1"/>
+          </p:cNvSpPr>
+          <p:nvPr>
+            <p:ph idx="10"/>
+          </p:nvPr>
+        </p:nvSpPr>
+        <p:spPr/>
+        <p:txBody>
+          <a:bodyPr/>
+          <a:lstStyle/>
+          <a:p>
+            <a:pPr marL="342900" indent="-342900">
+              <a:buAutoNum type="arabicPeriod"/>
+            </a:pPr>
+            <a:r>
+              <a:rPr lang="pt-BR" dirty="0"/>
+              <a:t>Descrição do problema</a:t>
+            </a:r>
+          </a:p>
+          <a:p>
+            <a:pPr marL="342900" indent="-342900">
+              <a:buAutoNum type="arabicPeriod"/>
+            </a:pPr>
+            <a:r>
+              <a:rPr lang="pt-BR" dirty="0"/>
+              <a:t>Método</a:t>
+            </a:r>
+          </a:p>
+          <a:p>
+            <a:pPr marL="342900" indent="-342900">
+              <a:buAutoNum type="arabicPeriod"/>
+            </a:pPr>
+            <a:r>
+              <a:rPr lang="pt-BR" dirty="0"/>
+              <a:t>Resultados</a:t>
+            </a:r>
+          </a:p>
+          <a:p>
+            <a:pPr marL="342900" indent="-342900">
+              <a:buAutoNum type="arabicPeriod"/>
+            </a:pPr>
+            <a:r>
+              <a:rPr lang="pt-BR" dirty="0"/>
+              <a:t>Conclusões</a:t>
+            </a:r>
+          </a:p>
+        </p:txBody>
+      </p:sp>
+    </p:spTree>
+    <p:extLst>
+      <p:ext uri="{BB962C8B-B14F-4D97-AF65-F5344CB8AC3E}">
+        <p14:creationId xmlns:p14="http://schemas.microsoft.com/office/powerpoint/2010/main" val="451082621"/>
+      </p:ext>
+    </p:extLst>
+  </p:cSld>
+  <p:clrMapOvr>
+    <a:masterClrMapping/>
+  </p:clrMapOvr>
+</p:sld>
+</file>
+
+<file path=ppt/slides/slide20.xml><?xml version="1.0" encoding="utf-8"?>
 <p:sld xmlns:a="http://schemas.openxmlformats.org/drawingml/2006/main" xmlns:r="http://schemas.openxmlformats.org/officeDocument/2006/relationships" xmlns:p="http://schemas.openxmlformats.org/presentationml/2006/main">
   <p:cSld>
     <p:spTree>
@@ -4659,7 +6508,7 @@
 </p:sld>
 </file>
 
-<file path=ppt/slides/slide17.xml><?xml version="1.0" encoding="utf-8"?>
+<file path=ppt/slides/slide21.xml><?xml version="1.0" encoding="utf-8"?>
 <p:sld xmlns:a="http://schemas.openxmlformats.org/drawingml/2006/main" xmlns:r="http://schemas.openxmlformats.org/officeDocument/2006/relationships" xmlns:p="http://schemas.openxmlformats.org/presentationml/2006/main">
   <p:cSld>
     <p:spTree>
@@ -4752,8 +6601,8 @@
           </a:p>
         </p:txBody>
       </p:sp>
-      <mc:AlternateContent xmlns:mc="http://schemas.openxmlformats.org/markup-compatibility/2006">
-        <mc:Choice xmlns:a14="http://schemas.microsoft.com/office/drawing/2010/main" Requires="a14">
+      <mc:AlternateContent xmlns:mc="http://schemas.openxmlformats.org/markup-compatibility/2006" xmlns:a14="http://schemas.microsoft.com/office/drawing/2010/main">
+        <mc:Choice Requires="a14">
           <p:graphicFrame>
             <p:nvGraphicFramePr>
               <p:cNvPr id="8" name="Espaço Reservado para Conteúdo 7">
@@ -4868,12 +6717,14 @@
                                 <m:r>
                                   <a:rPr lang="pt-BR" sz="1400">
                                     <a:effectLst/>
+                                    <a:latin typeface="Cambria Math" panose="02040503050406030204" pitchFamily="18" charset="0"/>
                                   </a:rPr>
                                   <m:t>𝑃</m:t>
                                 </m:r>
                                 <m:r>
                                   <a:rPr lang="pt-BR" sz="1400">
                                     <a:effectLst/>
+                                    <a:latin typeface="Cambria Math" panose="02040503050406030204" pitchFamily="18" charset="0"/>
                                   </a:rPr>
                                   <m:t>@5</m:t>
                                 </m:r>
@@ -4909,12 +6760,14 @@
                                 <m:r>
                                   <a:rPr lang="pt-BR" sz="1400">
                                     <a:effectLst/>
+                                    <a:latin typeface="Cambria Math" panose="02040503050406030204" pitchFamily="18" charset="0"/>
                                   </a:rPr>
                                   <m:t>𝑅</m:t>
                                 </m:r>
                                 <m:r>
                                   <a:rPr lang="pt-BR" sz="1400">
                                     <a:effectLst/>
+                                    <a:latin typeface="Cambria Math" panose="02040503050406030204" pitchFamily="18" charset="0"/>
                                   </a:rPr>
                                   <m:t>@5</m:t>
                                 </m:r>
@@ -4950,12 +6803,14 @@
                                 <m:r>
                                   <a:rPr lang="pt-BR" sz="1400">
                                     <a:effectLst/>
+                                    <a:latin typeface="Cambria Math" panose="02040503050406030204" pitchFamily="18" charset="0"/>
                                   </a:rPr>
                                   <m:t>𝑀𝑅𝑅</m:t>
                                 </m:r>
                                 <m:r>
                                   <a:rPr lang="pt-BR" sz="1400">
                                     <a:effectLst/>
+                                    <a:latin typeface="Cambria Math" panose="02040503050406030204" pitchFamily="18" charset="0"/>
                                   </a:rPr>
                                   <m:t>@5</m:t>
                                 </m:r>
@@ -4991,12 +6846,14 @@
                                 <m:r>
                                   <a:rPr lang="pt-BR" sz="1400">
                                     <a:effectLst/>
+                                    <a:latin typeface="Cambria Math" panose="02040503050406030204" pitchFamily="18" charset="0"/>
                                   </a:rPr>
                                   <m:t>𝑛𝐷𝐶𝐺</m:t>
                                 </m:r>
                                 <m:r>
                                   <a:rPr lang="pt-BR" sz="1400">
                                     <a:effectLst/>
+                                    <a:latin typeface="Cambria Math" panose="02040503050406030204" pitchFamily="18" charset="0"/>
                                   </a:rPr>
                                   <m:t>@5</m:t>
                                 </m:r>
@@ -5298,7 +7155,7 @@
             </a:graphic>
           </p:graphicFrame>
         </mc:Choice>
-        <mc:Fallback>
+        <mc:Fallback xmlns="">
           <p:graphicFrame>
             <p:nvGraphicFramePr>
               <p:cNvPr id="8" name="Espaço Reservado para Conteúdo 7">
@@ -5998,7 +7855,7 @@
               <p:nvPr>
                 <p:extLst>
                   <p:ext uri="{D42A27DB-BD31-4B8C-83A1-F6EECF244321}">
-                    <p14:modId xmlns:p14="http://schemas.microsoft.com/office/powerpoint/2010/main" val="2748840683"/>
+                    <p14:modId xmlns:p14="http://schemas.microsoft.com/office/powerpoint/2010/main" val="2425871273"/>
                   </p:ext>
                 </p:extLst>
               </p:nvPr>
@@ -6096,12 +7953,14 @@
                                 <m:r>
                                   <a:rPr lang="pt-BR" sz="1400">
                                     <a:effectLst/>
+                                    <a:latin typeface="Cambria Math" panose="02040503050406030204" pitchFamily="18" charset="0"/>
                                   </a:rPr>
                                   <m:t>𝑃</m:t>
                                 </m:r>
                                 <m:r>
                                   <a:rPr lang="pt-BR" sz="1400">
                                     <a:effectLst/>
+                                    <a:latin typeface="Cambria Math" panose="02040503050406030204" pitchFamily="18" charset="0"/>
                                   </a:rPr>
                                   <m:t>@5</m:t>
                                 </m:r>
@@ -6137,12 +7996,14 @@
                                 <m:r>
                                   <a:rPr lang="pt-BR" sz="1400">
                                     <a:effectLst/>
+                                    <a:latin typeface="Cambria Math" panose="02040503050406030204" pitchFamily="18" charset="0"/>
                                   </a:rPr>
                                   <m:t>𝑅</m:t>
                                 </m:r>
                                 <m:r>
                                   <a:rPr lang="pt-BR" sz="1400">
                                     <a:effectLst/>
+                                    <a:latin typeface="Cambria Math" panose="02040503050406030204" pitchFamily="18" charset="0"/>
                                   </a:rPr>
                                   <m:t>@5</m:t>
                                 </m:r>
@@ -6178,12 +8039,14 @@
                                 <m:r>
                                   <a:rPr lang="pt-BR" sz="1400">
                                     <a:effectLst/>
+                                    <a:latin typeface="Cambria Math" panose="02040503050406030204" pitchFamily="18" charset="0"/>
                                   </a:rPr>
                                   <m:t>𝑀𝑅𝑅</m:t>
                                 </m:r>
                                 <m:r>
                                   <a:rPr lang="pt-BR" sz="1400">
                                     <a:effectLst/>
+                                    <a:latin typeface="Cambria Math" panose="02040503050406030204" pitchFamily="18" charset="0"/>
                                   </a:rPr>
                                   <m:t>@5</m:t>
                                 </m:r>
@@ -6219,12 +8082,14 @@
                                 <m:r>
                                   <a:rPr lang="pt-BR" sz="1400">
                                     <a:effectLst/>
+                                    <a:latin typeface="Cambria Math" panose="02040503050406030204" pitchFamily="18" charset="0"/>
                                   </a:rPr>
                                   <m:t>𝑛𝐷𝐶𝐺</m:t>
                                 </m:r>
                                 <m:r>
                                   <a:rPr lang="pt-BR" sz="1400">
                                     <a:effectLst/>
+                                    <a:latin typeface="Cambria Math" panose="02040503050406030204" pitchFamily="18" charset="0"/>
                                   </a:rPr>
                                   <m:t>@5</m:t>
                                 </m:r>
@@ -6337,12 +8202,12 @@
                             </a:lnSpc>
                           </a:pPr>
                           <a:r>
-                            <a:rPr lang="pt-BR" sz="1400">
+                            <a:rPr lang="pt-BR" sz="1400" b="1" dirty="0">
                               <a:effectLst/>
                             </a:rPr>
                             <a:t>0,8667</a:t>
                           </a:r>
-                          <a:endParaRPr lang="pt-BR" sz="1400">
+                          <a:endParaRPr lang="pt-BR" sz="1400" b="1" dirty="0">
                             <a:effectLst/>
                             <a:latin typeface="Arial" panose="020B0604020202020204" pitchFamily="34" charset="0"/>
                             <a:ea typeface="Calibri" panose="020F0502020204030204" pitchFamily="34" charset="0"/>
@@ -6474,12 +8339,12 @@
                             </a:lnSpc>
                           </a:pPr>
                           <a:r>
-                            <a:rPr lang="pt-BR" sz="1400" b="1" dirty="0">
+                            <a:rPr lang="pt-BR" sz="1400" b="0" dirty="0">
                               <a:effectLst/>
                             </a:rPr>
                             <a:t>0,8620</a:t>
                           </a:r>
-                          <a:endParaRPr lang="pt-BR" sz="1400" b="1" dirty="0">
+                          <a:endParaRPr lang="pt-BR" sz="1400" b="0" dirty="0">
                             <a:effectLst/>
                             <a:latin typeface="Arial" panose="020B0604020202020204" pitchFamily="34" charset="0"/>
                             <a:ea typeface="Calibri" panose="020F0502020204030204" pitchFamily="34" charset="0"/>
@@ -6542,7 +8407,7 @@
               <p:nvPr>
                 <p:extLst>
                   <p:ext uri="{D42A27DB-BD31-4B8C-83A1-F6EECF244321}">
-                    <p14:modId xmlns:p14="http://schemas.microsoft.com/office/powerpoint/2010/main" val="2748840683"/>
+                    <p14:modId xmlns:p14="http://schemas.microsoft.com/office/powerpoint/2010/main" val="2425871273"/>
                   </p:ext>
                 </p:extLst>
               </p:nvPr>
@@ -6785,12 +8650,12 @@
                             </a:lnSpc>
                           </a:pPr>
                           <a:r>
-                            <a:rPr lang="pt-BR" sz="1400">
+                            <a:rPr lang="pt-BR" sz="1400" b="1" dirty="0">
                               <a:effectLst/>
                             </a:rPr>
                             <a:t>0,8667</a:t>
                           </a:r>
-                          <a:endParaRPr lang="pt-BR" sz="1400">
+                          <a:endParaRPr lang="pt-BR" sz="1400" b="1" dirty="0">
                             <a:effectLst/>
                             <a:latin typeface="Arial" panose="020B0604020202020204" pitchFamily="34" charset="0"/>
                             <a:ea typeface="Calibri" panose="020F0502020204030204" pitchFamily="34" charset="0"/>
@@ -6922,12 +8787,12 @@
                             </a:lnSpc>
                           </a:pPr>
                           <a:r>
-                            <a:rPr lang="pt-BR" sz="1400" b="1" dirty="0">
+                            <a:rPr lang="pt-BR" sz="1400" b="0" dirty="0">
                               <a:effectLst/>
                             </a:rPr>
                             <a:t>0,8620</a:t>
                           </a:r>
-                          <a:endParaRPr lang="pt-BR" sz="1400" b="1" dirty="0">
+                          <a:endParaRPr lang="pt-BR" sz="1400" b="0" dirty="0">
                             <a:effectLst/>
                             <a:latin typeface="Arial" panose="020B0604020202020204" pitchFamily="34" charset="0"/>
                             <a:ea typeface="Calibri" panose="020F0502020204030204" pitchFamily="34" charset="0"/>
@@ -6975,8 +8840,8 @@
           </p:graphicFrame>
         </mc:Fallback>
       </mc:AlternateContent>
-      <mc:AlternateContent xmlns:mc="http://schemas.openxmlformats.org/markup-compatibility/2006">
-        <mc:Choice xmlns:a14="http://schemas.microsoft.com/office/drawing/2010/main" Requires="a14">
+      <mc:AlternateContent xmlns:mc="http://schemas.openxmlformats.org/markup-compatibility/2006" xmlns:a14="http://schemas.microsoft.com/office/drawing/2010/main">
+        <mc:Choice Requires="a14">
           <p:graphicFrame>
             <p:nvGraphicFramePr>
               <p:cNvPr id="16" name="Tabela 15">
@@ -7090,12 +8955,14 @@
                                 <m:r>
                                   <a:rPr lang="pt-BR" sz="1400">
                                     <a:effectLst/>
+                                    <a:latin typeface="Cambria Math" panose="02040503050406030204" pitchFamily="18" charset="0"/>
                                   </a:rPr>
                                   <m:t>𝑃</m:t>
                                 </m:r>
                                 <m:r>
                                   <a:rPr lang="pt-BR" sz="1400">
                                     <a:effectLst/>
+                                    <a:latin typeface="Cambria Math" panose="02040503050406030204" pitchFamily="18" charset="0"/>
                                   </a:rPr>
                                   <m:t>@5</m:t>
                                 </m:r>
@@ -7131,12 +8998,14 @@
                                 <m:r>
                                   <a:rPr lang="pt-BR" sz="1400">
                                     <a:effectLst/>
+                                    <a:latin typeface="Cambria Math" panose="02040503050406030204" pitchFamily="18" charset="0"/>
                                   </a:rPr>
                                   <m:t>𝑅</m:t>
                                 </m:r>
                                 <m:r>
                                   <a:rPr lang="pt-BR" sz="1400">
                                     <a:effectLst/>
+                                    <a:latin typeface="Cambria Math" panose="02040503050406030204" pitchFamily="18" charset="0"/>
                                   </a:rPr>
                                   <m:t>@5</m:t>
                                 </m:r>
@@ -7172,12 +9041,14 @@
                                 <m:r>
                                   <a:rPr lang="pt-BR" sz="1400">
                                     <a:effectLst/>
+                                    <a:latin typeface="Cambria Math" panose="02040503050406030204" pitchFamily="18" charset="0"/>
                                   </a:rPr>
                                   <m:t>𝑀𝑅𝑅</m:t>
                                 </m:r>
                                 <m:r>
                                   <a:rPr lang="pt-BR" sz="1400">
                                     <a:effectLst/>
+                                    <a:latin typeface="Cambria Math" panose="02040503050406030204" pitchFamily="18" charset="0"/>
                                   </a:rPr>
                                   <m:t>@5</m:t>
                                 </m:r>
@@ -7213,12 +9084,14 @@
                                 <m:r>
                                   <a:rPr lang="pt-BR" sz="1400">
                                     <a:effectLst/>
+                                    <a:latin typeface="Cambria Math" panose="02040503050406030204" pitchFamily="18" charset="0"/>
                                   </a:rPr>
                                   <m:t>𝑛𝐷𝐶𝐺</m:t>
                                 </m:r>
                                 <m:r>
                                   <a:rPr lang="pt-BR" sz="1400">
                                     <a:effectLst/>
+                                    <a:latin typeface="Cambria Math" panose="02040503050406030204" pitchFamily="18" charset="0"/>
                                   </a:rPr>
                                   <m:t>@5</m:t>
                                 </m:r>
@@ -7520,7 +9393,7 @@
             </a:graphic>
           </p:graphicFrame>
         </mc:Choice>
-        <mc:Fallback>
+        <mc:Fallback xmlns="">
           <p:graphicFrame>
             <p:nvGraphicFramePr>
               <p:cNvPr id="16" name="Tabela 15">
@@ -7982,7 +9855,7 @@
 </p:sld>
 </file>
 
-<file path=ppt/slides/slide18.xml><?xml version="1.0" encoding="utf-8"?>
+<file path=ppt/slides/slide22.xml><?xml version="1.0" encoding="utf-8"?>
 <p:sld xmlns:a="http://schemas.openxmlformats.org/drawingml/2006/main" xmlns:r="http://schemas.openxmlformats.org/officeDocument/2006/relationships" xmlns:p="http://schemas.openxmlformats.org/presentationml/2006/main">
   <p:cSld>
     <p:spTree>
@@ -8061,8 +9934,8 @@
           </a:p>
         </p:txBody>
       </p:sp>
-      <mc:AlternateContent xmlns:mc="http://schemas.openxmlformats.org/markup-compatibility/2006">
-        <mc:Choice xmlns:a14="http://schemas.microsoft.com/office/drawing/2010/main" Requires="a14">
+      <mc:AlternateContent xmlns:mc="http://schemas.openxmlformats.org/markup-compatibility/2006" xmlns:a14="http://schemas.microsoft.com/office/drawing/2010/main">
+        <mc:Choice Requires="a14">
           <p:graphicFrame>
             <p:nvGraphicFramePr>
               <p:cNvPr id="4" name="Espaço Reservado para Conteúdo 3">
@@ -8177,12 +10050,14 @@
                                 <m:r>
                                   <a:rPr lang="pt-BR" sz="1400">
                                     <a:effectLst/>
+                                    <a:latin typeface="Cambria Math" panose="02040503050406030204" pitchFamily="18" charset="0"/>
                                   </a:rPr>
                                   <m:t>𝑃</m:t>
                                 </m:r>
                                 <m:r>
                                   <a:rPr lang="pt-BR" sz="1400">
                                     <a:effectLst/>
+                                    <a:latin typeface="Cambria Math" panose="02040503050406030204" pitchFamily="18" charset="0"/>
                                   </a:rPr>
                                   <m:t>@5</m:t>
                                 </m:r>
@@ -8218,12 +10093,14 @@
                                 <m:r>
                                   <a:rPr lang="pt-BR" sz="1400">
                                     <a:effectLst/>
+                                    <a:latin typeface="Cambria Math" panose="02040503050406030204" pitchFamily="18" charset="0"/>
                                   </a:rPr>
                                   <m:t>𝑅</m:t>
                                 </m:r>
                                 <m:r>
                                   <a:rPr lang="pt-BR" sz="1400">
                                     <a:effectLst/>
+                                    <a:latin typeface="Cambria Math" panose="02040503050406030204" pitchFamily="18" charset="0"/>
                                   </a:rPr>
                                   <m:t>@5</m:t>
                                 </m:r>
@@ -8259,12 +10136,14 @@
                                 <m:r>
                                   <a:rPr lang="pt-BR" sz="1400">
                                     <a:effectLst/>
+                                    <a:latin typeface="Cambria Math" panose="02040503050406030204" pitchFamily="18" charset="0"/>
                                   </a:rPr>
                                   <m:t>𝑀𝑅𝑅</m:t>
                                 </m:r>
                                 <m:r>
                                   <a:rPr lang="pt-BR" sz="1400">
                                     <a:effectLst/>
+                                    <a:latin typeface="Cambria Math" panose="02040503050406030204" pitchFamily="18" charset="0"/>
                                   </a:rPr>
                                   <m:t>@5</m:t>
                                 </m:r>
@@ -8300,12 +10179,14 @@
                                 <m:r>
                                   <a:rPr lang="pt-BR" sz="1400">
                                     <a:effectLst/>
+                                    <a:latin typeface="Cambria Math" panose="02040503050406030204" pitchFamily="18" charset="0"/>
                                   </a:rPr>
                                   <m:t>𝑛𝐷𝐶𝐺</m:t>
                                 </m:r>
                                 <m:r>
                                   <a:rPr lang="pt-BR" sz="1400">
                                     <a:effectLst/>
+                                    <a:latin typeface="Cambria Math" panose="02040503050406030204" pitchFamily="18" charset="0"/>
                                   </a:rPr>
                                   <m:t>@5</m:t>
                                 </m:r>
@@ -8881,7 +10762,7 @@
             </a:graphic>
           </p:graphicFrame>
         </mc:Choice>
-        <mc:Fallback>
+        <mc:Fallback xmlns="">
           <p:graphicFrame>
             <p:nvGraphicFramePr>
               <p:cNvPr id="4" name="Espaço Reservado para Conteúdo 3">
@@ -9974,7 +11855,7 @@
 </p:sld>
 </file>
 
-<file path=ppt/slides/slide19.xml><?xml version="1.0" encoding="utf-8"?>
+<file path=ppt/slides/slide23.xml><?xml version="1.0" encoding="utf-8"?>
 <p:sld xmlns:a="http://schemas.openxmlformats.org/drawingml/2006/main" xmlns:r="http://schemas.openxmlformats.org/officeDocument/2006/relationships" xmlns:p="http://schemas.openxmlformats.org/presentationml/2006/main">
   <p:cSld>
     <p:spTree>
@@ -10418,8 +12299,8 @@
           </a:p>
         </p:txBody>
       </p:sp>
-      <mc:AlternateContent xmlns:mc="http://schemas.openxmlformats.org/markup-compatibility/2006">
-        <mc:Choice xmlns:a14="http://schemas.microsoft.com/office/drawing/2010/main" Requires="a14">
+      <mc:AlternateContent xmlns:mc="http://schemas.openxmlformats.org/markup-compatibility/2006" xmlns:a14="http://schemas.microsoft.com/office/drawing/2010/main">
+        <mc:Choice Requires="a14">
           <p:graphicFrame>
             <p:nvGraphicFramePr>
               <p:cNvPr id="12" name="Espaço Reservado para Conteúdo 11">
@@ -10534,12 +12415,14 @@
                                 <m:r>
                                   <a:rPr lang="pt-BR" sz="1400">
                                     <a:effectLst/>
+                                    <a:latin typeface="Cambria Math" panose="02040503050406030204" pitchFamily="18" charset="0"/>
                                   </a:rPr>
                                   <m:t>𝑃</m:t>
                                 </m:r>
                                 <m:r>
                                   <a:rPr lang="pt-BR" sz="1400">
                                     <a:effectLst/>
+                                    <a:latin typeface="Cambria Math" panose="02040503050406030204" pitchFamily="18" charset="0"/>
                                   </a:rPr>
                                   <m:t>@5</m:t>
                                 </m:r>
@@ -10575,12 +12458,14 @@
                                 <m:r>
                                   <a:rPr lang="pt-BR" sz="1400">
                                     <a:effectLst/>
+                                    <a:latin typeface="Cambria Math" panose="02040503050406030204" pitchFamily="18" charset="0"/>
                                   </a:rPr>
                                   <m:t>𝑅</m:t>
                                 </m:r>
                                 <m:r>
                                   <a:rPr lang="pt-BR" sz="1400">
                                     <a:effectLst/>
+                                    <a:latin typeface="Cambria Math" panose="02040503050406030204" pitchFamily="18" charset="0"/>
                                   </a:rPr>
                                   <m:t>@5</m:t>
                                 </m:r>
@@ -10616,12 +12501,14 @@
                                 <m:r>
                                   <a:rPr lang="pt-BR" sz="1400">
                                     <a:effectLst/>
+                                    <a:latin typeface="Cambria Math" panose="02040503050406030204" pitchFamily="18" charset="0"/>
                                   </a:rPr>
                                   <m:t>𝑀𝑅𝑅</m:t>
                                 </m:r>
                                 <m:r>
                                   <a:rPr lang="pt-BR" sz="1400">
                                     <a:effectLst/>
+                                    <a:latin typeface="Cambria Math" panose="02040503050406030204" pitchFamily="18" charset="0"/>
                                   </a:rPr>
                                   <m:t>@5</m:t>
                                 </m:r>
@@ -10657,12 +12544,14 @@
                                 <m:r>
                                   <a:rPr lang="pt-BR" sz="1400">
                                     <a:effectLst/>
+                                    <a:latin typeface="Cambria Math" panose="02040503050406030204" pitchFamily="18" charset="0"/>
                                   </a:rPr>
                                   <m:t>𝑛𝐷𝐶𝐺</m:t>
                                 </m:r>
                                 <m:r>
                                   <a:rPr lang="pt-BR" sz="1400">
                                     <a:effectLst/>
+                                    <a:latin typeface="Cambria Math" panose="02040503050406030204" pitchFamily="18" charset="0"/>
                                   </a:rPr>
                                   <m:t>@5</m:t>
                                 </m:r>
@@ -11375,7 +13264,7 @@
             </a:graphic>
           </p:graphicFrame>
         </mc:Choice>
-        <mc:Fallback>
+        <mc:Fallback xmlns="">
           <p:graphicFrame>
             <p:nvGraphicFramePr>
               <p:cNvPr id="12" name="Espaço Reservado para Conteúdo 11">
@@ -12249,172 +14138,7 @@
 </p:sld>
 </file>
 
-<file path=ppt/slides/slide2.xml><?xml version="1.0" encoding="utf-8"?>
-<p:sld xmlns:a="http://schemas.openxmlformats.org/drawingml/2006/main" xmlns:r="http://schemas.openxmlformats.org/officeDocument/2006/relationships" xmlns:p="http://schemas.openxmlformats.org/presentationml/2006/main">
-  <p:cSld>
-    <p:spTree>
-      <p:nvGrpSpPr>
-        <p:cNvPr id="1" name=""/>
-        <p:cNvGrpSpPr/>
-        <p:nvPr/>
-      </p:nvGrpSpPr>
-      <p:grpSpPr>
-        <a:xfrm>
-          <a:off x="0" y="0"/>
-          <a:ext cx="0" cy="0"/>
-          <a:chOff x="0" y="0"/>
-          <a:chExt cx="0" cy="0"/>
-        </a:xfrm>
-      </p:grpSpPr>
-      <p:sp>
-        <p:nvSpPr>
-          <p:cNvPr id="7" name="Espaço Reservado para Número de Slide 6"/>
-          <p:cNvSpPr>
-            <a:spLocks noGrp="1"/>
-          </p:cNvSpPr>
-          <p:nvPr>
-            <p:ph type="sldNum" sz="quarter" idx="4"/>
-          </p:nvPr>
-        </p:nvSpPr>
-        <p:spPr/>
-        <p:txBody>
-          <a:bodyPr/>
-          <a:lstStyle/>
-          <a:p>
-            <a:fld id="{F237BF63-6F93-4812-BF2B-F503033D63A9}" type="slidenum">
-              <a:rPr lang="pt-BR" smtClean="0"/>
-              <a:pPr/>
-              <a:t>2</a:t>
-            </a:fld>
-            <a:endParaRPr lang="pt-BR" dirty="0"/>
-          </a:p>
-        </p:txBody>
-      </p:sp>
-      <p:sp>
-        <p:nvSpPr>
-          <p:cNvPr id="3" name="Subtítulo 2">
-            <a:extLst>
-              <a:ext uri="{FF2B5EF4-FFF2-40B4-BE49-F238E27FC236}">
-                <a16:creationId xmlns:a16="http://schemas.microsoft.com/office/drawing/2014/main" id="{4EC5B438-70C4-DE53-E2B7-EA6727F37A2D}"/>
-              </a:ext>
-            </a:extLst>
-          </p:cNvPr>
-          <p:cNvSpPr>
-            <a:spLocks noGrp="1"/>
-          </p:cNvSpPr>
-          <p:nvPr>
-            <p:ph type="subTitle" idx="1"/>
-          </p:nvPr>
-        </p:nvSpPr>
-        <p:spPr/>
-        <p:txBody>
-          <a:bodyPr/>
-          <a:lstStyle/>
-          <a:p>
-            <a:endParaRPr lang="pt-BR" dirty="0"/>
-          </a:p>
-        </p:txBody>
-      </p:sp>
-      <p:sp>
-        <p:nvSpPr>
-          <p:cNvPr id="9" name="Título 8">
-            <a:extLst>
-              <a:ext uri="{FF2B5EF4-FFF2-40B4-BE49-F238E27FC236}">
-                <a16:creationId xmlns:a16="http://schemas.microsoft.com/office/drawing/2014/main" id="{678A9265-E0D5-4ECE-8EAD-915B386CBF29}"/>
-              </a:ext>
-            </a:extLst>
-          </p:cNvPr>
-          <p:cNvSpPr>
-            <a:spLocks noGrp="1"/>
-          </p:cNvSpPr>
-          <p:nvPr>
-            <p:ph type="ctrTitle"/>
-          </p:nvPr>
-        </p:nvSpPr>
-        <p:spPr/>
-        <p:txBody>
-          <a:bodyPr/>
-          <a:lstStyle/>
-          <a:p>
-            <a:r>
-              <a:rPr lang="pt-BR" dirty="0"/>
-              <a:t>Índice</a:t>
-            </a:r>
-          </a:p>
-        </p:txBody>
-      </p:sp>
-      <p:sp>
-        <p:nvSpPr>
-          <p:cNvPr id="11" name="Espaço Reservado para Conteúdo 10">
-            <a:extLst>
-              <a:ext uri="{FF2B5EF4-FFF2-40B4-BE49-F238E27FC236}">
-                <a16:creationId xmlns:a16="http://schemas.microsoft.com/office/drawing/2014/main" id="{6AD571BC-3CFD-F346-50F3-69B8714950DC}"/>
-              </a:ext>
-            </a:extLst>
-          </p:cNvPr>
-          <p:cNvSpPr>
-            <a:spLocks noGrp="1"/>
-          </p:cNvSpPr>
-          <p:nvPr>
-            <p:ph idx="10"/>
-          </p:nvPr>
-        </p:nvSpPr>
-        <p:spPr/>
-        <p:txBody>
-          <a:bodyPr/>
-          <a:lstStyle/>
-          <a:p>
-            <a:pPr marL="342900" indent="-342900">
-              <a:buAutoNum type="arabicPeriod"/>
-            </a:pPr>
-            <a:r>
-              <a:rPr lang="pt-BR" dirty="0"/>
-              <a:t>Descrição do problema</a:t>
-            </a:r>
-          </a:p>
-          <a:p>
-            <a:pPr marL="342900" indent="-342900">
-              <a:buAutoNum type="arabicPeriod"/>
-            </a:pPr>
-            <a:r>
-              <a:rPr lang="pt-BR" dirty="0"/>
-              <a:t>Método</a:t>
-            </a:r>
-          </a:p>
-          <a:p>
-            <a:pPr marL="342900" indent="-342900">
-              <a:buAutoNum type="arabicPeriod"/>
-            </a:pPr>
-            <a:r>
-              <a:rPr lang="pt-BR" dirty="0"/>
-              <a:t>Resultados</a:t>
-            </a:r>
-          </a:p>
-          <a:p>
-            <a:pPr marL="342900" indent="-342900">
-              <a:buAutoNum type="arabicPeriod"/>
-            </a:pPr>
-            <a:r>
-              <a:rPr lang="pt-BR" dirty="0"/>
-              <a:t>Conclusões</a:t>
-            </a:r>
-          </a:p>
-        </p:txBody>
-      </p:sp>
-    </p:spTree>
-    <p:extLst>
-      <p:ext uri="{BB962C8B-B14F-4D97-AF65-F5344CB8AC3E}">
-        <p14:creationId xmlns:p14="http://schemas.microsoft.com/office/powerpoint/2010/main" val="451082621"/>
-      </p:ext>
-    </p:extLst>
-  </p:cSld>
-  <p:clrMapOvr>
-    <a:masterClrMapping/>
-  </p:clrMapOvr>
-</p:sld>
-</file>
-
-<file path=ppt/slides/slide20.xml><?xml version="1.0" encoding="utf-8"?>
+<file path=ppt/slides/slide24.xml><?xml version="1.0" encoding="utf-8"?>
 <p:sld xmlns:a="http://schemas.openxmlformats.org/drawingml/2006/main" xmlns:r="http://schemas.openxmlformats.org/officeDocument/2006/relationships" xmlns:p="http://schemas.openxmlformats.org/presentationml/2006/main">
   <p:cSld>
     <p:spTree>
@@ -12766,8 +14490,8 @@
           </a:p>
         </p:txBody>
       </p:sp>
-      <mc:AlternateContent xmlns:mc="http://schemas.openxmlformats.org/markup-compatibility/2006">
-        <mc:Choice xmlns:a14="http://schemas.microsoft.com/office/drawing/2010/main" Requires="a14">
+      <mc:AlternateContent xmlns:mc="http://schemas.openxmlformats.org/markup-compatibility/2006" xmlns:a14="http://schemas.microsoft.com/office/drawing/2010/main">
+        <mc:Choice Requires="a14">
           <p:graphicFrame>
             <p:nvGraphicFramePr>
               <p:cNvPr id="12" name="Espaço Reservado para Conteúdo 11">
@@ -12882,12 +14606,14 @@
                                 <m:r>
                                   <a:rPr lang="pt-BR" sz="1400">
                                     <a:effectLst/>
+                                    <a:latin typeface="Cambria Math" panose="02040503050406030204" pitchFamily="18" charset="0"/>
                                   </a:rPr>
                                   <m:t>𝑃</m:t>
                                 </m:r>
                                 <m:r>
                                   <a:rPr lang="pt-BR" sz="1400">
                                     <a:effectLst/>
+                                    <a:latin typeface="Cambria Math" panose="02040503050406030204" pitchFamily="18" charset="0"/>
                                   </a:rPr>
                                   <m:t>@5</m:t>
                                 </m:r>
@@ -12923,12 +14649,14 @@
                                 <m:r>
                                   <a:rPr lang="pt-BR" sz="1400">
                                     <a:effectLst/>
+                                    <a:latin typeface="Cambria Math" panose="02040503050406030204" pitchFamily="18" charset="0"/>
                                   </a:rPr>
                                   <m:t>𝑅</m:t>
                                 </m:r>
                                 <m:r>
                                   <a:rPr lang="pt-BR" sz="1400">
                                     <a:effectLst/>
+                                    <a:latin typeface="Cambria Math" panose="02040503050406030204" pitchFamily="18" charset="0"/>
                                   </a:rPr>
                                   <m:t>@5</m:t>
                                 </m:r>
@@ -12964,12 +14692,14 @@
                                 <m:r>
                                   <a:rPr lang="pt-BR" sz="1400">
                                     <a:effectLst/>
+                                    <a:latin typeface="Cambria Math" panose="02040503050406030204" pitchFamily="18" charset="0"/>
                                   </a:rPr>
                                   <m:t>𝑀𝑅𝑅</m:t>
                                 </m:r>
                                 <m:r>
                                   <a:rPr lang="pt-BR" sz="1400">
                                     <a:effectLst/>
+                                    <a:latin typeface="Cambria Math" panose="02040503050406030204" pitchFamily="18" charset="0"/>
                                   </a:rPr>
                                   <m:t>@5</m:t>
                                 </m:r>
@@ -13005,12 +14735,14 @@
                                 <m:r>
                                   <a:rPr lang="pt-BR" sz="1400">
                                     <a:effectLst/>
+                                    <a:latin typeface="Cambria Math" panose="02040503050406030204" pitchFamily="18" charset="0"/>
                                   </a:rPr>
                                   <m:t>𝑛𝐷𝐶𝐺</m:t>
                                 </m:r>
                                 <m:r>
                                   <a:rPr lang="pt-BR" sz="1400">
                                     <a:effectLst/>
+                                    <a:latin typeface="Cambria Math" panose="02040503050406030204" pitchFamily="18" charset="0"/>
                                   </a:rPr>
                                   <m:t>@5</m:t>
                                 </m:r>
@@ -13586,7 +15318,7 @@
             </a:graphic>
           </p:graphicFrame>
         </mc:Choice>
-        <mc:Fallback>
+        <mc:Fallback xmlns="">
           <p:graphicFrame>
             <p:nvGraphicFramePr>
               <p:cNvPr id="12" name="Espaço Reservado para Conteúdo 11">
@@ -14323,7 +16055,7 @@
 </p:sld>
 </file>
 
-<file path=ppt/slides/slide21.xml><?xml version="1.0" encoding="utf-8"?>
+<file path=ppt/slides/slide25.xml><?xml version="1.0" encoding="utf-8"?>
 <p:sld xmlns:a="http://schemas.openxmlformats.org/drawingml/2006/main" xmlns:r="http://schemas.openxmlformats.org/officeDocument/2006/relationships" xmlns:p="http://schemas.openxmlformats.org/presentationml/2006/main">
   <p:cSld>
     <p:spTree>
@@ -14781,8 +16513,8 @@
           </a:p>
         </p:txBody>
       </p:sp>
-      <mc:AlternateContent xmlns:mc="http://schemas.openxmlformats.org/markup-compatibility/2006">
-        <mc:Choice xmlns:a14="http://schemas.microsoft.com/office/drawing/2010/main" Requires="a14">
+      <mc:AlternateContent xmlns:mc="http://schemas.openxmlformats.org/markup-compatibility/2006" xmlns:a14="http://schemas.microsoft.com/office/drawing/2010/main">
+        <mc:Choice Requires="a14">
           <p:graphicFrame>
             <p:nvGraphicFramePr>
               <p:cNvPr id="11" name="Espaço Reservado para Conteúdo 10">
@@ -14897,12 +16629,14 @@
                                 <m:r>
                                   <a:rPr lang="pt-BR" sz="1400">
                                     <a:effectLst/>
+                                    <a:latin typeface="Cambria Math" panose="02040503050406030204" pitchFamily="18" charset="0"/>
                                   </a:rPr>
                                   <m:t>𝑃</m:t>
                                 </m:r>
                                 <m:r>
                                   <a:rPr lang="pt-BR" sz="1400">
                                     <a:effectLst/>
+                                    <a:latin typeface="Cambria Math" panose="02040503050406030204" pitchFamily="18" charset="0"/>
                                   </a:rPr>
                                   <m:t>@5</m:t>
                                 </m:r>
@@ -14938,12 +16672,14 @@
                                 <m:r>
                                   <a:rPr lang="pt-BR" sz="1400">
                                     <a:effectLst/>
+                                    <a:latin typeface="Cambria Math" panose="02040503050406030204" pitchFamily="18" charset="0"/>
                                   </a:rPr>
                                   <m:t>𝑅</m:t>
                                 </m:r>
                                 <m:r>
                                   <a:rPr lang="pt-BR" sz="1400">
                                     <a:effectLst/>
+                                    <a:latin typeface="Cambria Math" panose="02040503050406030204" pitchFamily="18" charset="0"/>
                                   </a:rPr>
                                   <m:t>@5</m:t>
                                 </m:r>
@@ -14979,12 +16715,14 @@
                                 <m:r>
                                   <a:rPr lang="pt-BR" sz="1400">
                                     <a:effectLst/>
+                                    <a:latin typeface="Cambria Math" panose="02040503050406030204" pitchFamily="18" charset="0"/>
                                   </a:rPr>
                                   <m:t>𝑀𝑅𝑅</m:t>
                                 </m:r>
                                 <m:r>
                                   <a:rPr lang="pt-BR" sz="1400">
                                     <a:effectLst/>
+                                    <a:latin typeface="Cambria Math" panose="02040503050406030204" pitchFamily="18" charset="0"/>
                                   </a:rPr>
                                   <m:t>@5</m:t>
                                 </m:r>
@@ -15020,12 +16758,14 @@
                                 <m:r>
                                   <a:rPr lang="pt-BR" sz="1400">
                                     <a:effectLst/>
+                                    <a:latin typeface="Cambria Math" panose="02040503050406030204" pitchFamily="18" charset="0"/>
                                   </a:rPr>
                                   <m:t>𝑛𝐷𝐶𝐺</m:t>
                                 </m:r>
                                 <m:r>
                                   <a:rPr lang="pt-BR" sz="1400">
                                     <a:effectLst/>
+                                    <a:latin typeface="Cambria Math" panose="02040503050406030204" pitchFamily="18" charset="0"/>
                                   </a:rPr>
                                   <m:t>@5</m:t>
                                 </m:r>
@@ -15738,7 +17478,7 @@
             </a:graphic>
           </p:graphicFrame>
         </mc:Choice>
-        <mc:Fallback>
+        <mc:Fallback xmlns="">
           <p:graphicFrame>
             <p:nvGraphicFramePr>
               <p:cNvPr id="11" name="Espaço Reservado para Conteúdo 10">
@@ -16612,7 +18352,7 @@
 </p:sld>
 </file>
 
-<file path=ppt/slides/slide22.xml><?xml version="1.0" encoding="utf-8"?>
+<file path=ppt/slides/slide26.xml><?xml version="1.0" encoding="utf-8"?>
 <p:sld xmlns:a="http://schemas.openxmlformats.org/drawingml/2006/main" xmlns:r="http://schemas.openxmlformats.org/officeDocument/2006/relationships" xmlns:p="http://schemas.openxmlformats.org/presentationml/2006/main">
   <p:cSld>
     <p:spTree>
@@ -16823,7 +18563,7 @@
             <a:fld id="{F237BF63-6F93-4812-BF2B-F503033D63A9}" type="slidenum">
               <a:rPr lang="pt-BR" smtClean="0"/>
               <a:pPr/>
-              <a:t>22</a:t>
+              <a:t>26</a:t>
             </a:fld>
             <a:endParaRPr lang="pt-BR" dirty="0"/>
           </a:p>
@@ -16842,7 +18582,7 @@
 </p:sld>
 </file>
 
-<file path=ppt/slides/slide23.xml><?xml version="1.0" encoding="utf-8"?>
+<file path=ppt/slides/slide27.xml><?xml version="1.0" encoding="utf-8"?>
 <p:sld xmlns:a="http://schemas.openxmlformats.org/drawingml/2006/main" xmlns:r="http://schemas.openxmlformats.org/officeDocument/2006/relationships" xmlns:p="http://schemas.openxmlformats.org/presentationml/2006/main">
   <p:cSld>
     <p:spTree>
@@ -17002,7 +18742,7 @@
         <p:cNvPr id="1" name="">
           <a:extLst>
             <a:ext uri="{FF2B5EF4-FFF2-40B4-BE49-F238E27FC236}">
-              <a16:creationId xmlns:a16="http://schemas.microsoft.com/office/drawing/2014/main" id="{CF8C13B5-5309-2977-8A09-A8F3A432604B}"/>
+              <a16:creationId xmlns:a16="http://schemas.microsoft.com/office/drawing/2014/main" id="{7DDC7D22-EADE-962E-AB5F-3DA5ACFA160F}"/>
             </a:ext>
           </a:extLst>
         </p:cNvPr>
@@ -17022,7 +18762,7 @@
           <p:cNvPr id="4" name="Título 3">
             <a:extLst>
               <a:ext uri="{FF2B5EF4-FFF2-40B4-BE49-F238E27FC236}">
-                <a16:creationId xmlns:a16="http://schemas.microsoft.com/office/drawing/2014/main" id="{1AF50086-2DA6-6C92-BE16-93ECCAA0E8C7}"/>
+                <a16:creationId xmlns:a16="http://schemas.microsoft.com/office/drawing/2014/main" id="{2FCBE9C6-621A-AD33-98AF-15E48E0A26CD}"/>
               </a:ext>
             </a:extLst>
           </p:cNvPr>
@@ -17050,7 +18790,7 @@
           <p:cNvPr id="5" name="Subtítulo 4">
             <a:extLst>
               <a:ext uri="{FF2B5EF4-FFF2-40B4-BE49-F238E27FC236}">
-                <a16:creationId xmlns:a16="http://schemas.microsoft.com/office/drawing/2014/main" id="{294778DD-F316-D816-8960-BEB84DF0033D}"/>
+                <a16:creationId xmlns:a16="http://schemas.microsoft.com/office/drawing/2014/main" id="{F7448CCA-143A-FA7F-8DEF-59A7A1113771}"/>
               </a:ext>
             </a:extLst>
           </p:cNvPr>
@@ -17078,7 +18818,7 @@
           <p:cNvPr id="6" name="Espaço Reservado para Conteúdo 5">
             <a:extLst>
               <a:ext uri="{FF2B5EF4-FFF2-40B4-BE49-F238E27FC236}">
-                <a16:creationId xmlns:a16="http://schemas.microsoft.com/office/drawing/2014/main" id="{BE6514D0-495E-7385-1EC5-1A2C932553D3}"/>
+                <a16:creationId xmlns:a16="http://schemas.microsoft.com/office/drawing/2014/main" id="{67E95B70-D2F5-951B-5D7A-ED431097564B}"/>
               </a:ext>
             </a:extLst>
           </p:cNvPr>
@@ -17145,7 +18885,7 @@
           <p:cNvPr id="7" name="Espaço Reservado para Número de Slide 6">
             <a:extLst>
               <a:ext uri="{FF2B5EF4-FFF2-40B4-BE49-F238E27FC236}">
-                <a16:creationId xmlns:a16="http://schemas.microsoft.com/office/drawing/2014/main" id="{DE5ED2A3-1C53-7783-5BBB-8BD134F446C4}"/>
+                <a16:creationId xmlns:a16="http://schemas.microsoft.com/office/drawing/2014/main" id="{C515EBDA-91D1-505C-BA74-B1568046D248}"/>
               </a:ext>
             </a:extLst>
           </p:cNvPr>
@@ -17173,7 +18913,7 @@
     </p:spTree>
     <p:extLst>
       <p:ext uri="{BB962C8B-B14F-4D97-AF65-F5344CB8AC3E}">
-        <p14:creationId xmlns:p14="http://schemas.microsoft.com/office/powerpoint/2010/main" val="300166182"/>
+        <p14:creationId xmlns:p14="http://schemas.microsoft.com/office/powerpoint/2010/main" val="3376410674"/>
       </p:ext>
     </p:extLst>
   </p:cSld>
@@ -17184,6 +18924,360 @@
 </file>
 
 <file path=ppt/slides/slide4.xml><?xml version="1.0" encoding="utf-8"?>
+<p:sld xmlns:a="http://schemas.openxmlformats.org/drawingml/2006/main" xmlns:r="http://schemas.openxmlformats.org/officeDocument/2006/relationships" xmlns:p="http://schemas.openxmlformats.org/presentationml/2006/main">
+  <p:cSld>
+    <p:spTree>
+      <p:nvGrpSpPr>
+        <p:cNvPr id="1" name="">
+          <a:extLst>
+            <a:ext uri="{FF2B5EF4-FFF2-40B4-BE49-F238E27FC236}">
+              <a16:creationId xmlns:a16="http://schemas.microsoft.com/office/drawing/2014/main" id="{838A04C0-A8DC-F257-4C18-5DF52A3939D2}"/>
+            </a:ext>
+          </a:extLst>
+        </p:cNvPr>
+        <p:cNvGrpSpPr/>
+        <p:nvPr/>
+      </p:nvGrpSpPr>
+      <p:grpSpPr>
+        <a:xfrm>
+          <a:off x="0" y="0"/>
+          <a:ext cx="0" cy="0"/>
+          <a:chOff x="0" y="0"/>
+          <a:chExt cx="0" cy="0"/>
+        </a:xfrm>
+      </p:grpSpPr>
+      <p:sp>
+        <p:nvSpPr>
+          <p:cNvPr id="4" name="Título 3">
+            <a:extLst>
+              <a:ext uri="{FF2B5EF4-FFF2-40B4-BE49-F238E27FC236}">
+                <a16:creationId xmlns:a16="http://schemas.microsoft.com/office/drawing/2014/main" id="{E1382EB7-AED8-14E8-F03A-82DDAD0A0FDF}"/>
+              </a:ext>
+            </a:extLst>
+          </p:cNvPr>
+          <p:cNvSpPr>
+            <a:spLocks noGrp="1"/>
+          </p:cNvSpPr>
+          <p:nvPr>
+            <p:ph type="ctrTitle"/>
+          </p:nvPr>
+        </p:nvSpPr>
+        <p:spPr/>
+        <p:txBody>
+          <a:bodyPr/>
+          <a:lstStyle/>
+          <a:p>
+            <a:r>
+              <a:rPr lang="pt-BR" dirty="0"/>
+              <a:t>1. Descrição do problema</a:t>
+            </a:r>
+          </a:p>
+        </p:txBody>
+      </p:sp>
+      <p:sp>
+        <p:nvSpPr>
+          <p:cNvPr id="5" name="Subtítulo 4">
+            <a:extLst>
+              <a:ext uri="{FF2B5EF4-FFF2-40B4-BE49-F238E27FC236}">
+                <a16:creationId xmlns:a16="http://schemas.microsoft.com/office/drawing/2014/main" id="{AB3A9946-7099-B7C0-415C-21185257BA92}"/>
+              </a:ext>
+            </a:extLst>
+          </p:cNvPr>
+          <p:cNvSpPr>
+            <a:spLocks noGrp="1"/>
+          </p:cNvSpPr>
+          <p:nvPr>
+            <p:ph type="subTitle" idx="1"/>
+          </p:nvPr>
+        </p:nvSpPr>
+        <p:spPr/>
+        <p:txBody>
+          <a:bodyPr/>
+          <a:lstStyle/>
+          <a:p>
+            <a:r>
+              <a:rPr lang="pt-BR" dirty="0"/>
+              <a:t>O que é a pesquisa do TCU?</a:t>
+            </a:r>
+          </a:p>
+        </p:txBody>
+      </p:sp>
+      <p:sp>
+        <p:nvSpPr>
+          <p:cNvPr id="7" name="Espaço Reservado para Número de Slide 6">
+            <a:extLst>
+              <a:ext uri="{FF2B5EF4-FFF2-40B4-BE49-F238E27FC236}">
+                <a16:creationId xmlns:a16="http://schemas.microsoft.com/office/drawing/2014/main" id="{A315E8E0-F2E1-F94B-8301-BCE247F07352}"/>
+              </a:ext>
+            </a:extLst>
+          </p:cNvPr>
+          <p:cNvSpPr>
+            <a:spLocks noGrp="1"/>
+          </p:cNvSpPr>
+          <p:nvPr>
+            <p:ph type="sldNum" sz="quarter" idx="4"/>
+          </p:nvPr>
+        </p:nvSpPr>
+        <p:spPr/>
+        <p:txBody>
+          <a:bodyPr/>
+          <a:lstStyle/>
+          <a:p>
+            <a:fld id="{F237BF63-6F93-4812-BF2B-F503033D63A9}" type="slidenum">
+              <a:rPr lang="pt-BR" smtClean="0"/>
+              <a:pPr/>
+              <a:t>4</a:t>
+            </a:fld>
+            <a:endParaRPr lang="pt-BR" dirty="0"/>
+          </a:p>
+        </p:txBody>
+      </p:sp>
+      <p:sp>
+        <p:nvSpPr>
+          <p:cNvPr id="3" name="Espaço Reservado para Conteúdo 2">
+            <a:extLst>
+              <a:ext uri="{FF2B5EF4-FFF2-40B4-BE49-F238E27FC236}">
+                <a16:creationId xmlns:a16="http://schemas.microsoft.com/office/drawing/2014/main" id="{3E68ED3B-5560-2746-BA4E-7CAB61E350DF}"/>
+              </a:ext>
+            </a:extLst>
+          </p:cNvPr>
+          <p:cNvSpPr>
+            <a:spLocks noGrp="1"/>
+          </p:cNvSpPr>
+          <p:nvPr>
+            <p:ph idx="10"/>
+          </p:nvPr>
+        </p:nvSpPr>
+        <p:spPr/>
+        <p:txBody>
+          <a:bodyPr/>
+          <a:lstStyle/>
+          <a:p>
+            <a:endParaRPr lang="pt-BR"/>
+          </a:p>
+        </p:txBody>
+      </p:sp>
+      <p:pic>
+        <p:nvPicPr>
+          <p:cNvPr id="9" name="Imagem 8">
+            <a:extLst>
+              <a:ext uri="{FF2B5EF4-FFF2-40B4-BE49-F238E27FC236}">
+                <a16:creationId xmlns:a16="http://schemas.microsoft.com/office/drawing/2014/main" id="{0480C3FF-7140-BC3C-1363-B9A7CC3BF4C1}"/>
+              </a:ext>
+            </a:extLst>
+          </p:cNvPr>
+          <p:cNvPicPr>
+            <a:picLocks noChangeAspect="1"/>
+          </p:cNvPicPr>
+          <p:nvPr/>
+        </p:nvPicPr>
+        <p:blipFill>
+          <a:blip r:embed="rId2"/>
+          <a:stretch>
+            <a:fillRect/>
+          </a:stretch>
+        </p:blipFill>
+        <p:spPr>
+          <a:xfrm>
+            <a:off x="1224533" y="1602196"/>
+            <a:ext cx="8965453" cy="4157804"/>
+          </a:xfrm>
+          <a:prstGeom prst="rect">
+            <a:avLst/>
+          </a:prstGeom>
+        </p:spPr>
+      </p:pic>
+    </p:spTree>
+    <p:extLst>
+      <p:ext uri="{BB962C8B-B14F-4D97-AF65-F5344CB8AC3E}">
+        <p14:creationId xmlns:p14="http://schemas.microsoft.com/office/powerpoint/2010/main" val="679391123"/>
+      </p:ext>
+    </p:extLst>
+  </p:cSld>
+  <p:clrMapOvr>
+    <a:masterClrMapping/>
+  </p:clrMapOvr>
+</p:sld>
+</file>
+
+<file path=ppt/slides/slide5.xml><?xml version="1.0" encoding="utf-8"?>
+<p:sld xmlns:a="http://schemas.openxmlformats.org/drawingml/2006/main" xmlns:r="http://schemas.openxmlformats.org/officeDocument/2006/relationships" xmlns:p="http://schemas.openxmlformats.org/presentationml/2006/main">
+  <p:cSld>
+    <p:spTree>
+      <p:nvGrpSpPr>
+        <p:cNvPr id="1" name="">
+          <a:extLst>
+            <a:ext uri="{FF2B5EF4-FFF2-40B4-BE49-F238E27FC236}">
+              <a16:creationId xmlns:a16="http://schemas.microsoft.com/office/drawing/2014/main" id="{17DDB25D-A775-1AA7-2DC3-3E54EBF416A2}"/>
+            </a:ext>
+          </a:extLst>
+        </p:cNvPr>
+        <p:cNvGrpSpPr/>
+        <p:nvPr/>
+      </p:nvGrpSpPr>
+      <p:grpSpPr>
+        <a:xfrm>
+          <a:off x="0" y="0"/>
+          <a:ext cx="0" cy="0"/>
+          <a:chOff x="0" y="0"/>
+          <a:chExt cx="0" cy="0"/>
+        </a:xfrm>
+      </p:grpSpPr>
+      <p:sp>
+        <p:nvSpPr>
+          <p:cNvPr id="4" name="Título 3">
+            <a:extLst>
+              <a:ext uri="{FF2B5EF4-FFF2-40B4-BE49-F238E27FC236}">
+                <a16:creationId xmlns:a16="http://schemas.microsoft.com/office/drawing/2014/main" id="{B1DD5EE7-1B09-4BB8-9571-9E68874E7FE9}"/>
+              </a:ext>
+            </a:extLst>
+          </p:cNvPr>
+          <p:cNvSpPr>
+            <a:spLocks noGrp="1"/>
+          </p:cNvSpPr>
+          <p:nvPr>
+            <p:ph type="ctrTitle"/>
+          </p:nvPr>
+        </p:nvSpPr>
+        <p:spPr/>
+        <p:txBody>
+          <a:bodyPr/>
+          <a:lstStyle/>
+          <a:p>
+            <a:r>
+              <a:rPr lang="pt-BR" dirty="0"/>
+              <a:t>1. Descrição do problema</a:t>
+            </a:r>
+          </a:p>
+        </p:txBody>
+      </p:sp>
+      <p:sp>
+        <p:nvSpPr>
+          <p:cNvPr id="5" name="Subtítulo 4">
+            <a:extLst>
+              <a:ext uri="{FF2B5EF4-FFF2-40B4-BE49-F238E27FC236}">
+                <a16:creationId xmlns:a16="http://schemas.microsoft.com/office/drawing/2014/main" id="{AA811345-37FE-8C38-CDE1-46A72873947C}"/>
+              </a:ext>
+            </a:extLst>
+          </p:cNvPr>
+          <p:cNvSpPr>
+            <a:spLocks noGrp="1"/>
+          </p:cNvSpPr>
+          <p:nvPr>
+            <p:ph type="subTitle" idx="1"/>
+          </p:nvPr>
+        </p:nvSpPr>
+        <p:spPr/>
+        <p:txBody>
+          <a:bodyPr/>
+          <a:lstStyle/>
+          <a:p>
+            <a:r>
+              <a:rPr lang="pt-BR" dirty="0"/>
+              <a:t>O que é a pesquisa do TCU?</a:t>
+            </a:r>
+          </a:p>
+        </p:txBody>
+      </p:sp>
+      <p:sp>
+        <p:nvSpPr>
+          <p:cNvPr id="7" name="Espaço Reservado para Número de Slide 6">
+            <a:extLst>
+              <a:ext uri="{FF2B5EF4-FFF2-40B4-BE49-F238E27FC236}">
+                <a16:creationId xmlns:a16="http://schemas.microsoft.com/office/drawing/2014/main" id="{B1E87AAE-5E04-6534-5EEE-FC221381DF13}"/>
+              </a:ext>
+            </a:extLst>
+          </p:cNvPr>
+          <p:cNvSpPr>
+            <a:spLocks noGrp="1"/>
+          </p:cNvSpPr>
+          <p:nvPr>
+            <p:ph type="sldNum" sz="quarter" idx="4"/>
+          </p:nvPr>
+        </p:nvSpPr>
+        <p:spPr/>
+        <p:txBody>
+          <a:bodyPr/>
+          <a:lstStyle/>
+          <a:p>
+            <a:fld id="{F237BF63-6F93-4812-BF2B-F503033D63A9}" type="slidenum">
+              <a:rPr lang="pt-BR" smtClean="0"/>
+              <a:pPr/>
+              <a:t>5</a:t>
+            </a:fld>
+            <a:endParaRPr lang="pt-BR" dirty="0"/>
+          </a:p>
+        </p:txBody>
+      </p:sp>
+      <p:sp>
+        <p:nvSpPr>
+          <p:cNvPr id="3" name="Espaço Reservado para Conteúdo 2">
+            <a:extLst>
+              <a:ext uri="{FF2B5EF4-FFF2-40B4-BE49-F238E27FC236}">
+                <a16:creationId xmlns:a16="http://schemas.microsoft.com/office/drawing/2014/main" id="{FEE9DDF1-D5AB-047E-E04F-3047D3554464}"/>
+              </a:ext>
+            </a:extLst>
+          </p:cNvPr>
+          <p:cNvSpPr>
+            <a:spLocks noGrp="1"/>
+          </p:cNvSpPr>
+          <p:nvPr>
+            <p:ph idx="10"/>
+          </p:nvPr>
+        </p:nvSpPr>
+        <p:spPr/>
+        <p:txBody>
+          <a:bodyPr/>
+          <a:lstStyle/>
+          <a:p>
+            <a:endParaRPr lang="pt-BR"/>
+          </a:p>
+        </p:txBody>
+      </p:sp>
+      <p:pic>
+        <p:nvPicPr>
+          <p:cNvPr id="6" name="Imagem 5">
+            <a:extLst>
+              <a:ext uri="{FF2B5EF4-FFF2-40B4-BE49-F238E27FC236}">
+                <a16:creationId xmlns:a16="http://schemas.microsoft.com/office/drawing/2014/main" id="{5D30A9F1-FD25-B411-F8AF-1F0EB617EE7E}"/>
+              </a:ext>
+            </a:extLst>
+          </p:cNvPr>
+          <p:cNvPicPr>
+            <a:picLocks noChangeAspect="1"/>
+          </p:cNvPicPr>
+          <p:nvPr/>
+        </p:nvPicPr>
+        <p:blipFill>
+          <a:blip r:embed="rId2"/>
+          <a:stretch>
+            <a:fillRect/>
+          </a:stretch>
+        </p:blipFill>
+        <p:spPr>
+          <a:xfrm>
+            <a:off x="1224533" y="1620000"/>
+            <a:ext cx="9001000" cy="4145947"/>
+          </a:xfrm>
+          <a:prstGeom prst="rect">
+            <a:avLst/>
+          </a:prstGeom>
+        </p:spPr>
+      </p:pic>
+    </p:spTree>
+    <p:extLst>
+      <p:ext uri="{BB962C8B-B14F-4D97-AF65-F5344CB8AC3E}">
+        <p14:creationId xmlns:p14="http://schemas.microsoft.com/office/powerpoint/2010/main" val="3795257765"/>
+      </p:ext>
+    </p:extLst>
+  </p:cSld>
+  <p:clrMapOvr>
+    <a:masterClrMapping/>
+  </p:clrMapOvr>
+</p:sld>
+</file>
+
+<file path=ppt/slides/slide6.xml><?xml version="1.0" encoding="utf-8"?>
 <p:sld xmlns:a="http://schemas.openxmlformats.org/drawingml/2006/main" xmlns:r="http://schemas.openxmlformats.org/officeDocument/2006/relationships" xmlns:p="http://schemas.openxmlformats.org/presentationml/2006/main">
   <p:cSld>
     <p:spTree>
@@ -17286,7 +19380,7 @@
             <a:fld id="{F237BF63-6F93-4812-BF2B-F503033D63A9}" type="slidenum">
               <a:rPr lang="pt-BR" smtClean="0"/>
               <a:pPr/>
-              <a:t>4</a:t>
+              <a:t>6</a:t>
             </a:fld>
             <a:endParaRPr lang="pt-BR" dirty="0"/>
           </a:p>
@@ -17312,33 +19406,6 @@
         <p:txBody>
           <a:bodyPr/>
           <a:lstStyle/>
-          <a:p>
-            <a:endParaRPr lang="pt-BR" dirty="0"/>
-          </a:p>
-          <a:p>
-            <a:endParaRPr lang="pt-BR" dirty="0"/>
-          </a:p>
-          <a:p>
-            <a:endParaRPr lang="pt-BR" dirty="0"/>
-          </a:p>
-          <a:p>
-            <a:endParaRPr lang="pt-BR" dirty="0"/>
-          </a:p>
-          <a:p>
-            <a:endParaRPr lang="pt-BR" dirty="0"/>
-          </a:p>
-          <a:p>
-            <a:endParaRPr lang="pt-BR" dirty="0"/>
-          </a:p>
-          <a:p>
-            <a:endParaRPr lang="pt-BR" dirty="0"/>
-          </a:p>
-          <a:p>
-            <a:endParaRPr lang="pt-BR" dirty="0"/>
-          </a:p>
-          <a:p>
-            <a:endParaRPr lang="pt-BR" dirty="0"/>
-          </a:p>
           <a:p>
             <a:pPr algn="ctr"/>
             <a:r>
@@ -17400,7 +19467,7 @@
 </p:sld>
 </file>
 
-<file path=ppt/slides/slide5.xml><?xml version="1.0" encoding="utf-8"?>
+<file path=ppt/slides/slide7.xml><?xml version="1.0" encoding="utf-8"?>
 <p:sld xmlns:a="http://schemas.openxmlformats.org/drawingml/2006/main" xmlns:r="http://schemas.openxmlformats.org/officeDocument/2006/relationships" xmlns:p="http://schemas.openxmlformats.org/presentationml/2006/main">
   <p:cSld>
     <p:spTree>
@@ -17503,7 +19570,7 @@
             <a:fld id="{F237BF63-6F93-4812-BF2B-F503033D63A9}" type="slidenum">
               <a:rPr lang="pt-BR" smtClean="0"/>
               <a:pPr/>
-              <a:t>5</a:t>
+              <a:t>7</a:t>
             </a:fld>
             <a:endParaRPr lang="pt-BR" dirty="0"/>
           </a:p>
@@ -17529,33 +19596,6 @@
         <p:txBody>
           <a:bodyPr/>
           <a:lstStyle/>
-          <a:p>
-            <a:endParaRPr lang="pt-BR" dirty="0"/>
-          </a:p>
-          <a:p>
-            <a:endParaRPr lang="pt-BR" dirty="0"/>
-          </a:p>
-          <a:p>
-            <a:endParaRPr lang="pt-BR" dirty="0"/>
-          </a:p>
-          <a:p>
-            <a:endParaRPr lang="pt-BR" dirty="0"/>
-          </a:p>
-          <a:p>
-            <a:endParaRPr lang="pt-BR" dirty="0"/>
-          </a:p>
-          <a:p>
-            <a:endParaRPr lang="pt-BR" dirty="0"/>
-          </a:p>
-          <a:p>
-            <a:endParaRPr lang="pt-BR" dirty="0"/>
-          </a:p>
-          <a:p>
-            <a:endParaRPr lang="pt-BR" dirty="0"/>
-          </a:p>
-          <a:p>
-            <a:endParaRPr lang="pt-BR" dirty="0"/>
-          </a:p>
           <a:p>
             <a:pPr algn="ctr"/>
             <a:r>
@@ -17617,7 +19657,7 @@
 </p:sld>
 </file>
 
-<file path=ppt/slides/slide6.xml><?xml version="1.0" encoding="utf-8"?>
+<file path=ppt/slides/slide8.xml><?xml version="1.0" encoding="utf-8"?>
 <p:sld xmlns:a="http://schemas.openxmlformats.org/drawingml/2006/main" xmlns:r="http://schemas.openxmlformats.org/officeDocument/2006/relationships" xmlns:p="http://schemas.openxmlformats.org/presentationml/2006/main">
   <p:cSld>
     <p:spTree>
@@ -17964,7 +20004,7 @@
 </p:sld>
 </file>
 
-<file path=ppt/slides/slide7.xml><?xml version="1.0" encoding="utf-8"?>
+<file path=ppt/slides/slide9.xml><?xml version="1.0" encoding="utf-8"?>
 <p:sld xmlns:a="http://schemas.openxmlformats.org/drawingml/2006/main" xmlns:r="http://schemas.openxmlformats.org/officeDocument/2006/relationships" xmlns:p="http://schemas.openxmlformats.org/presentationml/2006/main">
   <p:cSld>
     <p:spTree>
@@ -18211,532 +20251,6 @@
     <p:extLst>
       <p:ext uri="{BB962C8B-B14F-4D97-AF65-F5344CB8AC3E}">
         <p14:creationId xmlns:p14="http://schemas.microsoft.com/office/powerpoint/2010/main" val="1950488178"/>
-      </p:ext>
-    </p:extLst>
-  </p:cSld>
-  <p:clrMapOvr>
-    <a:masterClrMapping/>
-  </p:clrMapOvr>
-</p:sld>
-</file>
-
-<file path=ppt/slides/slide8.xml><?xml version="1.0" encoding="utf-8"?>
-<p:sld xmlns:a="http://schemas.openxmlformats.org/drawingml/2006/main" xmlns:r="http://schemas.openxmlformats.org/officeDocument/2006/relationships" xmlns:p="http://schemas.openxmlformats.org/presentationml/2006/main">
-  <p:cSld>
-    <p:spTree>
-      <p:nvGrpSpPr>
-        <p:cNvPr id="1" name="">
-          <a:extLst>
-            <a:ext uri="{FF2B5EF4-FFF2-40B4-BE49-F238E27FC236}">
-              <a16:creationId xmlns:a16="http://schemas.microsoft.com/office/drawing/2014/main" id="{D78CB7BC-6CD2-B7B9-83D7-29AF2DDE22E8}"/>
-            </a:ext>
-          </a:extLst>
-        </p:cNvPr>
-        <p:cNvGrpSpPr/>
-        <p:nvPr/>
-      </p:nvGrpSpPr>
-      <p:grpSpPr>
-        <a:xfrm>
-          <a:off x="0" y="0"/>
-          <a:ext cx="0" cy="0"/>
-          <a:chOff x="0" y="0"/>
-          <a:chExt cx="0" cy="0"/>
-        </a:xfrm>
-      </p:grpSpPr>
-      <p:sp>
-        <p:nvSpPr>
-          <p:cNvPr id="2" name="Título 1">
-            <a:extLst>
-              <a:ext uri="{FF2B5EF4-FFF2-40B4-BE49-F238E27FC236}">
-                <a16:creationId xmlns:a16="http://schemas.microsoft.com/office/drawing/2014/main" id="{CB10D847-3CA3-CE1F-DDEC-E89D056D136D}"/>
-              </a:ext>
-            </a:extLst>
-          </p:cNvPr>
-          <p:cNvSpPr>
-            <a:spLocks noGrp="1"/>
-          </p:cNvSpPr>
-          <p:nvPr>
-            <p:ph type="ctrTitle"/>
-          </p:nvPr>
-        </p:nvSpPr>
-        <p:spPr/>
-        <p:txBody>
-          <a:bodyPr/>
-          <a:lstStyle/>
-          <a:p>
-            <a:r>
-              <a:rPr lang="pt-BR" dirty="0"/>
-              <a:t>1. Descrição do problema</a:t>
-            </a:r>
-          </a:p>
-        </p:txBody>
-      </p:sp>
-      <p:sp>
-        <p:nvSpPr>
-          <p:cNvPr id="3" name="Subtítulo 2">
-            <a:extLst>
-              <a:ext uri="{FF2B5EF4-FFF2-40B4-BE49-F238E27FC236}">
-                <a16:creationId xmlns:a16="http://schemas.microsoft.com/office/drawing/2014/main" id="{60A9787E-F0E5-1365-BB2B-C82B7C208894}"/>
-              </a:ext>
-            </a:extLst>
-          </p:cNvPr>
-          <p:cNvSpPr>
-            <a:spLocks noGrp="1"/>
-          </p:cNvSpPr>
-          <p:nvPr>
-            <p:ph type="subTitle" idx="1"/>
-          </p:nvPr>
-        </p:nvSpPr>
-        <p:spPr/>
-        <p:txBody>
-          <a:bodyPr/>
-          <a:lstStyle/>
-          <a:p>
-            <a:r>
-              <a:rPr lang="pt-BR" dirty="0"/>
-              <a:t>Possíveis soluções</a:t>
-            </a:r>
-          </a:p>
-        </p:txBody>
-      </p:sp>
-      <p:sp>
-        <p:nvSpPr>
-          <p:cNvPr id="4" name="Espaço Reservado para Conteúdo 3">
-            <a:extLst>
-              <a:ext uri="{FF2B5EF4-FFF2-40B4-BE49-F238E27FC236}">
-                <a16:creationId xmlns:a16="http://schemas.microsoft.com/office/drawing/2014/main" id="{0BA517DD-250A-8C25-EE85-6218FEAD5122}"/>
-              </a:ext>
-            </a:extLst>
-          </p:cNvPr>
-          <p:cNvSpPr>
-            <a:spLocks noGrp="1"/>
-          </p:cNvSpPr>
-          <p:nvPr>
-            <p:ph idx="10"/>
-          </p:nvPr>
-        </p:nvSpPr>
-        <p:spPr/>
-        <p:txBody>
-          <a:bodyPr/>
-          <a:lstStyle/>
-          <a:p>
-            <a:r>
-              <a:rPr lang="pt-BR" dirty="0"/>
-              <a:t>2.   Expansão de documentos</a:t>
-            </a:r>
-          </a:p>
-          <a:p>
-            <a:pPr marL="522900" lvl="1" indent="-342900">
-              <a:buFont typeface="Arial" panose="020B0604020202020204" pitchFamily="34" charset="0"/>
-              <a:buChar char="•"/>
-            </a:pPr>
-            <a:r>
-              <a:rPr lang="pt-BR" dirty="0"/>
-              <a:t>Altera </a:t>
-            </a:r>
-            <a:r>
-              <a:rPr lang="pt-BR" b="1" u="sng" dirty="0"/>
-              <a:t>os documentos da base </a:t>
-            </a:r>
-            <a:r>
-              <a:rPr lang="pt-BR" dirty="0"/>
-              <a:t>inserindo novos textos</a:t>
-            </a:r>
-          </a:p>
-          <a:p>
-            <a:pPr marL="522900" lvl="1" indent="-342900">
-              <a:buFont typeface="Arial" panose="020B0604020202020204" pitchFamily="34" charset="0"/>
-              <a:buChar char="•"/>
-            </a:pPr>
-            <a:endParaRPr lang="pt-BR" dirty="0"/>
-          </a:p>
-          <a:p>
-            <a:pPr marL="522900" lvl="1" indent="-342900">
-              <a:buFont typeface="Arial" panose="020B0604020202020204" pitchFamily="34" charset="0"/>
-              <a:buChar char="•"/>
-            </a:pPr>
-            <a:endParaRPr lang="pt-BR" dirty="0"/>
-          </a:p>
-          <a:p>
-            <a:pPr marL="522900" lvl="1" indent="-342900">
-              <a:buFont typeface="Arial" panose="020B0604020202020204" pitchFamily="34" charset="0"/>
-              <a:buChar char="•"/>
-            </a:pPr>
-            <a:r>
-              <a:rPr lang="pt-BR" dirty="0">
-                <a:solidFill>
-                  <a:srgbClr val="00B050"/>
-                </a:solidFill>
-                <a:latin typeface="Times New Roman" panose="02020603050405020304" pitchFamily="18" charset="0"/>
-                <a:cs typeface="Times New Roman" panose="02020603050405020304" pitchFamily="18" charset="0"/>
-              </a:rPr>
-              <a:t>▲ </a:t>
-            </a:r>
-            <a:r>
-              <a:rPr lang="pt-BR" dirty="0"/>
-              <a:t>Não Insere novo elemento (código, </a:t>
-            </a:r>
-            <a:r>
-              <a:rPr lang="pt-BR" i="1" dirty="0"/>
-              <a:t>hardware</a:t>
-            </a:r>
-            <a:r>
-              <a:rPr lang="pt-BR" dirty="0"/>
-              <a:t> </a:t>
-            </a:r>
-            <a:r>
-              <a:rPr lang="pt-BR" dirty="0" err="1"/>
-              <a:t>etc</a:t>
-            </a:r>
-            <a:r>
-              <a:rPr lang="pt-BR" dirty="0"/>
-              <a:t>) apenas na indexação</a:t>
-            </a:r>
-          </a:p>
-          <a:p>
-            <a:pPr marL="522900" lvl="1" indent="-342900">
-              <a:buFont typeface="Arial" panose="020B0604020202020204" pitchFamily="34" charset="0"/>
-              <a:buChar char="•"/>
-            </a:pPr>
-            <a:r>
-              <a:rPr lang="pt-BR" dirty="0">
-                <a:solidFill>
-                  <a:srgbClr val="00B050"/>
-                </a:solidFill>
-                <a:latin typeface="Times New Roman" panose="02020603050405020304" pitchFamily="18" charset="0"/>
-                <a:cs typeface="Times New Roman" panose="02020603050405020304" pitchFamily="18" charset="0"/>
-              </a:rPr>
-              <a:t>▲ </a:t>
-            </a:r>
-            <a:r>
-              <a:rPr lang="pt-BR" dirty="0"/>
-              <a:t>Não exige mudança do motor de busca</a:t>
-            </a:r>
-          </a:p>
-          <a:p>
-            <a:pPr marL="522900" lvl="1" indent="-342900">
-              <a:buFont typeface="Arial" panose="020B0604020202020204" pitchFamily="34" charset="0"/>
-              <a:buChar char="•"/>
-            </a:pPr>
-            <a:r>
-              <a:rPr lang="pt-BR" dirty="0">
-                <a:solidFill>
-                  <a:srgbClr val="00B050"/>
-                </a:solidFill>
-                <a:latin typeface="Times New Roman" panose="02020603050405020304" pitchFamily="18" charset="0"/>
-                <a:cs typeface="Times New Roman" panose="02020603050405020304" pitchFamily="18" charset="0"/>
-              </a:rPr>
-              <a:t>▲ </a:t>
-            </a:r>
-            <a:r>
-              <a:rPr lang="pt-BR" dirty="0"/>
-              <a:t>Novos modelos apresentam resultados melhores do que a expansão de </a:t>
-            </a:r>
-            <a:r>
-              <a:rPr lang="pt-BR" i="1" dirty="0"/>
-              <a:t>queries</a:t>
-            </a:r>
-          </a:p>
-          <a:p>
-            <a:pPr marL="522900" lvl="1" indent="-342900">
-              <a:buFont typeface="Arial" panose="020B0604020202020204" pitchFamily="34" charset="0"/>
-              <a:buChar char="•"/>
-            </a:pPr>
-            <a:r>
-              <a:rPr lang="pt-BR" dirty="0">
-                <a:solidFill>
-                  <a:srgbClr val="FF0000"/>
-                </a:solidFill>
-                <a:latin typeface="Times New Roman" panose="02020603050405020304" pitchFamily="18" charset="0"/>
-                <a:cs typeface="Times New Roman" panose="02020603050405020304" pitchFamily="18" charset="0"/>
-              </a:rPr>
-              <a:t>▼ </a:t>
-            </a:r>
-            <a:r>
-              <a:rPr lang="pt-BR" dirty="0"/>
-              <a:t>É mais difícil de testar, pois exige a reindexação da base de dados</a:t>
-            </a:r>
-          </a:p>
-        </p:txBody>
-      </p:sp>
-    </p:spTree>
-    <p:extLst>
-      <p:ext uri="{BB962C8B-B14F-4D97-AF65-F5344CB8AC3E}">
-        <p14:creationId xmlns:p14="http://schemas.microsoft.com/office/powerpoint/2010/main" val="1906641157"/>
-      </p:ext>
-    </p:extLst>
-  </p:cSld>
-  <p:clrMapOvr>
-    <a:masterClrMapping/>
-  </p:clrMapOvr>
-</p:sld>
-</file>
-
-<file path=ppt/slides/slide9.xml><?xml version="1.0" encoding="utf-8"?>
-<p:sld xmlns:a="http://schemas.openxmlformats.org/drawingml/2006/main" xmlns:r="http://schemas.openxmlformats.org/officeDocument/2006/relationships" xmlns:p="http://schemas.openxmlformats.org/presentationml/2006/main">
-  <p:cSld>
-    <p:spTree>
-      <p:nvGrpSpPr>
-        <p:cNvPr id="1" name="">
-          <a:extLst>
-            <a:ext uri="{FF2B5EF4-FFF2-40B4-BE49-F238E27FC236}">
-              <a16:creationId xmlns:a16="http://schemas.microsoft.com/office/drawing/2014/main" id="{A0F1AE5D-B903-2B0D-5A0A-34E617FE49E3}"/>
-            </a:ext>
-          </a:extLst>
-        </p:cNvPr>
-        <p:cNvGrpSpPr/>
-        <p:nvPr/>
-      </p:nvGrpSpPr>
-      <p:grpSpPr>
-        <a:xfrm>
-          <a:off x="0" y="0"/>
-          <a:ext cx="0" cy="0"/>
-          <a:chOff x="0" y="0"/>
-          <a:chExt cx="0" cy="0"/>
-        </a:xfrm>
-      </p:grpSpPr>
-      <p:sp>
-        <p:nvSpPr>
-          <p:cNvPr id="2" name="Título 1">
-            <a:extLst>
-              <a:ext uri="{FF2B5EF4-FFF2-40B4-BE49-F238E27FC236}">
-                <a16:creationId xmlns:a16="http://schemas.microsoft.com/office/drawing/2014/main" id="{75E93E77-0D03-6FB2-0CA0-8C4013E50398}"/>
-              </a:ext>
-            </a:extLst>
-          </p:cNvPr>
-          <p:cNvSpPr>
-            <a:spLocks noGrp="1"/>
-          </p:cNvSpPr>
-          <p:nvPr>
-            <p:ph type="ctrTitle"/>
-          </p:nvPr>
-        </p:nvSpPr>
-        <p:spPr/>
-        <p:txBody>
-          <a:bodyPr/>
-          <a:lstStyle/>
-          <a:p>
-            <a:r>
-              <a:rPr lang="pt-BR" dirty="0"/>
-              <a:t>1. Descrição do problema</a:t>
-            </a:r>
-          </a:p>
-        </p:txBody>
-      </p:sp>
-      <p:sp>
-        <p:nvSpPr>
-          <p:cNvPr id="3" name="Subtítulo 2">
-            <a:extLst>
-              <a:ext uri="{FF2B5EF4-FFF2-40B4-BE49-F238E27FC236}">
-                <a16:creationId xmlns:a16="http://schemas.microsoft.com/office/drawing/2014/main" id="{84041930-54E0-AC55-410D-57C869A1329F}"/>
-              </a:ext>
-            </a:extLst>
-          </p:cNvPr>
-          <p:cNvSpPr>
-            <a:spLocks noGrp="1"/>
-          </p:cNvSpPr>
-          <p:nvPr>
-            <p:ph type="subTitle" idx="1"/>
-          </p:nvPr>
-        </p:nvSpPr>
-        <p:spPr/>
-        <p:txBody>
-          <a:bodyPr/>
-          <a:lstStyle/>
-          <a:p>
-            <a:r>
-              <a:rPr lang="pt-BR" dirty="0"/>
-              <a:t>Possíveis soluções</a:t>
-            </a:r>
-          </a:p>
-        </p:txBody>
-      </p:sp>
-      <p:sp>
-        <p:nvSpPr>
-          <p:cNvPr id="4" name="Espaço Reservado para Conteúdo 3">
-            <a:extLst>
-              <a:ext uri="{FF2B5EF4-FFF2-40B4-BE49-F238E27FC236}">
-                <a16:creationId xmlns:a16="http://schemas.microsoft.com/office/drawing/2014/main" id="{6214C158-C4CC-5151-C118-B8B981BF0241}"/>
-              </a:ext>
-            </a:extLst>
-          </p:cNvPr>
-          <p:cNvSpPr>
-            <a:spLocks noGrp="1"/>
-          </p:cNvSpPr>
-          <p:nvPr>
-            <p:ph idx="10"/>
-          </p:nvPr>
-        </p:nvSpPr>
-        <p:spPr/>
-        <p:txBody>
-          <a:bodyPr/>
-          <a:lstStyle/>
-          <a:p>
-            <a:r>
-              <a:rPr lang="pt-BR" dirty="0"/>
-              <a:t>3.   Ir além da correspondência exata dos termos</a:t>
-            </a:r>
-          </a:p>
-          <a:p>
-            <a:pPr marL="522900" lvl="1" indent="-342900">
-              <a:buFont typeface="Arial" panose="020B0604020202020204" pitchFamily="34" charset="0"/>
-              <a:buChar char="•"/>
-            </a:pPr>
-            <a:r>
-              <a:rPr lang="pt-BR" dirty="0"/>
-              <a:t>Queries e documentos são representados por </a:t>
-            </a:r>
-            <a:r>
-              <a:rPr lang="pt-BR" b="1" u="sng" dirty="0"/>
-              <a:t>vetores que capturam a semântica do texto</a:t>
-            </a:r>
-          </a:p>
-          <a:p>
-            <a:pPr marL="522900" lvl="1" indent="-342900">
-              <a:buFont typeface="Arial" panose="020B0604020202020204" pitchFamily="34" charset="0"/>
-              <a:buChar char="•"/>
-            </a:pPr>
-            <a:endParaRPr lang="pt-BR" dirty="0"/>
-          </a:p>
-          <a:p>
-            <a:pPr marL="522900" lvl="1" indent="-342900">
-              <a:buFont typeface="Arial" panose="020B0604020202020204" pitchFamily="34" charset="0"/>
-              <a:buChar char="•"/>
-            </a:pPr>
-            <a:endParaRPr lang="pt-BR" dirty="0"/>
-          </a:p>
-          <a:p>
-            <a:pPr marL="522900" lvl="1" indent="-342900">
-              <a:buFont typeface="Arial" panose="020B0604020202020204" pitchFamily="34" charset="0"/>
-              <a:buChar char="•"/>
-            </a:pPr>
-            <a:r>
-              <a:rPr lang="pt-BR" dirty="0">
-                <a:solidFill>
-                  <a:srgbClr val="00B050"/>
-                </a:solidFill>
-                <a:latin typeface="Times New Roman" panose="02020603050405020304" pitchFamily="18" charset="0"/>
-                <a:cs typeface="Times New Roman" panose="02020603050405020304" pitchFamily="18" charset="0"/>
-              </a:rPr>
-              <a:t>▲ </a:t>
-            </a:r>
-            <a:r>
-              <a:rPr lang="pt-BR" dirty="0"/>
-              <a:t>Sai do espaço vocabular e vai para o espaço semântico</a:t>
-            </a:r>
-          </a:p>
-          <a:p>
-            <a:pPr marL="522900" lvl="1" indent="-342900">
-              <a:buFont typeface="Arial" panose="020B0604020202020204" pitchFamily="34" charset="0"/>
-              <a:buChar char="•"/>
-            </a:pPr>
-            <a:r>
-              <a:rPr lang="pt-BR" dirty="0">
-                <a:solidFill>
-                  <a:srgbClr val="00B050"/>
-                </a:solidFill>
-                <a:latin typeface="Times New Roman" panose="02020603050405020304" pitchFamily="18" charset="0"/>
-                <a:cs typeface="Times New Roman" panose="02020603050405020304" pitchFamily="18" charset="0"/>
-              </a:rPr>
-              <a:t>▲ </a:t>
-            </a:r>
-            <a:r>
-              <a:rPr lang="pt-BR" dirty="0"/>
-              <a:t>É o método que promete os melhores resultados</a:t>
-            </a:r>
-          </a:p>
-          <a:p>
-            <a:pPr marL="522900" lvl="1" indent="-342900">
-              <a:buFont typeface="Arial" panose="020B0604020202020204" pitchFamily="34" charset="0"/>
-              <a:buChar char="•"/>
-            </a:pPr>
-            <a:r>
-              <a:rPr lang="pt-BR" dirty="0">
-                <a:solidFill>
-                  <a:srgbClr val="FF0000"/>
-                </a:solidFill>
-                <a:latin typeface="Times New Roman" panose="02020603050405020304" pitchFamily="18" charset="0"/>
-                <a:cs typeface="Times New Roman" panose="02020603050405020304" pitchFamily="18" charset="0"/>
-              </a:rPr>
-              <a:t>▼ </a:t>
-            </a:r>
-            <a:r>
-              <a:rPr lang="pt-BR" dirty="0"/>
-              <a:t>Exige muita alteração na pesquisa (troca do motor de busca, métodos para geração de </a:t>
-            </a:r>
-            <a:r>
-              <a:rPr lang="pt-BR" i="1" dirty="0" err="1"/>
-              <a:t>embeddings</a:t>
-            </a:r>
-            <a:r>
-              <a:rPr lang="pt-BR" dirty="0"/>
-              <a:t> </a:t>
-            </a:r>
-            <a:r>
-              <a:rPr lang="pt-BR" dirty="0" err="1"/>
-              <a:t>etc</a:t>
-            </a:r>
-            <a:r>
-              <a:rPr lang="pt-BR" dirty="0"/>
-              <a:t>)</a:t>
-            </a:r>
-          </a:p>
-          <a:p>
-            <a:pPr marL="522900" lvl="1" indent="-342900">
-              <a:buFont typeface="Arial" panose="020B0604020202020204" pitchFamily="34" charset="0"/>
-              <a:buChar char="•"/>
-            </a:pPr>
-            <a:r>
-              <a:rPr lang="pt-BR" dirty="0">
-                <a:solidFill>
-                  <a:srgbClr val="FF0000"/>
-                </a:solidFill>
-                <a:latin typeface="Times New Roman" panose="02020603050405020304" pitchFamily="18" charset="0"/>
-                <a:cs typeface="Times New Roman" panose="02020603050405020304" pitchFamily="18" charset="0"/>
-              </a:rPr>
-              <a:t>▼ </a:t>
-            </a:r>
-            <a:r>
-              <a:rPr lang="pt-BR" dirty="0"/>
-              <a:t>Métodos modernos para geração de </a:t>
-            </a:r>
-            <a:r>
-              <a:rPr lang="pt-BR" i="1" dirty="0" err="1"/>
-              <a:t>embeddings</a:t>
-            </a:r>
-            <a:r>
-              <a:rPr lang="pt-BR" dirty="0"/>
-              <a:t> exigem </a:t>
-            </a:r>
-            <a:r>
-              <a:rPr lang="pt-BR" i="1" dirty="0"/>
-              <a:t>hardware</a:t>
-            </a:r>
-            <a:r>
-              <a:rPr lang="pt-BR" dirty="0"/>
-              <a:t> especializado</a:t>
-            </a:r>
-          </a:p>
-          <a:p>
-            <a:pPr marL="522900" lvl="1" indent="-342900">
-              <a:buFont typeface="Arial" panose="020B0604020202020204" pitchFamily="34" charset="0"/>
-              <a:buChar char="•"/>
-            </a:pPr>
-            <a:endParaRPr lang="pt-BR" dirty="0"/>
-          </a:p>
-          <a:p>
-            <a:pPr marL="522900" lvl="1" indent="-342900">
-              <a:buFont typeface="Arial" panose="020B0604020202020204" pitchFamily="34" charset="0"/>
-              <a:buChar char="•"/>
-            </a:pPr>
-            <a:endParaRPr lang="pt-BR" dirty="0"/>
-          </a:p>
-        </p:txBody>
-      </p:sp>
-    </p:spTree>
-    <p:extLst>
-      <p:ext uri="{BB962C8B-B14F-4D97-AF65-F5344CB8AC3E}">
-        <p14:creationId xmlns:p14="http://schemas.microsoft.com/office/powerpoint/2010/main" val="1765854844"/>
       </p:ext>
     </p:extLst>
   </p:cSld>

--- a/projeto_final/Apresentação.pptx
+++ b/projeto_final/Apresentação.pptx
@@ -5,36 +5,40 @@
     <p:sldMasterId id="2147483648" r:id="rId1"/>
   </p:sldMasterIdLst>
   <p:notesMasterIdLst>
-    <p:notesMasterId r:id="rId29"/>
+    <p:notesMasterId r:id="rId33"/>
   </p:notesMasterIdLst>
   <p:sldIdLst>
     <p:sldId id="265" r:id="rId2"/>
     <p:sldId id="274" r:id="rId3"/>
-    <p:sldId id="296" r:id="rId4"/>
-    <p:sldId id="298" r:id="rId5"/>
-    <p:sldId id="299" r:id="rId6"/>
-    <p:sldId id="278" r:id="rId7"/>
-    <p:sldId id="280" r:id="rId8"/>
-    <p:sldId id="279" r:id="rId9"/>
-    <p:sldId id="281" r:id="rId10"/>
-    <p:sldId id="283" r:id="rId11"/>
-    <p:sldId id="282" r:id="rId12"/>
-    <p:sldId id="277" r:id="rId13"/>
-    <p:sldId id="300" r:id="rId14"/>
-    <p:sldId id="297" r:id="rId15"/>
-    <p:sldId id="290" r:id="rId16"/>
-    <p:sldId id="292" r:id="rId17"/>
-    <p:sldId id="285" r:id="rId18"/>
-    <p:sldId id="286" r:id="rId19"/>
-    <p:sldId id="287" r:id="rId20"/>
-    <p:sldId id="288" r:id="rId21"/>
-    <p:sldId id="289" r:id="rId22"/>
-    <p:sldId id="291" r:id="rId23"/>
-    <p:sldId id="293" r:id="rId24"/>
-    <p:sldId id="294" r:id="rId25"/>
-    <p:sldId id="295" r:id="rId26"/>
-    <p:sldId id="270" r:id="rId27"/>
-    <p:sldId id="268" r:id="rId28"/>
+    <p:sldId id="298" r:id="rId4"/>
+    <p:sldId id="299" r:id="rId5"/>
+    <p:sldId id="302" r:id="rId6"/>
+    <p:sldId id="296" r:id="rId7"/>
+    <p:sldId id="278" r:id="rId8"/>
+    <p:sldId id="303" r:id="rId9"/>
+    <p:sldId id="280" r:id="rId10"/>
+    <p:sldId id="304" r:id="rId11"/>
+    <p:sldId id="279" r:id="rId12"/>
+    <p:sldId id="301" r:id="rId13"/>
+    <p:sldId id="281" r:id="rId14"/>
+    <p:sldId id="283" r:id="rId15"/>
+    <p:sldId id="282" r:id="rId16"/>
+    <p:sldId id="277" r:id="rId17"/>
+    <p:sldId id="300" r:id="rId18"/>
+    <p:sldId id="297" r:id="rId19"/>
+    <p:sldId id="290" r:id="rId20"/>
+    <p:sldId id="292" r:id="rId21"/>
+    <p:sldId id="285" r:id="rId22"/>
+    <p:sldId id="286" r:id="rId23"/>
+    <p:sldId id="287" r:id="rId24"/>
+    <p:sldId id="288" r:id="rId25"/>
+    <p:sldId id="289" r:id="rId26"/>
+    <p:sldId id="291" r:id="rId27"/>
+    <p:sldId id="293" r:id="rId28"/>
+    <p:sldId id="294" r:id="rId29"/>
+    <p:sldId id="295" r:id="rId30"/>
+    <p:sldId id="270" r:id="rId31"/>
+    <p:sldId id="268" r:id="rId32"/>
   </p:sldIdLst>
   <p:sldSz cx="11522075" cy="6480175"/>
   <p:notesSz cx="9144000" cy="6858000"/>
@@ -234,7 +238,7 @@
           <a:p>
             <a:fld id="{2F8BED3A-9422-4E14-A9B9-938985A422CB}" type="datetimeFigureOut">
               <a:rPr lang="pt-BR" smtClean="0"/>
-              <a:t>29/10/2024</a:t>
+              <a:t>10/11/2024</a:t>
             </a:fld>
             <a:endParaRPr lang="pt-BR"/>
           </a:p>
@@ -566,7 +570,7 @@
           <a:p>
             <a:fld id="{FA2A56E4-E937-4984-A444-6FDADFE5641C}" type="slidenum">
               <a:rPr lang="pt-BR" smtClean="0"/>
-              <a:t>8</a:t>
+              <a:t>11</a:t>
             </a:fld>
             <a:endParaRPr lang="pt-BR"/>
           </a:p>
@@ -576,6 +580,114 @@
     <p:extLst>
       <p:ext uri="{BB962C8B-B14F-4D97-AF65-F5344CB8AC3E}">
         <p14:creationId xmlns:p14="http://schemas.microsoft.com/office/powerpoint/2010/main" val="2380738537"/>
+      </p:ext>
+    </p:extLst>
+  </p:cSld>
+  <p:clrMapOvr>
+    <a:masterClrMapping/>
+  </p:clrMapOvr>
+</p:notes>
+</file>
+
+<file path=ppt/notesSlides/notesSlide2.xml><?xml version="1.0" encoding="utf-8"?>
+<p:notes xmlns:a="http://schemas.openxmlformats.org/drawingml/2006/main" xmlns:r="http://schemas.openxmlformats.org/officeDocument/2006/relationships" xmlns:p="http://schemas.openxmlformats.org/presentationml/2006/main">
+  <p:cSld>
+    <p:spTree>
+      <p:nvGrpSpPr>
+        <p:cNvPr id="1" name="">
+          <a:extLst>
+            <a:ext uri="{FF2B5EF4-FFF2-40B4-BE49-F238E27FC236}">
+              <a16:creationId xmlns:a16="http://schemas.microsoft.com/office/drawing/2014/main" id="{0E529FE8-A7F4-D165-AA35-F8D2876FC17E}"/>
+            </a:ext>
+          </a:extLst>
+        </p:cNvPr>
+        <p:cNvGrpSpPr/>
+        <p:nvPr/>
+      </p:nvGrpSpPr>
+      <p:grpSpPr>
+        <a:xfrm>
+          <a:off x="0" y="0"/>
+          <a:ext cx="0" cy="0"/>
+          <a:chOff x="0" y="0"/>
+          <a:chExt cx="0" cy="0"/>
+        </a:xfrm>
+      </p:grpSpPr>
+      <p:sp>
+        <p:nvSpPr>
+          <p:cNvPr id="2" name="Espaço Reservado para Imagem de Slide 1">
+            <a:extLst>
+              <a:ext uri="{FF2B5EF4-FFF2-40B4-BE49-F238E27FC236}">
+                <a16:creationId xmlns:a16="http://schemas.microsoft.com/office/drawing/2014/main" id="{50E12A8C-1BBE-63D8-0483-585F063F23EF}"/>
+              </a:ext>
+            </a:extLst>
+          </p:cNvPr>
+          <p:cNvSpPr>
+            <a:spLocks noGrp="1" noRot="1" noChangeAspect="1"/>
+          </p:cNvSpPr>
+          <p:nvPr>
+            <p:ph type="sldImg"/>
+          </p:nvPr>
+        </p:nvSpPr>
+        <p:spPr/>
+      </p:sp>
+      <p:sp>
+        <p:nvSpPr>
+          <p:cNvPr id="3" name="Espaço Reservado para Anotações 2">
+            <a:extLst>
+              <a:ext uri="{FF2B5EF4-FFF2-40B4-BE49-F238E27FC236}">
+                <a16:creationId xmlns:a16="http://schemas.microsoft.com/office/drawing/2014/main" id="{804383E0-524A-F493-2FB0-F034CEFAF001}"/>
+              </a:ext>
+            </a:extLst>
+          </p:cNvPr>
+          <p:cNvSpPr>
+            <a:spLocks noGrp="1"/>
+          </p:cNvSpPr>
+          <p:nvPr>
+            <p:ph type="body" idx="1"/>
+          </p:nvPr>
+        </p:nvSpPr>
+        <p:spPr/>
+        <p:txBody>
+          <a:bodyPr/>
+          <a:lstStyle/>
+          <a:p>
+            <a:endParaRPr lang="pt-BR" dirty="0"/>
+          </a:p>
+        </p:txBody>
+      </p:sp>
+      <p:sp>
+        <p:nvSpPr>
+          <p:cNvPr id="4" name="Espaço Reservado para Número de Slide 3">
+            <a:extLst>
+              <a:ext uri="{FF2B5EF4-FFF2-40B4-BE49-F238E27FC236}">
+                <a16:creationId xmlns:a16="http://schemas.microsoft.com/office/drawing/2014/main" id="{109EDAC6-23E6-9F4B-7F3C-9F707705E28F}"/>
+              </a:ext>
+            </a:extLst>
+          </p:cNvPr>
+          <p:cNvSpPr>
+            <a:spLocks noGrp="1"/>
+          </p:cNvSpPr>
+          <p:nvPr>
+            <p:ph type="sldNum" sz="quarter" idx="5"/>
+          </p:nvPr>
+        </p:nvSpPr>
+        <p:spPr/>
+        <p:txBody>
+          <a:bodyPr/>
+          <a:lstStyle/>
+          <a:p>
+            <a:fld id="{FA2A56E4-E937-4984-A444-6FDADFE5641C}" type="slidenum">
+              <a:rPr lang="pt-BR" smtClean="0"/>
+              <a:t>12</a:t>
+            </a:fld>
+            <a:endParaRPr lang="pt-BR"/>
+          </a:p>
+        </p:txBody>
+      </p:sp>
+    </p:spTree>
+    <p:extLst>
+      <p:ext uri="{BB962C8B-B14F-4D97-AF65-F5344CB8AC3E}">
+        <p14:creationId xmlns:p14="http://schemas.microsoft.com/office/powerpoint/2010/main" val="2210719966"/>
       </p:ext>
     </p:extLst>
   </p:cSld>
@@ -728,7 +840,7 @@
             <a:fld id="{B76ADD97-593B-4FCA-900D-00522E87B7DD}" type="datetime1">
               <a:rPr lang="pt-BR" smtClean="0"/>
               <a:pPr/>
-              <a:t>29/10/2024</a:t>
+              <a:t>10/11/2024</a:t>
             </a:fld>
             <a:endParaRPr lang="pt-BR" dirty="0"/>
           </a:p>
@@ -878,7 +990,7 @@
             <a:fld id="{B76ADD97-593B-4FCA-900D-00522E87B7DD}" type="datetime1">
               <a:rPr lang="pt-BR" smtClean="0"/>
               <a:pPr/>
-              <a:t>29/10/2024</a:t>
+              <a:t>10/11/2024</a:t>
             </a:fld>
             <a:endParaRPr lang="pt-BR" dirty="0"/>
           </a:p>
@@ -1155,7 +1267,7 @@
             <a:fld id="{B76ADD97-593B-4FCA-900D-00522E87B7DD}" type="datetime1">
               <a:rPr lang="pt-BR" smtClean="0"/>
               <a:pPr/>
-              <a:t>29/10/2024</a:t>
+              <a:t>10/11/2024</a:t>
             </a:fld>
             <a:endParaRPr lang="pt-BR" dirty="0"/>
           </a:p>
@@ -1463,7 +1575,7 @@
             <a:fld id="{B76ADD97-593B-4FCA-900D-00522E87B7DD}" type="datetime1">
               <a:rPr lang="pt-BR" smtClean="0"/>
               <a:pPr/>
-              <a:t>29/10/2024</a:t>
+              <a:t>10/11/2024</a:t>
             </a:fld>
             <a:endParaRPr lang="pt-BR" dirty="0"/>
           </a:p>
@@ -1746,7 +1858,7 @@
             <a:fld id="{B76ADD97-593B-4FCA-900D-00522E87B7DD}" type="datetime1">
               <a:rPr lang="pt-BR" smtClean="0"/>
               <a:pPr/>
-              <a:t>29/10/2024</a:t>
+              <a:t>10/11/2024</a:t>
             </a:fld>
             <a:endParaRPr lang="pt-BR" dirty="0"/>
           </a:p>
@@ -2020,7 +2132,7 @@
             <a:fld id="{B76ADD97-593B-4FCA-900D-00522E87B7DD}" type="datetime1">
               <a:rPr lang="pt-BR" smtClean="0"/>
               <a:pPr/>
-              <a:t>29/10/2024</a:t>
+              <a:t>10/11/2024</a:t>
             </a:fld>
             <a:endParaRPr lang="pt-BR" dirty="0"/>
           </a:p>
@@ -2351,7 +2463,7 @@
             <a:fld id="{B76ADD97-593B-4FCA-900D-00522E87B7DD}" type="datetime1">
               <a:rPr lang="pt-BR" smtClean="0"/>
               <a:pPr/>
-              <a:t>29/10/2024</a:t>
+              <a:t>10/11/2024</a:t>
             </a:fld>
             <a:endParaRPr lang="pt-BR" dirty="0"/>
           </a:p>
@@ -2813,6 +2925,1152 @@
         <p:cNvPr id="1" name="">
           <a:extLst>
             <a:ext uri="{FF2B5EF4-FFF2-40B4-BE49-F238E27FC236}">
+              <a16:creationId xmlns:a16="http://schemas.microsoft.com/office/drawing/2014/main" id="{9D6FF2D2-8840-3ED6-8A8E-69EA9D6946D9}"/>
+            </a:ext>
+          </a:extLst>
+        </p:cNvPr>
+        <p:cNvGrpSpPr/>
+        <p:nvPr/>
+      </p:nvGrpSpPr>
+      <p:grpSpPr>
+        <a:xfrm>
+          <a:off x="0" y="0"/>
+          <a:ext cx="0" cy="0"/>
+          <a:chOff x="0" y="0"/>
+          <a:chExt cx="0" cy="0"/>
+        </a:xfrm>
+      </p:grpSpPr>
+      <p:sp>
+        <p:nvSpPr>
+          <p:cNvPr id="4" name="Título 3">
+            <a:extLst>
+              <a:ext uri="{FF2B5EF4-FFF2-40B4-BE49-F238E27FC236}">
+                <a16:creationId xmlns:a16="http://schemas.microsoft.com/office/drawing/2014/main" id="{CB0A35BE-D714-9D30-ED64-69F84AD9111D}"/>
+              </a:ext>
+            </a:extLst>
+          </p:cNvPr>
+          <p:cNvSpPr>
+            <a:spLocks noGrp="1"/>
+          </p:cNvSpPr>
+          <p:nvPr>
+            <p:ph type="ctrTitle"/>
+          </p:nvPr>
+        </p:nvSpPr>
+        <p:spPr/>
+        <p:txBody>
+          <a:bodyPr/>
+          <a:lstStyle/>
+          <a:p>
+            <a:r>
+              <a:rPr lang="pt-BR" dirty="0"/>
+              <a:t>1. Descrição do problema</a:t>
+            </a:r>
+          </a:p>
+        </p:txBody>
+      </p:sp>
+      <p:sp>
+        <p:nvSpPr>
+          <p:cNvPr id="5" name="Subtítulo 4">
+            <a:extLst>
+              <a:ext uri="{FF2B5EF4-FFF2-40B4-BE49-F238E27FC236}">
+                <a16:creationId xmlns:a16="http://schemas.microsoft.com/office/drawing/2014/main" id="{0C4C6AE3-B5E5-129B-5003-39A66F0E7676}"/>
+              </a:ext>
+            </a:extLst>
+          </p:cNvPr>
+          <p:cNvSpPr>
+            <a:spLocks noGrp="1"/>
+          </p:cNvSpPr>
+          <p:nvPr>
+            <p:ph type="subTitle" idx="1"/>
+          </p:nvPr>
+        </p:nvSpPr>
+        <p:spPr/>
+        <p:txBody>
+          <a:bodyPr/>
+          <a:lstStyle/>
+          <a:p>
+            <a:r>
+              <a:rPr lang="pt-BR" dirty="0"/>
+              <a:t>Funcionamento da pesquisa do Tribunal – Consulta</a:t>
+            </a:r>
+          </a:p>
+        </p:txBody>
+      </p:sp>
+      <p:sp>
+        <p:nvSpPr>
+          <p:cNvPr id="7" name="Espaço Reservado para Número de Slide 6">
+            <a:extLst>
+              <a:ext uri="{FF2B5EF4-FFF2-40B4-BE49-F238E27FC236}">
+                <a16:creationId xmlns:a16="http://schemas.microsoft.com/office/drawing/2014/main" id="{CC130C45-6A6C-1BF6-5ED5-0E1FBEA5DF36}"/>
+              </a:ext>
+            </a:extLst>
+          </p:cNvPr>
+          <p:cNvSpPr>
+            <a:spLocks noGrp="1"/>
+          </p:cNvSpPr>
+          <p:nvPr>
+            <p:ph type="sldNum" sz="quarter" idx="4"/>
+          </p:nvPr>
+        </p:nvSpPr>
+        <p:spPr/>
+        <p:txBody>
+          <a:bodyPr/>
+          <a:lstStyle/>
+          <a:p>
+            <a:fld id="{F237BF63-6F93-4812-BF2B-F503033D63A9}" type="slidenum">
+              <a:rPr lang="pt-BR" smtClean="0"/>
+              <a:pPr/>
+              <a:t>10</a:t>
+            </a:fld>
+            <a:endParaRPr lang="pt-BR" dirty="0"/>
+          </a:p>
+        </p:txBody>
+      </p:sp>
+      <p:sp>
+        <p:nvSpPr>
+          <p:cNvPr id="2" name="Espaço Reservado para Conteúdo 2">
+            <a:extLst>
+              <a:ext uri="{FF2B5EF4-FFF2-40B4-BE49-F238E27FC236}">
+                <a16:creationId xmlns:a16="http://schemas.microsoft.com/office/drawing/2014/main" id="{DF8D21FD-FFF8-D989-8902-CEE2963AEF57}"/>
+              </a:ext>
+            </a:extLst>
+          </p:cNvPr>
+          <p:cNvSpPr>
+            <a:spLocks noGrp="1"/>
+          </p:cNvSpPr>
+          <p:nvPr>
+            <p:ph idx="10"/>
+          </p:nvPr>
+        </p:nvSpPr>
+        <p:spPr>
+          <a:xfrm>
+            <a:off x="540000" y="1620000"/>
+            <a:ext cx="10440000" cy="4140000"/>
+          </a:xfrm>
+        </p:spPr>
+        <p:txBody>
+          <a:bodyPr>
+            <a:normAutofit fontScale="77500" lnSpcReduction="20000"/>
+          </a:bodyPr>
+          <a:lstStyle/>
+          <a:p>
+            <a:r>
+              <a:rPr lang="pt-BR" sz="2400" dirty="0"/>
+              <a:t>QUERY: técnica </a:t>
+            </a:r>
+            <a:r>
+              <a:rPr lang="pt-BR" sz="2400" b="1" dirty="0">
+                <a:solidFill>
+                  <a:srgbClr val="FF0000"/>
+                </a:solidFill>
+              </a:rPr>
+              <a:t>preço</a:t>
+            </a:r>
+          </a:p>
+          <a:p>
+            <a:endParaRPr lang="pt-BR" sz="2400" dirty="0"/>
+          </a:p>
+          <a:p>
+            <a:r>
+              <a:rPr lang="pt-BR" sz="2400" dirty="0"/>
+              <a:t>DOC: A utilização da empreitada por </a:t>
+            </a:r>
+            <a:r>
+              <a:rPr lang="pt-BR" sz="2400" b="1" dirty="0">
+                <a:solidFill>
+                  <a:srgbClr val="FF0000"/>
+                </a:solidFill>
+              </a:rPr>
+              <a:t>preço</a:t>
+            </a:r>
+            <a:r>
+              <a:rPr lang="pt-BR" sz="2400" dirty="0"/>
+              <a:t> global para objetos com imprecisão intrínseca de quantitativos deve ser justificada no processo, em termos técnicos, econômicos ou outros devidamente motivados.</a:t>
+            </a:r>
+          </a:p>
+          <a:p>
+            <a:endParaRPr lang="pt-BR" sz="2400" dirty="0"/>
+          </a:p>
+          <a:p>
+            <a:endParaRPr lang="pt-BR" sz="2400" dirty="0"/>
+          </a:p>
+          <a:p>
+            <a:endParaRPr lang="pt-BR" sz="2400" dirty="0"/>
+          </a:p>
+          <a:p>
+            <a:r>
+              <a:rPr lang="pt-BR" sz="2400" dirty="0"/>
+              <a:t>QUERY: </a:t>
+            </a:r>
+            <a:r>
+              <a:rPr lang="pt-BR" sz="2400" b="1" dirty="0" err="1">
+                <a:solidFill>
+                  <a:srgbClr val="FF0000"/>
+                </a:solidFill>
+              </a:rPr>
+              <a:t>técn</a:t>
+            </a:r>
+            <a:r>
+              <a:rPr lang="pt-BR" sz="2400" b="1" dirty="0">
+                <a:solidFill>
+                  <a:srgbClr val="FF0000"/>
+                </a:solidFill>
+              </a:rPr>
+              <a:t> </a:t>
+            </a:r>
+            <a:r>
+              <a:rPr lang="pt-BR" sz="2400" b="1" dirty="0" err="1">
+                <a:solidFill>
+                  <a:srgbClr val="FF0000"/>
+                </a:solidFill>
+              </a:rPr>
+              <a:t>preç</a:t>
+            </a:r>
+            <a:r>
+              <a:rPr lang="pt-BR" sz="2400" dirty="0"/>
+              <a:t> </a:t>
+            </a:r>
+          </a:p>
+          <a:p>
+            <a:endParaRPr lang="pt-BR" sz="2400" dirty="0"/>
+          </a:p>
+          <a:p>
+            <a:r>
+              <a:rPr lang="pt-BR" sz="2400" dirty="0"/>
+              <a:t>DOC: </a:t>
+            </a:r>
+            <a:r>
+              <a:rPr lang="pt-BR" sz="2400" dirty="0" err="1"/>
+              <a:t>utiliz</a:t>
+            </a:r>
+            <a:r>
+              <a:rPr lang="pt-BR" sz="2400" dirty="0"/>
+              <a:t> </a:t>
+            </a:r>
+            <a:r>
+              <a:rPr lang="pt-BR" sz="2400" dirty="0" err="1"/>
+              <a:t>empreit</a:t>
+            </a:r>
+            <a:r>
+              <a:rPr lang="pt-BR" sz="2400" dirty="0"/>
+              <a:t> </a:t>
+            </a:r>
+            <a:r>
+              <a:rPr lang="pt-BR" sz="2400" b="1" dirty="0" err="1">
+                <a:solidFill>
+                  <a:srgbClr val="FF0000"/>
+                </a:solidFill>
+              </a:rPr>
+              <a:t>preç</a:t>
+            </a:r>
+            <a:r>
+              <a:rPr lang="pt-BR" sz="2400" dirty="0"/>
+              <a:t> </a:t>
+            </a:r>
+            <a:r>
+              <a:rPr lang="pt-BR" sz="2400" dirty="0" err="1"/>
+              <a:t>glob</a:t>
+            </a:r>
+            <a:r>
+              <a:rPr lang="pt-BR" sz="2400" dirty="0"/>
+              <a:t> </a:t>
+            </a:r>
+            <a:r>
+              <a:rPr lang="pt-BR" sz="2400" dirty="0" err="1"/>
+              <a:t>objet</a:t>
+            </a:r>
+            <a:r>
+              <a:rPr lang="pt-BR" sz="2400" dirty="0"/>
+              <a:t> </a:t>
+            </a:r>
+            <a:r>
+              <a:rPr lang="pt-BR" sz="2400" dirty="0" err="1"/>
+              <a:t>imprecis</a:t>
+            </a:r>
+            <a:r>
+              <a:rPr lang="pt-BR" sz="2400" dirty="0"/>
+              <a:t> </a:t>
+            </a:r>
+            <a:r>
+              <a:rPr lang="pt-BR" sz="2400" dirty="0" err="1"/>
+              <a:t>intrínsec</a:t>
+            </a:r>
+            <a:r>
+              <a:rPr lang="pt-BR" sz="2400" dirty="0"/>
+              <a:t> </a:t>
+            </a:r>
+            <a:r>
+              <a:rPr lang="pt-BR" sz="2400" dirty="0" err="1"/>
+              <a:t>quantit</a:t>
+            </a:r>
+            <a:r>
+              <a:rPr lang="pt-BR" sz="2400" dirty="0"/>
+              <a:t> </a:t>
+            </a:r>
+            <a:r>
+              <a:rPr lang="pt-BR" sz="2400" dirty="0" err="1"/>
+              <a:t>dev</a:t>
+            </a:r>
+            <a:r>
+              <a:rPr lang="pt-BR" sz="2400" dirty="0"/>
+              <a:t> </a:t>
+            </a:r>
+            <a:r>
+              <a:rPr lang="pt-BR" sz="2400" dirty="0" err="1"/>
+              <a:t>justific</a:t>
+            </a:r>
+            <a:r>
+              <a:rPr lang="pt-BR" sz="2400" dirty="0"/>
+              <a:t> </a:t>
+            </a:r>
+            <a:r>
+              <a:rPr lang="pt-BR" sz="2400" dirty="0" err="1"/>
+              <a:t>process</a:t>
+            </a:r>
+            <a:r>
+              <a:rPr lang="pt-BR" sz="2400" dirty="0"/>
+              <a:t> </a:t>
+            </a:r>
+            <a:r>
+              <a:rPr lang="pt-BR" sz="2400" dirty="0" err="1"/>
+              <a:t>term</a:t>
+            </a:r>
+            <a:r>
+              <a:rPr lang="pt-BR" sz="2400" dirty="0"/>
+              <a:t> </a:t>
+            </a:r>
+            <a:r>
+              <a:rPr lang="pt-BR" sz="2400" b="1" dirty="0" err="1">
+                <a:solidFill>
+                  <a:srgbClr val="FF0000"/>
+                </a:solidFill>
+              </a:rPr>
+              <a:t>técn</a:t>
+            </a:r>
+            <a:r>
+              <a:rPr lang="pt-BR" sz="2400" dirty="0"/>
+              <a:t> </a:t>
+            </a:r>
+            <a:r>
+              <a:rPr lang="pt-BR" sz="2400" dirty="0" err="1"/>
+              <a:t>econôm</a:t>
+            </a:r>
+            <a:r>
+              <a:rPr lang="pt-BR" sz="2400" dirty="0"/>
+              <a:t> </a:t>
+            </a:r>
+            <a:r>
+              <a:rPr lang="pt-BR" sz="2400" dirty="0" err="1"/>
+              <a:t>outr</a:t>
+            </a:r>
+            <a:r>
+              <a:rPr lang="pt-BR" sz="2400" dirty="0"/>
+              <a:t> </a:t>
+            </a:r>
+            <a:r>
+              <a:rPr lang="pt-BR" sz="2400" dirty="0" err="1"/>
+              <a:t>devid</a:t>
+            </a:r>
+            <a:r>
+              <a:rPr lang="pt-BR" sz="2400" dirty="0"/>
+              <a:t> </a:t>
+            </a:r>
+            <a:r>
+              <a:rPr lang="pt-BR" sz="2400" dirty="0" err="1"/>
+              <a:t>motiv</a:t>
+            </a:r>
+            <a:endParaRPr lang="pt-BR" sz="2400" dirty="0"/>
+          </a:p>
+        </p:txBody>
+      </p:sp>
+      <p:sp>
+        <p:nvSpPr>
+          <p:cNvPr id="6" name="Seta: para Baixo 5">
+            <a:extLst>
+              <a:ext uri="{FF2B5EF4-FFF2-40B4-BE49-F238E27FC236}">
+                <a16:creationId xmlns:a16="http://schemas.microsoft.com/office/drawing/2014/main" id="{DC1E358B-E52D-4079-832A-7328AA39CF6B}"/>
+              </a:ext>
+            </a:extLst>
+          </p:cNvPr>
+          <p:cNvSpPr/>
+          <p:nvPr/>
+        </p:nvSpPr>
+        <p:spPr>
+          <a:xfrm>
+            <a:off x="5363956" y="3312095"/>
+            <a:ext cx="792088" cy="864096"/>
+          </a:xfrm>
+          <a:prstGeom prst="downArrow">
+            <a:avLst/>
+          </a:prstGeom>
+        </p:spPr>
+        <p:style>
+          <a:lnRef idx="2">
+            <a:schemeClr val="accent1">
+              <a:shade val="15000"/>
+            </a:schemeClr>
+          </a:lnRef>
+          <a:fillRef idx="1">
+            <a:schemeClr val="accent1"/>
+          </a:fillRef>
+          <a:effectRef idx="0">
+            <a:schemeClr val="accent1"/>
+          </a:effectRef>
+          <a:fontRef idx="minor">
+            <a:schemeClr val="lt1"/>
+          </a:fontRef>
+        </p:style>
+        <p:txBody>
+          <a:bodyPr rtlCol="0" anchor="ctr"/>
+          <a:lstStyle/>
+          <a:p>
+            <a:pPr algn="ctr"/>
+            <a:endParaRPr lang="pt-BR" dirty="0"/>
+          </a:p>
+        </p:txBody>
+      </p:sp>
+    </p:spTree>
+    <p:extLst>
+      <p:ext uri="{BB962C8B-B14F-4D97-AF65-F5344CB8AC3E}">
+        <p14:creationId xmlns:p14="http://schemas.microsoft.com/office/powerpoint/2010/main" val="964008215"/>
+      </p:ext>
+    </p:extLst>
+  </p:cSld>
+  <p:clrMapOvr>
+    <a:masterClrMapping/>
+  </p:clrMapOvr>
+</p:sld>
+</file>
+
+<file path=ppt/slides/slide11.xml><?xml version="1.0" encoding="utf-8"?>
+<p:sld xmlns:a="http://schemas.openxmlformats.org/drawingml/2006/main" xmlns:r="http://schemas.openxmlformats.org/officeDocument/2006/relationships" xmlns:p="http://schemas.openxmlformats.org/presentationml/2006/main">
+  <p:cSld>
+    <p:spTree>
+      <p:nvGrpSpPr>
+        <p:cNvPr id="1" name=""/>
+        <p:cNvGrpSpPr/>
+        <p:nvPr/>
+      </p:nvGrpSpPr>
+      <p:grpSpPr>
+        <a:xfrm>
+          <a:off x="0" y="0"/>
+          <a:ext cx="0" cy="0"/>
+          <a:chOff x="0" y="0"/>
+          <a:chExt cx="0" cy="0"/>
+        </a:xfrm>
+      </p:grpSpPr>
+      <p:sp>
+        <p:nvSpPr>
+          <p:cNvPr id="2" name="Título 1">
+            <a:extLst>
+              <a:ext uri="{FF2B5EF4-FFF2-40B4-BE49-F238E27FC236}">
+                <a16:creationId xmlns:a16="http://schemas.microsoft.com/office/drawing/2014/main" id="{D58F19AD-E102-E162-CF60-5BFA23590519}"/>
+              </a:ext>
+            </a:extLst>
+          </p:cNvPr>
+          <p:cNvSpPr>
+            <a:spLocks noGrp="1"/>
+          </p:cNvSpPr>
+          <p:nvPr>
+            <p:ph type="ctrTitle"/>
+          </p:nvPr>
+        </p:nvSpPr>
+        <p:spPr/>
+        <p:txBody>
+          <a:bodyPr/>
+          <a:lstStyle/>
+          <a:p>
+            <a:r>
+              <a:rPr lang="pt-BR" dirty="0"/>
+              <a:t>1. Descrição do problema</a:t>
+            </a:r>
+          </a:p>
+        </p:txBody>
+      </p:sp>
+      <p:sp>
+        <p:nvSpPr>
+          <p:cNvPr id="3" name="Subtítulo 2">
+            <a:extLst>
+              <a:ext uri="{FF2B5EF4-FFF2-40B4-BE49-F238E27FC236}">
+                <a16:creationId xmlns:a16="http://schemas.microsoft.com/office/drawing/2014/main" id="{48315E0B-4C87-D536-1408-5E3DF60C0723}"/>
+              </a:ext>
+            </a:extLst>
+          </p:cNvPr>
+          <p:cNvSpPr>
+            <a:spLocks noGrp="1"/>
+          </p:cNvSpPr>
+          <p:nvPr>
+            <p:ph type="subTitle" idx="1"/>
+          </p:nvPr>
+        </p:nvSpPr>
+        <p:spPr/>
+        <p:txBody>
+          <a:bodyPr/>
+          <a:lstStyle/>
+          <a:p>
+            <a:r>
+              <a:rPr lang="pt-BR" dirty="0"/>
+              <a:t>Problemas de abordagens léxicas</a:t>
+            </a:r>
+          </a:p>
+          <a:p>
+            <a:endParaRPr lang="pt-BR" dirty="0"/>
+          </a:p>
+        </p:txBody>
+      </p:sp>
+      <p:sp>
+        <p:nvSpPr>
+          <p:cNvPr id="4" name="Espaço Reservado para Conteúdo 3">
+            <a:extLst>
+              <a:ext uri="{FF2B5EF4-FFF2-40B4-BE49-F238E27FC236}">
+                <a16:creationId xmlns:a16="http://schemas.microsoft.com/office/drawing/2014/main" id="{0D214713-17B8-3DF0-ED5F-01C27503771D}"/>
+              </a:ext>
+            </a:extLst>
+          </p:cNvPr>
+          <p:cNvSpPr>
+            <a:spLocks noGrp="1"/>
+          </p:cNvSpPr>
+          <p:nvPr>
+            <p:ph idx="10"/>
+          </p:nvPr>
+        </p:nvSpPr>
+        <p:spPr/>
+        <p:txBody>
+          <a:bodyPr/>
+          <a:lstStyle/>
+          <a:p>
+            <a:r>
+              <a:rPr lang="pt-BR" dirty="0"/>
+              <a:t>O que é pesquisado é o texto, e não o significado.</a:t>
+            </a:r>
+          </a:p>
+        </p:txBody>
+      </p:sp>
+      <p:pic>
+        <p:nvPicPr>
+          <p:cNvPr id="13" name="Imagem 12">
+            <a:extLst>
+              <a:ext uri="{FF2B5EF4-FFF2-40B4-BE49-F238E27FC236}">
+                <a16:creationId xmlns:a16="http://schemas.microsoft.com/office/drawing/2014/main" id="{7089ED21-848B-7C0B-A129-DE1712AEE197}"/>
+              </a:ext>
+            </a:extLst>
+          </p:cNvPr>
+          <p:cNvPicPr>
+            <a:picLocks noChangeAspect="1"/>
+          </p:cNvPicPr>
+          <p:nvPr/>
+        </p:nvPicPr>
+        <p:blipFill>
+          <a:blip r:embed="rId3"/>
+          <a:stretch>
+            <a:fillRect/>
+          </a:stretch>
+        </p:blipFill>
+        <p:spPr>
+          <a:xfrm>
+            <a:off x="3504911" y="1956471"/>
+            <a:ext cx="8017164" cy="2567232"/>
+          </a:xfrm>
+          <a:prstGeom prst="rect">
+            <a:avLst/>
+          </a:prstGeom>
+        </p:spPr>
+      </p:pic>
+      <p:pic>
+        <p:nvPicPr>
+          <p:cNvPr id="14" name="Imagem 13">
+            <a:extLst>
+              <a:ext uri="{FF2B5EF4-FFF2-40B4-BE49-F238E27FC236}">
+                <a16:creationId xmlns:a16="http://schemas.microsoft.com/office/drawing/2014/main" id="{651C4C6F-B654-8DAE-92F9-B92BC84B0E35}"/>
+              </a:ext>
+            </a:extLst>
+          </p:cNvPr>
+          <p:cNvPicPr>
+            <a:picLocks noChangeAspect="1"/>
+          </p:cNvPicPr>
+          <p:nvPr/>
+        </p:nvPicPr>
+        <p:blipFill>
+          <a:blip r:embed="rId4"/>
+          <a:stretch>
+            <a:fillRect/>
+          </a:stretch>
+        </p:blipFill>
+        <p:spPr>
+          <a:xfrm>
+            <a:off x="3569566" y="4493771"/>
+            <a:ext cx="7952509" cy="1770371"/>
+          </a:xfrm>
+          <a:prstGeom prst="rect">
+            <a:avLst/>
+          </a:prstGeom>
+        </p:spPr>
+      </p:pic>
+      <p:sp>
+        <p:nvSpPr>
+          <p:cNvPr id="15" name="CaixaDeTexto 14">
+            <a:extLst>
+              <a:ext uri="{FF2B5EF4-FFF2-40B4-BE49-F238E27FC236}">
+                <a16:creationId xmlns:a16="http://schemas.microsoft.com/office/drawing/2014/main" id="{FCF97BBD-A0C8-F834-599B-DF54F521835A}"/>
+              </a:ext>
+            </a:extLst>
+          </p:cNvPr>
+          <p:cNvSpPr txBox="1"/>
+          <p:nvPr/>
+        </p:nvSpPr>
+        <p:spPr>
+          <a:xfrm>
+            <a:off x="296659" y="3004895"/>
+            <a:ext cx="1503938" cy="369332"/>
+          </a:xfrm>
+          <a:prstGeom prst="rect">
+            <a:avLst/>
+          </a:prstGeom>
+          <a:noFill/>
+        </p:spPr>
+        <p:txBody>
+          <a:bodyPr wrap="none" rtlCol="0">
+            <a:spAutoFit/>
+          </a:bodyPr>
+          <a:lstStyle/>
+          <a:p>
+            <a:r>
+              <a:rPr lang="pt-BR" dirty="0"/>
+              <a:t>Sancionados</a:t>
+            </a:r>
+          </a:p>
+        </p:txBody>
+      </p:sp>
+      <p:sp>
+        <p:nvSpPr>
+          <p:cNvPr id="16" name="CaixaDeTexto 15">
+            <a:extLst>
+              <a:ext uri="{FF2B5EF4-FFF2-40B4-BE49-F238E27FC236}">
+                <a16:creationId xmlns:a16="http://schemas.microsoft.com/office/drawing/2014/main" id="{D145F3D8-3369-E917-F980-51E486BDCEAE}"/>
+              </a:ext>
+            </a:extLst>
+          </p:cNvPr>
+          <p:cNvSpPr txBox="1"/>
+          <p:nvPr/>
+        </p:nvSpPr>
+        <p:spPr>
+          <a:xfrm>
+            <a:off x="479402" y="5009624"/>
+            <a:ext cx="1138453" cy="369332"/>
+          </a:xfrm>
+          <a:prstGeom prst="rect">
+            <a:avLst/>
+          </a:prstGeom>
+          <a:noFill/>
+        </p:spPr>
+        <p:txBody>
+          <a:bodyPr wrap="none" rtlCol="0">
+            <a:spAutoFit/>
+          </a:bodyPr>
+          <a:lstStyle/>
+          <a:p>
+            <a:r>
+              <a:rPr lang="pt-BR" dirty="0"/>
+              <a:t>Multados</a:t>
+            </a:r>
+          </a:p>
+        </p:txBody>
+      </p:sp>
+      <p:sp>
+        <p:nvSpPr>
+          <p:cNvPr id="17" name="Seta: para a Direita 16">
+            <a:extLst>
+              <a:ext uri="{FF2B5EF4-FFF2-40B4-BE49-F238E27FC236}">
+                <a16:creationId xmlns:a16="http://schemas.microsoft.com/office/drawing/2014/main" id="{1AD70239-A178-6319-6920-7E6B50EE524D}"/>
+              </a:ext>
+            </a:extLst>
+          </p:cNvPr>
+          <p:cNvSpPr/>
+          <p:nvPr/>
+        </p:nvSpPr>
+        <p:spPr>
+          <a:xfrm>
+            <a:off x="1666875" y="3004895"/>
+            <a:ext cx="1736436" cy="385413"/>
+          </a:xfrm>
+          <a:prstGeom prst="rightArrow">
+            <a:avLst/>
+          </a:prstGeom>
+        </p:spPr>
+        <p:style>
+          <a:lnRef idx="2">
+            <a:schemeClr val="accent1">
+              <a:shade val="15000"/>
+            </a:schemeClr>
+          </a:lnRef>
+          <a:fillRef idx="1">
+            <a:schemeClr val="accent1"/>
+          </a:fillRef>
+          <a:effectRef idx="0">
+            <a:schemeClr val="accent1"/>
+          </a:effectRef>
+          <a:fontRef idx="minor">
+            <a:schemeClr val="lt1"/>
+          </a:fontRef>
+        </p:style>
+        <p:txBody>
+          <a:bodyPr rtlCol="0" anchor="ctr"/>
+          <a:lstStyle/>
+          <a:p>
+            <a:pPr algn="ctr"/>
+            <a:endParaRPr lang="pt-BR"/>
+          </a:p>
+        </p:txBody>
+      </p:sp>
+      <p:sp>
+        <p:nvSpPr>
+          <p:cNvPr id="18" name="Seta: para a Direita 17">
+            <a:extLst>
+              <a:ext uri="{FF2B5EF4-FFF2-40B4-BE49-F238E27FC236}">
+                <a16:creationId xmlns:a16="http://schemas.microsoft.com/office/drawing/2014/main" id="{51288D80-7457-9018-7AF1-A502991226DB}"/>
+              </a:ext>
+            </a:extLst>
+          </p:cNvPr>
+          <p:cNvSpPr/>
+          <p:nvPr/>
+        </p:nvSpPr>
+        <p:spPr>
+          <a:xfrm>
+            <a:off x="1666875" y="5039469"/>
+            <a:ext cx="1736436" cy="385413"/>
+          </a:xfrm>
+          <a:prstGeom prst="rightArrow">
+            <a:avLst/>
+          </a:prstGeom>
+        </p:spPr>
+        <p:style>
+          <a:lnRef idx="2">
+            <a:schemeClr val="accent1">
+              <a:shade val="15000"/>
+            </a:schemeClr>
+          </a:lnRef>
+          <a:fillRef idx="1">
+            <a:schemeClr val="accent1"/>
+          </a:fillRef>
+          <a:effectRef idx="0">
+            <a:schemeClr val="accent1"/>
+          </a:effectRef>
+          <a:fontRef idx="minor">
+            <a:schemeClr val="lt1"/>
+          </a:fontRef>
+        </p:style>
+        <p:txBody>
+          <a:bodyPr rtlCol="0" anchor="ctr"/>
+          <a:lstStyle/>
+          <a:p>
+            <a:pPr algn="ctr"/>
+            <a:endParaRPr lang="pt-BR"/>
+          </a:p>
+        </p:txBody>
+      </p:sp>
+    </p:spTree>
+    <p:extLst>
+      <p:ext uri="{BB962C8B-B14F-4D97-AF65-F5344CB8AC3E}">
+        <p14:creationId xmlns:p14="http://schemas.microsoft.com/office/powerpoint/2010/main" val="1983833483"/>
+      </p:ext>
+    </p:extLst>
+  </p:cSld>
+  <p:clrMapOvr>
+    <a:masterClrMapping/>
+  </p:clrMapOvr>
+</p:sld>
+</file>
+
+<file path=ppt/slides/slide12.xml><?xml version="1.0" encoding="utf-8"?>
+<p:sld xmlns:a="http://schemas.openxmlformats.org/drawingml/2006/main" xmlns:r="http://schemas.openxmlformats.org/officeDocument/2006/relationships" xmlns:p="http://schemas.openxmlformats.org/presentationml/2006/main">
+  <p:cSld>
+    <p:spTree>
+      <p:nvGrpSpPr>
+        <p:cNvPr id="1" name="">
+          <a:extLst>
+            <a:ext uri="{FF2B5EF4-FFF2-40B4-BE49-F238E27FC236}">
+              <a16:creationId xmlns:a16="http://schemas.microsoft.com/office/drawing/2014/main" id="{EA43F4B6-4E60-EE29-9752-DEDB92E8F8AA}"/>
+            </a:ext>
+          </a:extLst>
+        </p:cNvPr>
+        <p:cNvGrpSpPr/>
+        <p:nvPr/>
+      </p:nvGrpSpPr>
+      <p:grpSpPr>
+        <a:xfrm>
+          <a:off x="0" y="0"/>
+          <a:ext cx="0" cy="0"/>
+          <a:chOff x="0" y="0"/>
+          <a:chExt cx="0" cy="0"/>
+        </a:xfrm>
+      </p:grpSpPr>
+      <p:sp>
+        <p:nvSpPr>
+          <p:cNvPr id="2" name="Título 1">
+            <a:extLst>
+              <a:ext uri="{FF2B5EF4-FFF2-40B4-BE49-F238E27FC236}">
+                <a16:creationId xmlns:a16="http://schemas.microsoft.com/office/drawing/2014/main" id="{D88E72AB-F36C-6CEF-AE6C-2826D15E9044}"/>
+              </a:ext>
+            </a:extLst>
+          </p:cNvPr>
+          <p:cNvSpPr>
+            <a:spLocks noGrp="1"/>
+          </p:cNvSpPr>
+          <p:nvPr>
+            <p:ph type="ctrTitle"/>
+          </p:nvPr>
+        </p:nvSpPr>
+        <p:spPr/>
+        <p:txBody>
+          <a:bodyPr/>
+          <a:lstStyle/>
+          <a:p>
+            <a:r>
+              <a:rPr lang="pt-BR" dirty="0"/>
+              <a:t>1. Descrição do problema</a:t>
+            </a:r>
+          </a:p>
+        </p:txBody>
+      </p:sp>
+      <p:sp>
+        <p:nvSpPr>
+          <p:cNvPr id="3" name="Subtítulo 2">
+            <a:extLst>
+              <a:ext uri="{FF2B5EF4-FFF2-40B4-BE49-F238E27FC236}">
+                <a16:creationId xmlns:a16="http://schemas.microsoft.com/office/drawing/2014/main" id="{B0C7D49E-59FE-DAE8-DF02-037785BD9C4F}"/>
+              </a:ext>
+            </a:extLst>
+          </p:cNvPr>
+          <p:cNvSpPr>
+            <a:spLocks noGrp="1"/>
+          </p:cNvSpPr>
+          <p:nvPr>
+            <p:ph type="subTitle" idx="1"/>
+          </p:nvPr>
+        </p:nvSpPr>
+        <p:spPr/>
+        <p:txBody>
+          <a:bodyPr/>
+          <a:lstStyle/>
+          <a:p>
+            <a:r>
+              <a:rPr lang="pt-BR" dirty="0"/>
+              <a:t>Problemas de abordagens léxicas</a:t>
+            </a:r>
+          </a:p>
+          <a:p>
+            <a:endParaRPr lang="pt-BR" dirty="0"/>
+          </a:p>
+        </p:txBody>
+      </p:sp>
+      <p:sp>
+        <p:nvSpPr>
+          <p:cNvPr id="4" name="Espaço Reservado para Conteúdo 3">
+            <a:extLst>
+              <a:ext uri="{FF2B5EF4-FFF2-40B4-BE49-F238E27FC236}">
+                <a16:creationId xmlns:a16="http://schemas.microsoft.com/office/drawing/2014/main" id="{A631E8E3-AD21-9595-6694-8E938FECBAFD}"/>
+              </a:ext>
+            </a:extLst>
+          </p:cNvPr>
+          <p:cNvSpPr>
+            <a:spLocks noGrp="1"/>
+          </p:cNvSpPr>
+          <p:nvPr>
+            <p:ph idx="10"/>
+          </p:nvPr>
+        </p:nvSpPr>
+        <p:spPr/>
+        <p:txBody>
+          <a:bodyPr/>
+          <a:lstStyle/>
+          <a:p>
+            <a:r>
+              <a:rPr lang="pt-BR" dirty="0"/>
+              <a:t>Uma palavra importante para o texto pode contribuir pouco para a ordenação dos resultados se ela for uma palavra rara naquele documento.</a:t>
+            </a:r>
+          </a:p>
+          <a:p>
+            <a:endParaRPr lang="pt-BR" dirty="0"/>
+          </a:p>
+        </p:txBody>
+      </p:sp>
+    </p:spTree>
+    <p:extLst>
+      <p:ext uri="{BB962C8B-B14F-4D97-AF65-F5344CB8AC3E}">
+        <p14:creationId xmlns:p14="http://schemas.microsoft.com/office/powerpoint/2010/main" val="2820195287"/>
+      </p:ext>
+    </p:extLst>
+  </p:cSld>
+  <p:clrMapOvr>
+    <a:masterClrMapping/>
+  </p:clrMapOvr>
+</p:sld>
+</file>
+
+<file path=ppt/slides/slide13.xml><?xml version="1.0" encoding="utf-8"?>
+<p:sld xmlns:a="http://schemas.openxmlformats.org/drawingml/2006/main" xmlns:r="http://schemas.openxmlformats.org/officeDocument/2006/relationships" xmlns:p="http://schemas.openxmlformats.org/presentationml/2006/main">
+  <p:cSld>
+    <p:spTree>
+      <p:nvGrpSpPr>
+        <p:cNvPr id="1" name=""/>
+        <p:cNvGrpSpPr/>
+        <p:nvPr/>
+      </p:nvGrpSpPr>
+      <p:grpSpPr>
+        <a:xfrm>
+          <a:off x="0" y="0"/>
+          <a:ext cx="0" cy="0"/>
+          <a:chOff x="0" y="0"/>
+          <a:chExt cx="0" cy="0"/>
+        </a:xfrm>
+      </p:grpSpPr>
+      <p:sp>
+        <p:nvSpPr>
+          <p:cNvPr id="2" name="Título 1">
+            <a:extLst>
+              <a:ext uri="{FF2B5EF4-FFF2-40B4-BE49-F238E27FC236}">
+                <a16:creationId xmlns:a16="http://schemas.microsoft.com/office/drawing/2014/main" id="{0D29C40D-5E17-0AF7-93BD-441772DD1C6D}"/>
+              </a:ext>
+            </a:extLst>
+          </p:cNvPr>
+          <p:cNvSpPr>
+            <a:spLocks noGrp="1"/>
+          </p:cNvSpPr>
+          <p:nvPr>
+            <p:ph type="ctrTitle"/>
+          </p:nvPr>
+        </p:nvSpPr>
+        <p:spPr/>
+        <p:txBody>
+          <a:bodyPr/>
+          <a:lstStyle/>
+          <a:p>
+            <a:r>
+              <a:rPr lang="pt-BR" dirty="0"/>
+              <a:t>1. Descrição do problema</a:t>
+            </a:r>
+          </a:p>
+        </p:txBody>
+      </p:sp>
+      <p:sp>
+        <p:nvSpPr>
+          <p:cNvPr id="3" name="Subtítulo 2">
+            <a:extLst>
+              <a:ext uri="{FF2B5EF4-FFF2-40B4-BE49-F238E27FC236}">
+                <a16:creationId xmlns:a16="http://schemas.microsoft.com/office/drawing/2014/main" id="{4E548EF1-B519-CC9E-C809-436FFE39B2D2}"/>
+              </a:ext>
+            </a:extLst>
+          </p:cNvPr>
+          <p:cNvSpPr>
+            <a:spLocks noGrp="1"/>
+          </p:cNvSpPr>
+          <p:nvPr>
+            <p:ph type="subTitle" idx="1"/>
+          </p:nvPr>
+        </p:nvSpPr>
+        <p:spPr/>
+        <p:txBody>
+          <a:bodyPr/>
+          <a:lstStyle/>
+          <a:p>
+            <a:r>
+              <a:rPr lang="pt-BR" dirty="0"/>
+              <a:t>Possíveis soluções</a:t>
+            </a:r>
+          </a:p>
+        </p:txBody>
+      </p:sp>
+      <p:sp>
+        <p:nvSpPr>
+          <p:cNvPr id="4" name="Espaço Reservado para Conteúdo 3">
+            <a:extLst>
+              <a:ext uri="{FF2B5EF4-FFF2-40B4-BE49-F238E27FC236}">
+                <a16:creationId xmlns:a16="http://schemas.microsoft.com/office/drawing/2014/main" id="{20D6F3B0-DDEE-A126-5BDC-09CF00FC3B0B}"/>
+              </a:ext>
+            </a:extLst>
+          </p:cNvPr>
+          <p:cNvSpPr>
+            <a:spLocks noGrp="1"/>
+          </p:cNvSpPr>
+          <p:nvPr>
+            <p:ph idx="10"/>
+          </p:nvPr>
+        </p:nvSpPr>
+        <p:spPr/>
+        <p:txBody>
+          <a:bodyPr/>
+          <a:lstStyle/>
+          <a:p>
+            <a:pPr marL="342900" indent="-342900">
+              <a:buAutoNum type="arabicPeriod"/>
+            </a:pPr>
+            <a:r>
+              <a:rPr lang="pt-BR" dirty="0"/>
+              <a:t>Expansão de </a:t>
+            </a:r>
+            <a:r>
+              <a:rPr lang="pt-BR" i="1" dirty="0"/>
+              <a:t>queries</a:t>
+            </a:r>
+          </a:p>
+          <a:p>
+            <a:pPr marL="522900" lvl="1" indent="-342900">
+              <a:buFont typeface="Arial" panose="020B0604020202020204" pitchFamily="34" charset="0"/>
+              <a:buChar char="•"/>
+            </a:pPr>
+            <a:r>
+              <a:rPr lang="pt-BR" dirty="0"/>
+              <a:t>Altera </a:t>
+            </a:r>
+            <a:r>
+              <a:rPr lang="pt-BR" b="1" u="sng" dirty="0"/>
+              <a:t>os termos de pesquisa </a:t>
+            </a:r>
+            <a:r>
+              <a:rPr lang="pt-BR" dirty="0"/>
+              <a:t>do usuário inserindo novos termos (por exemplo, sinônimos)</a:t>
+            </a:r>
+          </a:p>
+          <a:p>
+            <a:pPr marL="522900" lvl="1" indent="-342900">
+              <a:buFont typeface="Arial" panose="020B0604020202020204" pitchFamily="34" charset="0"/>
+              <a:buChar char="•"/>
+            </a:pPr>
+            <a:endParaRPr lang="pt-BR" dirty="0"/>
+          </a:p>
+          <a:p>
+            <a:pPr marL="522900" lvl="1" indent="-342900">
+              <a:buFont typeface="Arial" panose="020B0604020202020204" pitchFamily="34" charset="0"/>
+              <a:buChar char="•"/>
+            </a:pPr>
+            <a:endParaRPr lang="pt-BR" dirty="0"/>
+          </a:p>
+          <a:p>
+            <a:pPr marL="522900" lvl="1" indent="-342900">
+              <a:buFont typeface="Arial" panose="020B0604020202020204" pitchFamily="34" charset="0"/>
+              <a:buChar char="•"/>
+            </a:pPr>
+            <a:r>
+              <a:rPr lang="pt-BR" dirty="0">
+                <a:solidFill>
+                  <a:srgbClr val="00B050"/>
+                </a:solidFill>
+                <a:latin typeface="Times New Roman" panose="02020603050405020304" pitchFamily="18" charset="0"/>
+                <a:cs typeface="Times New Roman" panose="02020603050405020304" pitchFamily="18" charset="0"/>
+              </a:rPr>
+              <a:t>▲ </a:t>
+            </a:r>
+            <a:r>
+              <a:rPr lang="pt-BR" dirty="0"/>
+              <a:t>Tradicionalmente, tinha resultados melhores que expansão de documentos</a:t>
+            </a:r>
+          </a:p>
+          <a:p>
+            <a:pPr marL="522900" lvl="1" indent="-342900">
+              <a:buFont typeface="Arial" panose="020B0604020202020204" pitchFamily="34" charset="0"/>
+              <a:buChar char="•"/>
+            </a:pPr>
+            <a:r>
+              <a:rPr lang="pt-BR" dirty="0">
+                <a:solidFill>
+                  <a:srgbClr val="00B050"/>
+                </a:solidFill>
+                <a:latin typeface="Times New Roman" panose="02020603050405020304" pitchFamily="18" charset="0"/>
+                <a:cs typeface="Times New Roman" panose="02020603050405020304" pitchFamily="18" charset="0"/>
+              </a:rPr>
+              <a:t>▲ </a:t>
+            </a:r>
+            <a:r>
+              <a:rPr lang="pt-BR" dirty="0"/>
+              <a:t>É fácil de testar, pois atua apenas no processo de consulta</a:t>
+            </a:r>
+          </a:p>
+          <a:p>
+            <a:pPr marL="522900" lvl="1" indent="-342900">
+              <a:buFont typeface="Arial" panose="020B0604020202020204" pitchFamily="34" charset="0"/>
+              <a:buChar char="•"/>
+            </a:pPr>
+            <a:r>
+              <a:rPr lang="pt-BR" dirty="0">
+                <a:solidFill>
+                  <a:srgbClr val="00B050"/>
+                </a:solidFill>
+                <a:latin typeface="Times New Roman" panose="02020603050405020304" pitchFamily="18" charset="0"/>
+                <a:cs typeface="Times New Roman" panose="02020603050405020304" pitchFamily="18" charset="0"/>
+              </a:rPr>
+              <a:t>▲ </a:t>
+            </a:r>
+            <a:r>
+              <a:rPr lang="pt-BR" dirty="0"/>
+              <a:t>Não exige mudança do motor de busca</a:t>
+            </a:r>
+          </a:p>
+          <a:p>
+            <a:pPr marL="522900" lvl="1" indent="-342900">
+              <a:buFont typeface="Arial" panose="020B0604020202020204" pitchFamily="34" charset="0"/>
+              <a:buChar char="•"/>
+            </a:pPr>
+            <a:r>
+              <a:rPr lang="pt-BR" dirty="0">
+                <a:solidFill>
+                  <a:srgbClr val="FF0000"/>
+                </a:solidFill>
+                <a:latin typeface="Times New Roman" panose="02020603050405020304" pitchFamily="18" charset="0"/>
+                <a:cs typeface="Times New Roman" panose="02020603050405020304" pitchFamily="18" charset="0"/>
+              </a:rPr>
+              <a:t>▼ </a:t>
+            </a:r>
+            <a:r>
+              <a:rPr lang="pt-BR" dirty="0"/>
+              <a:t>Insere um novo elemento (código, </a:t>
+            </a:r>
+            <a:r>
+              <a:rPr lang="pt-BR" i="1" dirty="0"/>
+              <a:t>hardware</a:t>
+            </a:r>
+            <a:r>
+              <a:rPr lang="pt-BR" dirty="0"/>
+              <a:t> </a:t>
+            </a:r>
+            <a:r>
+              <a:rPr lang="pt-BR" dirty="0" err="1"/>
+              <a:t>etc</a:t>
+            </a:r>
+            <a:r>
+              <a:rPr lang="pt-BR" dirty="0"/>
+              <a:t>) na consulta</a:t>
+            </a:r>
+          </a:p>
+          <a:p>
+            <a:pPr marL="522900" lvl="1" indent="-342900">
+              <a:buFont typeface="Arial" panose="020B0604020202020204" pitchFamily="34" charset="0"/>
+              <a:buChar char="•"/>
+            </a:pPr>
+            <a:endParaRPr lang="pt-BR" dirty="0"/>
+          </a:p>
+        </p:txBody>
+      </p:sp>
+    </p:spTree>
+    <p:extLst>
+      <p:ext uri="{BB962C8B-B14F-4D97-AF65-F5344CB8AC3E}">
+        <p14:creationId xmlns:p14="http://schemas.microsoft.com/office/powerpoint/2010/main" val="1950488178"/>
+      </p:ext>
+    </p:extLst>
+  </p:cSld>
+  <p:clrMapOvr>
+    <a:masterClrMapping/>
+  </p:clrMapOvr>
+</p:sld>
+</file>
+
+<file path=ppt/slides/slide14.xml><?xml version="1.0" encoding="utf-8"?>
+<p:sld xmlns:a="http://schemas.openxmlformats.org/drawingml/2006/main" xmlns:r="http://schemas.openxmlformats.org/officeDocument/2006/relationships" xmlns:p="http://schemas.openxmlformats.org/presentationml/2006/main">
+  <p:cSld>
+    <p:spTree>
+      <p:nvGrpSpPr>
+        <p:cNvPr id="1" name="">
+          <a:extLst>
+            <a:ext uri="{FF2B5EF4-FFF2-40B4-BE49-F238E27FC236}">
               <a16:creationId xmlns:a16="http://schemas.microsoft.com/office/drawing/2014/main" id="{D78CB7BC-6CD2-B7B9-83D7-29AF2DDE22E8}"/>
             </a:ext>
           </a:extLst>
@@ -3057,7 +4315,7 @@
 </p:sld>
 </file>
 
-<file path=ppt/slides/slide11.xml><?xml version="1.0" encoding="utf-8"?>
+<file path=ppt/slides/slide15.xml><?xml version="1.0" encoding="utf-8"?>
 <p:sld xmlns:a="http://schemas.openxmlformats.org/drawingml/2006/main" xmlns:r="http://schemas.openxmlformats.org/officeDocument/2006/relationships" xmlns:p="http://schemas.openxmlformats.org/presentationml/2006/main">
   <p:cSld>
     <p:spTree>
@@ -3331,7 +4589,7 @@
 </p:sld>
 </file>
 
-<file path=ppt/slides/slide12.xml><?xml version="1.0" encoding="utf-8"?>
+<file path=ppt/slides/slide16.xml><?xml version="1.0" encoding="utf-8"?>
 <p:sld xmlns:a="http://schemas.openxmlformats.org/drawingml/2006/main" xmlns:r="http://schemas.openxmlformats.org/officeDocument/2006/relationships" xmlns:p="http://schemas.openxmlformats.org/presentationml/2006/main">
   <p:cSld>
     <p:spTree>
@@ -3434,7 +4692,7 @@
             <a:fld id="{F237BF63-6F93-4812-BF2B-F503033D63A9}" type="slidenum">
               <a:rPr lang="pt-BR" smtClean="0"/>
               <a:pPr/>
-              <a:t>12</a:t>
+              <a:t>16</a:t>
             </a:fld>
             <a:endParaRPr lang="pt-BR" dirty="0"/>
           </a:p>
@@ -3708,7 +4966,7 @@
 </p:sld>
 </file>
 
-<file path=ppt/slides/slide13.xml><?xml version="1.0" encoding="utf-8"?>
+<file path=ppt/slides/slide17.xml><?xml version="1.0" encoding="utf-8"?>
 <p:sld xmlns:a="http://schemas.openxmlformats.org/drawingml/2006/main" xmlns:r="http://schemas.openxmlformats.org/officeDocument/2006/relationships" xmlns:p="http://schemas.openxmlformats.org/presentationml/2006/main">
   <p:cSld>
     <p:spTree>
@@ -3811,7 +5069,7 @@
             <a:fld id="{F237BF63-6F93-4812-BF2B-F503033D63A9}" type="slidenum">
               <a:rPr lang="pt-BR" smtClean="0"/>
               <a:pPr/>
-              <a:t>13</a:t>
+              <a:t>17</a:t>
             </a:fld>
             <a:endParaRPr lang="pt-BR" dirty="0"/>
           </a:p>
@@ -4076,8 +5334,8 @@
         </p:nvCxnSpPr>
         <p:spPr>
           <a:xfrm flipH="1">
-            <a:off x="5328989" y="2447999"/>
-            <a:ext cx="1728192" cy="0"/>
+            <a:off x="4968949" y="2447999"/>
+            <a:ext cx="2088232" cy="504056"/>
           </a:xfrm>
           <a:prstGeom prst="straightConnector1">
             <a:avLst/>
@@ -4116,7 +5374,7 @@
         <p:spPr>
           <a:xfrm>
             <a:off x="539999" y="1620000"/>
-            <a:ext cx="4933005" cy="3693319"/>
+            <a:ext cx="4933005" cy="2031325"/>
           </a:xfrm>
           <a:prstGeom prst="rect">
             <a:avLst/>
@@ -4151,57 +5409,6 @@
             </a:endParaRPr>
           </a:p>
           <a:p>
-            <a:r>
-              <a:rPr lang="pt-BR" dirty="0">
-                <a:solidFill>
-                  <a:srgbClr val="002060"/>
-                </a:solidFill>
-                <a:latin typeface="Calibri Light" panose="020F0302020204030204" pitchFamily="34" charset="0"/>
-                <a:cs typeface="Arial" panose="020B0604020202020204" pitchFamily="34" charset="0"/>
-              </a:rPr>
-              <a:t>Os documentos são estruturados ao redor de um enunciado elaborado por órgão especializado do Tribunal.</a:t>
-            </a:r>
-          </a:p>
-          <a:p>
-            <a:endParaRPr lang="pt-BR" dirty="0">
-              <a:solidFill>
-                <a:srgbClr val="002060"/>
-              </a:solidFill>
-              <a:latin typeface="Calibri Light" panose="020F0302020204030204" pitchFamily="34" charset="0"/>
-              <a:cs typeface="Arial" panose="020B0604020202020204" pitchFamily="34" charset="0"/>
-            </a:endParaRPr>
-          </a:p>
-          <a:p>
-            <a:r>
-              <a:rPr lang="pt-BR" dirty="0">
-                <a:solidFill>
-                  <a:srgbClr val="002060"/>
-                </a:solidFill>
-                <a:latin typeface="Calibri Light" panose="020F0302020204030204" pitchFamily="34" charset="0"/>
-                <a:cs typeface="Arial" panose="020B0604020202020204" pitchFamily="34" charset="0"/>
-              </a:rPr>
-              <a:t>O enunciado retrata o entendimento contido na deliberação da qual ele foi extraído.</a:t>
-            </a:r>
-          </a:p>
-          <a:p>
-            <a:endParaRPr lang="pt-BR" dirty="0">
-              <a:solidFill>
-                <a:srgbClr val="002060"/>
-              </a:solidFill>
-              <a:latin typeface="Calibri Light" panose="020F0302020204030204" pitchFamily="34" charset="0"/>
-              <a:cs typeface="Arial" panose="020B0604020202020204" pitchFamily="34" charset="0"/>
-            </a:endParaRPr>
-          </a:p>
-          <a:p>
-            <a:endParaRPr lang="pt-BR" dirty="0">
-              <a:solidFill>
-                <a:srgbClr val="002060"/>
-              </a:solidFill>
-              <a:latin typeface="Calibri Light" panose="020F0302020204030204" pitchFamily="34" charset="0"/>
-              <a:cs typeface="Arial" panose="020B0604020202020204" pitchFamily="34" charset="0"/>
-            </a:endParaRPr>
-          </a:p>
-          <a:p>
             <a:pPr marL="465750" lvl="1" indent="-285750">
               <a:buFont typeface="Arial" panose="020B0604020202020204" pitchFamily="34" charset="0"/>
               <a:buChar char="•"/>
@@ -4230,22 +5437,6 @@
                 <a:latin typeface="Calibri Light" panose="020F0302020204030204" pitchFamily="34" charset="0"/>
                 <a:cs typeface="Arial" panose="020B0604020202020204" pitchFamily="34" charset="0"/>
               </a:rPr>
-              <a:t>Nem muito grande, nem muito pequena</a:t>
-            </a:r>
-          </a:p>
-          <a:p>
-            <a:pPr marL="465750" lvl="1" indent="-285750">
-              <a:buFont typeface="Arial" panose="020B0604020202020204" pitchFamily="34" charset="0"/>
-              <a:buChar char="•"/>
-            </a:pPr>
-            <a:r>
-              <a:rPr lang="pt-BR" dirty="0">
-                <a:solidFill>
-                  <a:srgbClr val="002060"/>
-                </a:solidFill>
-                <a:latin typeface="Calibri Light" panose="020F0302020204030204" pitchFamily="34" charset="0"/>
-                <a:cs typeface="Arial" panose="020B0604020202020204" pitchFamily="34" charset="0"/>
-              </a:rPr>
               <a:t>Possui </a:t>
             </a:r>
             <a:r>
@@ -4258,6 +5449,48 @@
               </a:rPr>
               <a:t>qrels</a:t>
             </a:r>
+            <a:endParaRPr lang="pt-BR" dirty="0">
+              <a:solidFill>
+                <a:srgbClr val="002060"/>
+              </a:solidFill>
+              <a:latin typeface="Calibri Light" panose="020F0302020204030204" pitchFamily="34" charset="0"/>
+              <a:cs typeface="Arial" panose="020B0604020202020204" pitchFamily="34" charset="0"/>
+            </a:endParaRPr>
+          </a:p>
+          <a:p>
+            <a:pPr marL="465750" lvl="1" indent="-285750">
+              <a:buFont typeface="Arial" panose="020B0604020202020204" pitchFamily="34" charset="0"/>
+              <a:buChar char="•"/>
+            </a:pPr>
+            <a:r>
+              <a:rPr lang="pt-BR" dirty="0">
+                <a:solidFill>
+                  <a:srgbClr val="002060"/>
+                </a:solidFill>
+                <a:latin typeface="Calibri Light" panose="020F0302020204030204" pitchFamily="34" charset="0"/>
+                <a:cs typeface="Arial" panose="020B0604020202020204" pitchFamily="34" charset="0"/>
+              </a:rPr>
+              <a:t>Nem muito grande, nem muito pequena</a:t>
+            </a:r>
+          </a:p>
+          <a:p>
+            <a:pPr marL="465750" lvl="1" indent="-285750">
+              <a:buFont typeface="Arial" panose="020B0604020202020204" pitchFamily="34" charset="0"/>
+              <a:buChar char="•"/>
+            </a:pPr>
+            <a:endParaRPr lang="pt-BR" dirty="0">
+              <a:solidFill>
+                <a:srgbClr val="002060"/>
+              </a:solidFill>
+              <a:latin typeface="Calibri Light" panose="020F0302020204030204" pitchFamily="34" charset="0"/>
+              <a:cs typeface="Arial" panose="020B0604020202020204" pitchFamily="34" charset="0"/>
+            </a:endParaRPr>
+          </a:p>
+          <a:p>
+            <a:pPr marL="465750" lvl="1" indent="-285750">
+              <a:buFont typeface="Arial" panose="020B0604020202020204" pitchFamily="34" charset="0"/>
+              <a:buChar char="•"/>
+            </a:pPr>
             <a:endParaRPr lang="pt-BR" dirty="0">
               <a:solidFill>
                 <a:srgbClr val="002060"/>
@@ -4281,7 +5514,7 @@
 </p:sld>
 </file>
 
-<file path=ppt/slides/slide14.xml><?xml version="1.0" encoding="utf-8"?>
+<file path=ppt/slides/slide18.xml><?xml version="1.0" encoding="utf-8"?>
 <p:sld xmlns:a="http://schemas.openxmlformats.org/drawingml/2006/main" xmlns:r="http://schemas.openxmlformats.org/officeDocument/2006/relationships" xmlns:p="http://schemas.openxmlformats.org/presentationml/2006/main">
   <p:cSld>
     <p:spTree>
@@ -4384,7 +5617,7 @@
             <a:fld id="{F237BF63-6F93-4812-BF2B-F503033D63A9}" type="slidenum">
               <a:rPr lang="pt-BR" smtClean="0"/>
               <a:pPr/>
-              <a:t>14</a:t>
+              <a:t>18</a:t>
             </a:fld>
             <a:endParaRPr lang="pt-BR" dirty="0"/>
           </a:p>
@@ -4631,7 +5864,7 @@
         </p:blipFill>
         <p:spPr>
           <a:xfrm>
-            <a:off x="2376661" y="1620000"/>
+            <a:off x="5409535" y="1620000"/>
             <a:ext cx="5824110" cy="4775074"/>
           </a:xfrm>
           <a:prstGeom prst="rect">
@@ -4639,6 +5872,181 @@
           </a:prstGeom>
         </p:spPr>
       </p:pic>
+      <p:sp>
+        <p:nvSpPr>
+          <p:cNvPr id="2" name="CaixaDeTexto 1">
+            <a:extLst>
+              <a:ext uri="{FF2B5EF4-FFF2-40B4-BE49-F238E27FC236}">
+                <a16:creationId xmlns:a16="http://schemas.microsoft.com/office/drawing/2014/main" id="{FCA8D6D3-A939-3CF7-105A-761BBE4B82D7}"/>
+              </a:ext>
+            </a:extLst>
+          </p:cNvPr>
+          <p:cNvSpPr txBox="1"/>
+          <p:nvPr/>
+        </p:nvSpPr>
+        <p:spPr>
+          <a:xfrm>
+            <a:off x="540000" y="1620000"/>
+            <a:ext cx="3852886" cy="3416320"/>
+          </a:xfrm>
+          <a:prstGeom prst="rect">
+            <a:avLst/>
+          </a:prstGeom>
+          <a:noFill/>
+        </p:spPr>
+        <p:txBody>
+          <a:bodyPr wrap="square" rtlCol="0">
+            <a:spAutoFit/>
+          </a:bodyPr>
+          <a:lstStyle/>
+          <a:p>
+            <a:pPr marL="180000" lvl="1"/>
+            <a:endParaRPr lang="pt-BR" dirty="0">
+              <a:solidFill>
+                <a:srgbClr val="002060"/>
+              </a:solidFill>
+              <a:latin typeface="Calibri Light" panose="020F0302020204030204" pitchFamily="34" charset="0"/>
+              <a:cs typeface="Arial" panose="020B0604020202020204" pitchFamily="34" charset="0"/>
+            </a:endParaRPr>
+          </a:p>
+          <a:p>
+            <a:r>
+              <a:rPr lang="pt-BR" dirty="0">
+                <a:solidFill>
+                  <a:srgbClr val="002060"/>
+                </a:solidFill>
+                <a:latin typeface="Calibri Light" panose="020F0302020204030204" pitchFamily="34" charset="0"/>
+                <a:cs typeface="Arial" panose="020B0604020202020204" pitchFamily="34" charset="0"/>
+              </a:rPr>
+              <a:t>Os documentos são estruturados ao redor de um </a:t>
+            </a:r>
+            <a:r>
+              <a:rPr lang="pt-BR" b="1" dirty="0">
+                <a:solidFill>
+                  <a:srgbClr val="FF0000"/>
+                </a:solidFill>
+                <a:latin typeface="Calibri Light" panose="020F0302020204030204" pitchFamily="34" charset="0"/>
+                <a:cs typeface="Arial" panose="020B0604020202020204" pitchFamily="34" charset="0"/>
+              </a:rPr>
+              <a:t>enunciado</a:t>
+            </a:r>
+            <a:r>
+              <a:rPr lang="pt-BR" dirty="0">
+                <a:solidFill>
+                  <a:srgbClr val="002060"/>
+                </a:solidFill>
+                <a:latin typeface="Calibri Light" panose="020F0302020204030204" pitchFamily="34" charset="0"/>
+                <a:cs typeface="Arial" panose="020B0604020202020204" pitchFamily="34" charset="0"/>
+              </a:rPr>
+              <a:t> elaborado por órgão especializado do Tribunal.</a:t>
+            </a:r>
+          </a:p>
+          <a:p>
+            <a:endParaRPr lang="pt-BR" dirty="0">
+              <a:solidFill>
+                <a:srgbClr val="002060"/>
+              </a:solidFill>
+              <a:latin typeface="Calibri Light" panose="020F0302020204030204" pitchFamily="34" charset="0"/>
+              <a:cs typeface="Arial" panose="020B0604020202020204" pitchFamily="34" charset="0"/>
+            </a:endParaRPr>
+          </a:p>
+          <a:p>
+            <a:endParaRPr lang="pt-BR" dirty="0">
+              <a:solidFill>
+                <a:srgbClr val="002060"/>
+              </a:solidFill>
+              <a:latin typeface="Calibri Light" panose="020F0302020204030204" pitchFamily="34" charset="0"/>
+              <a:cs typeface="Arial" panose="020B0604020202020204" pitchFamily="34" charset="0"/>
+            </a:endParaRPr>
+          </a:p>
+          <a:p>
+            <a:endParaRPr lang="pt-BR" dirty="0">
+              <a:solidFill>
+                <a:srgbClr val="002060"/>
+              </a:solidFill>
+              <a:latin typeface="Calibri Light" panose="020F0302020204030204" pitchFamily="34" charset="0"/>
+              <a:cs typeface="Arial" panose="020B0604020202020204" pitchFamily="34" charset="0"/>
+            </a:endParaRPr>
+          </a:p>
+          <a:p>
+            <a:endParaRPr lang="pt-BR" dirty="0">
+              <a:solidFill>
+                <a:srgbClr val="002060"/>
+              </a:solidFill>
+              <a:latin typeface="Calibri Light" panose="020F0302020204030204" pitchFamily="34" charset="0"/>
+              <a:cs typeface="Arial" panose="020B0604020202020204" pitchFamily="34" charset="0"/>
+            </a:endParaRPr>
+          </a:p>
+          <a:p>
+            <a:r>
+              <a:rPr lang="pt-BR" dirty="0">
+                <a:solidFill>
+                  <a:srgbClr val="002060"/>
+                </a:solidFill>
+                <a:latin typeface="Calibri Light" panose="020F0302020204030204" pitchFamily="34" charset="0"/>
+                <a:cs typeface="Arial" panose="020B0604020202020204" pitchFamily="34" charset="0"/>
+              </a:rPr>
+              <a:t>O enunciado retrata o entendimento contido na deliberação da qual ele foi extraído.</a:t>
+            </a:r>
+          </a:p>
+          <a:p>
+            <a:pPr marL="180000" lvl="1"/>
+            <a:endParaRPr lang="pt-BR" dirty="0">
+              <a:solidFill>
+                <a:srgbClr val="002060"/>
+              </a:solidFill>
+              <a:latin typeface="Calibri Light" panose="020F0302020204030204" pitchFamily="34" charset="0"/>
+              <a:cs typeface="Arial" panose="020B0604020202020204" pitchFamily="34" charset="0"/>
+            </a:endParaRPr>
+          </a:p>
+        </p:txBody>
+      </p:sp>
+      <p:sp>
+        <p:nvSpPr>
+          <p:cNvPr id="9" name="Seta: para a Direita 8">
+            <a:extLst>
+              <a:ext uri="{FF2B5EF4-FFF2-40B4-BE49-F238E27FC236}">
+                <a16:creationId xmlns:a16="http://schemas.microsoft.com/office/drawing/2014/main" id="{1C28CD0E-3FDA-1933-AC1A-1739C836A099}"/>
+              </a:ext>
+            </a:extLst>
+          </p:cNvPr>
+          <p:cNvSpPr/>
+          <p:nvPr/>
+        </p:nvSpPr>
+        <p:spPr>
+          <a:xfrm>
+            <a:off x="4680917" y="3024063"/>
+            <a:ext cx="627373" cy="368424"/>
+          </a:xfrm>
+          <a:prstGeom prst="rightArrow">
+            <a:avLst/>
+          </a:prstGeom>
+        </p:spPr>
+        <p:style>
+          <a:lnRef idx="2">
+            <a:schemeClr val="accent1">
+              <a:shade val="15000"/>
+            </a:schemeClr>
+          </a:lnRef>
+          <a:fillRef idx="1">
+            <a:schemeClr val="accent1"/>
+          </a:fillRef>
+          <a:effectRef idx="0">
+            <a:schemeClr val="accent1"/>
+          </a:effectRef>
+          <a:fontRef idx="minor">
+            <a:schemeClr val="lt1"/>
+          </a:fontRef>
+        </p:style>
+        <p:txBody>
+          <a:bodyPr rtlCol="0" anchor="ctr"/>
+          <a:lstStyle/>
+          <a:p>
+            <a:pPr algn="ctr"/>
+            <a:endParaRPr lang="pt-BR"/>
+          </a:p>
+        </p:txBody>
+      </p:sp>
     </p:spTree>
     <p:extLst>
       <p:ext uri="{BB962C8B-B14F-4D97-AF65-F5344CB8AC3E}">
@@ -4652,7 +6060,7 @@
 </p:sld>
 </file>
 
-<file path=ppt/slides/slide15.xml><?xml version="1.0" encoding="utf-8"?>
+<file path=ppt/slides/slide19.xml><?xml version="1.0" encoding="utf-8"?>
 <p:sld xmlns:a="http://schemas.openxmlformats.org/drawingml/2006/main" xmlns:r="http://schemas.openxmlformats.org/officeDocument/2006/relationships" xmlns:p="http://schemas.openxmlformats.org/presentationml/2006/main">
   <p:cSld>
     <p:spTree>
@@ -4864,7 +6272,172 @@
 </p:sld>
 </file>
 
-<file path=ppt/slides/slide16.xml><?xml version="1.0" encoding="utf-8"?>
+<file path=ppt/slides/slide2.xml><?xml version="1.0" encoding="utf-8"?>
+<p:sld xmlns:a="http://schemas.openxmlformats.org/drawingml/2006/main" xmlns:r="http://schemas.openxmlformats.org/officeDocument/2006/relationships" xmlns:p="http://schemas.openxmlformats.org/presentationml/2006/main">
+  <p:cSld>
+    <p:spTree>
+      <p:nvGrpSpPr>
+        <p:cNvPr id="1" name=""/>
+        <p:cNvGrpSpPr/>
+        <p:nvPr/>
+      </p:nvGrpSpPr>
+      <p:grpSpPr>
+        <a:xfrm>
+          <a:off x="0" y="0"/>
+          <a:ext cx="0" cy="0"/>
+          <a:chOff x="0" y="0"/>
+          <a:chExt cx="0" cy="0"/>
+        </a:xfrm>
+      </p:grpSpPr>
+      <p:sp>
+        <p:nvSpPr>
+          <p:cNvPr id="7" name="Espaço Reservado para Número de Slide 6"/>
+          <p:cNvSpPr>
+            <a:spLocks noGrp="1"/>
+          </p:cNvSpPr>
+          <p:nvPr>
+            <p:ph type="sldNum" sz="quarter" idx="4"/>
+          </p:nvPr>
+        </p:nvSpPr>
+        <p:spPr/>
+        <p:txBody>
+          <a:bodyPr/>
+          <a:lstStyle/>
+          <a:p>
+            <a:fld id="{F237BF63-6F93-4812-BF2B-F503033D63A9}" type="slidenum">
+              <a:rPr lang="pt-BR" smtClean="0"/>
+              <a:pPr/>
+              <a:t>2</a:t>
+            </a:fld>
+            <a:endParaRPr lang="pt-BR" dirty="0"/>
+          </a:p>
+        </p:txBody>
+      </p:sp>
+      <p:sp>
+        <p:nvSpPr>
+          <p:cNvPr id="3" name="Subtítulo 2">
+            <a:extLst>
+              <a:ext uri="{FF2B5EF4-FFF2-40B4-BE49-F238E27FC236}">
+                <a16:creationId xmlns:a16="http://schemas.microsoft.com/office/drawing/2014/main" id="{4EC5B438-70C4-DE53-E2B7-EA6727F37A2D}"/>
+              </a:ext>
+            </a:extLst>
+          </p:cNvPr>
+          <p:cNvSpPr>
+            <a:spLocks noGrp="1"/>
+          </p:cNvSpPr>
+          <p:nvPr>
+            <p:ph type="subTitle" idx="1"/>
+          </p:nvPr>
+        </p:nvSpPr>
+        <p:spPr/>
+        <p:txBody>
+          <a:bodyPr/>
+          <a:lstStyle/>
+          <a:p>
+            <a:endParaRPr lang="pt-BR" dirty="0"/>
+          </a:p>
+        </p:txBody>
+      </p:sp>
+      <p:sp>
+        <p:nvSpPr>
+          <p:cNvPr id="9" name="Título 8">
+            <a:extLst>
+              <a:ext uri="{FF2B5EF4-FFF2-40B4-BE49-F238E27FC236}">
+                <a16:creationId xmlns:a16="http://schemas.microsoft.com/office/drawing/2014/main" id="{678A9265-E0D5-4ECE-8EAD-915B386CBF29}"/>
+              </a:ext>
+            </a:extLst>
+          </p:cNvPr>
+          <p:cNvSpPr>
+            <a:spLocks noGrp="1"/>
+          </p:cNvSpPr>
+          <p:nvPr>
+            <p:ph type="ctrTitle"/>
+          </p:nvPr>
+        </p:nvSpPr>
+        <p:spPr/>
+        <p:txBody>
+          <a:bodyPr/>
+          <a:lstStyle/>
+          <a:p>
+            <a:r>
+              <a:rPr lang="pt-BR" dirty="0"/>
+              <a:t>Índice</a:t>
+            </a:r>
+          </a:p>
+        </p:txBody>
+      </p:sp>
+      <p:sp>
+        <p:nvSpPr>
+          <p:cNvPr id="11" name="Espaço Reservado para Conteúdo 10">
+            <a:extLst>
+              <a:ext uri="{FF2B5EF4-FFF2-40B4-BE49-F238E27FC236}">
+                <a16:creationId xmlns:a16="http://schemas.microsoft.com/office/drawing/2014/main" id="{6AD571BC-3CFD-F346-50F3-69B8714950DC}"/>
+              </a:ext>
+            </a:extLst>
+          </p:cNvPr>
+          <p:cNvSpPr>
+            <a:spLocks noGrp="1"/>
+          </p:cNvSpPr>
+          <p:nvPr>
+            <p:ph idx="10"/>
+          </p:nvPr>
+        </p:nvSpPr>
+        <p:spPr/>
+        <p:txBody>
+          <a:bodyPr/>
+          <a:lstStyle/>
+          <a:p>
+            <a:pPr marL="342900" indent="-342900">
+              <a:buAutoNum type="arabicPeriod"/>
+            </a:pPr>
+            <a:r>
+              <a:rPr lang="pt-BR" dirty="0"/>
+              <a:t>Descrição do problema</a:t>
+            </a:r>
+          </a:p>
+          <a:p>
+            <a:pPr marL="342900" indent="-342900">
+              <a:buAutoNum type="arabicPeriod"/>
+            </a:pPr>
+            <a:r>
+              <a:rPr lang="pt-BR" dirty="0"/>
+              <a:t>Método</a:t>
+            </a:r>
+          </a:p>
+          <a:p>
+            <a:pPr marL="342900" indent="-342900">
+              <a:buAutoNum type="arabicPeriod"/>
+            </a:pPr>
+            <a:r>
+              <a:rPr lang="pt-BR" dirty="0"/>
+              <a:t>Resultados</a:t>
+            </a:r>
+          </a:p>
+          <a:p>
+            <a:pPr marL="342900" indent="-342900">
+              <a:buAutoNum type="arabicPeriod"/>
+            </a:pPr>
+            <a:r>
+              <a:rPr lang="pt-BR" dirty="0"/>
+              <a:t>Conclusões</a:t>
+            </a:r>
+          </a:p>
+        </p:txBody>
+      </p:sp>
+    </p:spTree>
+    <p:extLst>
+      <p:ext uri="{BB962C8B-B14F-4D97-AF65-F5344CB8AC3E}">
+        <p14:creationId xmlns:p14="http://schemas.microsoft.com/office/powerpoint/2010/main" val="451082621"/>
+      </p:ext>
+    </p:extLst>
+  </p:cSld>
+  <p:clrMapOvr>
+    <a:masterClrMapping/>
+  </p:clrMapOvr>
+</p:sld>
+</file>
+
+<file path=ppt/slides/slide20.xml><?xml version="1.0" encoding="utf-8"?>
 <p:sld xmlns:a="http://schemas.openxmlformats.org/drawingml/2006/main" xmlns:r="http://schemas.openxmlformats.org/officeDocument/2006/relationships" xmlns:p="http://schemas.openxmlformats.org/presentationml/2006/main">
   <p:cSld>
     <p:spTree>
@@ -5043,7 +6616,7 @@
 </p:sld>
 </file>
 
-<file path=ppt/slides/slide17.xml><?xml version="1.0" encoding="utf-8"?>
+<file path=ppt/slides/slide21.xml><?xml version="1.0" encoding="utf-8"?>
 <p:sld xmlns:a="http://schemas.openxmlformats.org/drawingml/2006/main" xmlns:r="http://schemas.openxmlformats.org/officeDocument/2006/relationships" xmlns:p="http://schemas.openxmlformats.org/presentationml/2006/main">
   <p:cSld>
     <p:spTree>
@@ -5191,7 +6764,7 @@
 </p:sld>
 </file>
 
-<file path=ppt/slides/slide18.xml><?xml version="1.0" encoding="utf-8"?>
+<file path=ppt/slides/slide22.xml><?xml version="1.0" encoding="utf-8"?>
 <p:sld xmlns:a="http://schemas.openxmlformats.org/drawingml/2006/main" xmlns:r="http://schemas.openxmlformats.org/officeDocument/2006/relationships" xmlns:p="http://schemas.openxmlformats.org/presentationml/2006/main">
   <p:cSld>
     <p:spTree>
@@ -5569,7 +7142,7 @@
 </p:sld>
 </file>
 
-<file path=ppt/slides/slide19.xml><?xml version="1.0" encoding="utf-8"?>
+<file path=ppt/slides/slide23.xml><?xml version="1.0" encoding="utf-8"?>
 <p:sld xmlns:a="http://schemas.openxmlformats.org/drawingml/2006/main" xmlns:r="http://schemas.openxmlformats.org/officeDocument/2006/relationships" xmlns:p="http://schemas.openxmlformats.org/presentationml/2006/main">
   <p:cSld>
     <p:spTree>
@@ -5956,172 +7529,7 @@
 </p:sld>
 </file>
 
-<file path=ppt/slides/slide2.xml><?xml version="1.0" encoding="utf-8"?>
-<p:sld xmlns:a="http://schemas.openxmlformats.org/drawingml/2006/main" xmlns:r="http://schemas.openxmlformats.org/officeDocument/2006/relationships" xmlns:p="http://schemas.openxmlformats.org/presentationml/2006/main">
-  <p:cSld>
-    <p:spTree>
-      <p:nvGrpSpPr>
-        <p:cNvPr id="1" name=""/>
-        <p:cNvGrpSpPr/>
-        <p:nvPr/>
-      </p:nvGrpSpPr>
-      <p:grpSpPr>
-        <a:xfrm>
-          <a:off x="0" y="0"/>
-          <a:ext cx="0" cy="0"/>
-          <a:chOff x="0" y="0"/>
-          <a:chExt cx="0" cy="0"/>
-        </a:xfrm>
-      </p:grpSpPr>
-      <p:sp>
-        <p:nvSpPr>
-          <p:cNvPr id="7" name="Espaço Reservado para Número de Slide 6"/>
-          <p:cNvSpPr>
-            <a:spLocks noGrp="1"/>
-          </p:cNvSpPr>
-          <p:nvPr>
-            <p:ph type="sldNum" sz="quarter" idx="4"/>
-          </p:nvPr>
-        </p:nvSpPr>
-        <p:spPr/>
-        <p:txBody>
-          <a:bodyPr/>
-          <a:lstStyle/>
-          <a:p>
-            <a:fld id="{F237BF63-6F93-4812-BF2B-F503033D63A9}" type="slidenum">
-              <a:rPr lang="pt-BR" smtClean="0"/>
-              <a:pPr/>
-              <a:t>2</a:t>
-            </a:fld>
-            <a:endParaRPr lang="pt-BR" dirty="0"/>
-          </a:p>
-        </p:txBody>
-      </p:sp>
-      <p:sp>
-        <p:nvSpPr>
-          <p:cNvPr id="3" name="Subtítulo 2">
-            <a:extLst>
-              <a:ext uri="{FF2B5EF4-FFF2-40B4-BE49-F238E27FC236}">
-                <a16:creationId xmlns:a16="http://schemas.microsoft.com/office/drawing/2014/main" id="{4EC5B438-70C4-DE53-E2B7-EA6727F37A2D}"/>
-              </a:ext>
-            </a:extLst>
-          </p:cNvPr>
-          <p:cNvSpPr>
-            <a:spLocks noGrp="1"/>
-          </p:cNvSpPr>
-          <p:nvPr>
-            <p:ph type="subTitle" idx="1"/>
-          </p:nvPr>
-        </p:nvSpPr>
-        <p:spPr/>
-        <p:txBody>
-          <a:bodyPr/>
-          <a:lstStyle/>
-          <a:p>
-            <a:endParaRPr lang="pt-BR" dirty="0"/>
-          </a:p>
-        </p:txBody>
-      </p:sp>
-      <p:sp>
-        <p:nvSpPr>
-          <p:cNvPr id="9" name="Título 8">
-            <a:extLst>
-              <a:ext uri="{FF2B5EF4-FFF2-40B4-BE49-F238E27FC236}">
-                <a16:creationId xmlns:a16="http://schemas.microsoft.com/office/drawing/2014/main" id="{678A9265-E0D5-4ECE-8EAD-915B386CBF29}"/>
-              </a:ext>
-            </a:extLst>
-          </p:cNvPr>
-          <p:cNvSpPr>
-            <a:spLocks noGrp="1"/>
-          </p:cNvSpPr>
-          <p:nvPr>
-            <p:ph type="ctrTitle"/>
-          </p:nvPr>
-        </p:nvSpPr>
-        <p:spPr/>
-        <p:txBody>
-          <a:bodyPr/>
-          <a:lstStyle/>
-          <a:p>
-            <a:r>
-              <a:rPr lang="pt-BR" dirty="0"/>
-              <a:t>Índice</a:t>
-            </a:r>
-          </a:p>
-        </p:txBody>
-      </p:sp>
-      <p:sp>
-        <p:nvSpPr>
-          <p:cNvPr id="11" name="Espaço Reservado para Conteúdo 10">
-            <a:extLst>
-              <a:ext uri="{FF2B5EF4-FFF2-40B4-BE49-F238E27FC236}">
-                <a16:creationId xmlns:a16="http://schemas.microsoft.com/office/drawing/2014/main" id="{6AD571BC-3CFD-F346-50F3-69B8714950DC}"/>
-              </a:ext>
-            </a:extLst>
-          </p:cNvPr>
-          <p:cNvSpPr>
-            <a:spLocks noGrp="1"/>
-          </p:cNvSpPr>
-          <p:nvPr>
-            <p:ph idx="10"/>
-          </p:nvPr>
-        </p:nvSpPr>
-        <p:spPr/>
-        <p:txBody>
-          <a:bodyPr/>
-          <a:lstStyle/>
-          <a:p>
-            <a:pPr marL="342900" indent="-342900">
-              <a:buAutoNum type="arabicPeriod"/>
-            </a:pPr>
-            <a:r>
-              <a:rPr lang="pt-BR" dirty="0"/>
-              <a:t>Descrição do problema</a:t>
-            </a:r>
-          </a:p>
-          <a:p>
-            <a:pPr marL="342900" indent="-342900">
-              <a:buAutoNum type="arabicPeriod"/>
-            </a:pPr>
-            <a:r>
-              <a:rPr lang="pt-BR" dirty="0"/>
-              <a:t>Método</a:t>
-            </a:r>
-          </a:p>
-          <a:p>
-            <a:pPr marL="342900" indent="-342900">
-              <a:buAutoNum type="arabicPeriod"/>
-            </a:pPr>
-            <a:r>
-              <a:rPr lang="pt-BR" dirty="0"/>
-              <a:t>Resultados</a:t>
-            </a:r>
-          </a:p>
-          <a:p>
-            <a:pPr marL="342900" indent="-342900">
-              <a:buAutoNum type="arabicPeriod"/>
-            </a:pPr>
-            <a:r>
-              <a:rPr lang="pt-BR" dirty="0"/>
-              <a:t>Conclusões</a:t>
-            </a:r>
-          </a:p>
-        </p:txBody>
-      </p:sp>
-    </p:spTree>
-    <p:extLst>
-      <p:ext uri="{BB962C8B-B14F-4D97-AF65-F5344CB8AC3E}">
-        <p14:creationId xmlns:p14="http://schemas.microsoft.com/office/powerpoint/2010/main" val="451082621"/>
-      </p:ext>
-    </p:extLst>
-  </p:cSld>
-  <p:clrMapOvr>
-    <a:masterClrMapping/>
-  </p:clrMapOvr>
-</p:sld>
-</file>
-
-<file path=ppt/slides/slide20.xml><?xml version="1.0" encoding="utf-8"?>
+<file path=ppt/slides/slide24.xml><?xml version="1.0" encoding="utf-8"?>
 <p:sld xmlns:a="http://schemas.openxmlformats.org/drawingml/2006/main" xmlns:r="http://schemas.openxmlformats.org/officeDocument/2006/relationships" xmlns:p="http://schemas.openxmlformats.org/presentationml/2006/main">
   <p:cSld>
     <p:spTree>
@@ -6508,7 +7916,7 @@
 </p:sld>
 </file>
 
-<file path=ppt/slides/slide21.xml><?xml version="1.0" encoding="utf-8"?>
+<file path=ppt/slides/slide25.xml><?xml version="1.0" encoding="utf-8"?>
 <p:sld xmlns:a="http://schemas.openxmlformats.org/drawingml/2006/main" xmlns:r="http://schemas.openxmlformats.org/officeDocument/2006/relationships" xmlns:p="http://schemas.openxmlformats.org/presentationml/2006/main">
   <p:cSld>
     <p:spTree>
@@ -7838,8 +9246,8 @@
           </a:p>
         </p:txBody>
       </p:sp>
-      <mc:AlternateContent xmlns:mc="http://schemas.openxmlformats.org/markup-compatibility/2006">
-        <mc:Choice xmlns:a14="http://schemas.microsoft.com/office/drawing/2010/main" Requires="a14">
+      <mc:AlternateContent xmlns:mc="http://schemas.openxmlformats.org/markup-compatibility/2006" xmlns:a14="http://schemas.microsoft.com/office/drawing/2010/main">
+        <mc:Choice Requires="a14">
           <p:graphicFrame>
             <p:nvGraphicFramePr>
               <p:cNvPr id="15" name="Tabela 14">
@@ -8391,7 +9799,7 @@
             </a:graphic>
           </p:graphicFrame>
         </mc:Choice>
-        <mc:Fallback>
+        <mc:Fallback xmlns="">
           <p:graphicFrame>
             <p:nvGraphicFramePr>
               <p:cNvPr id="15" name="Tabela 14">
@@ -9855,7 +11263,7 @@
 </p:sld>
 </file>
 
-<file path=ppt/slides/slide22.xml><?xml version="1.0" encoding="utf-8"?>
+<file path=ppt/slides/slide26.xml><?xml version="1.0" encoding="utf-8"?>
 <p:sld xmlns:a="http://schemas.openxmlformats.org/drawingml/2006/main" xmlns:r="http://schemas.openxmlformats.org/officeDocument/2006/relationships" xmlns:p="http://schemas.openxmlformats.org/presentationml/2006/main">
   <p:cSld>
     <p:spTree>
@@ -11855,7 +13263,7 @@
 </p:sld>
 </file>
 
-<file path=ppt/slides/slide23.xml><?xml version="1.0" encoding="utf-8"?>
+<file path=ppt/slides/slide27.xml><?xml version="1.0" encoding="utf-8"?>
 <p:sld xmlns:a="http://schemas.openxmlformats.org/drawingml/2006/main" xmlns:r="http://schemas.openxmlformats.org/officeDocument/2006/relationships" xmlns:p="http://schemas.openxmlformats.org/presentationml/2006/main">
   <p:cSld>
     <p:spTree>
@@ -14138,7 +15546,7 @@
 </p:sld>
 </file>
 
-<file path=ppt/slides/slide24.xml><?xml version="1.0" encoding="utf-8"?>
+<file path=ppt/slides/slide28.xml><?xml version="1.0" encoding="utf-8"?>
 <p:sld xmlns:a="http://schemas.openxmlformats.org/drawingml/2006/main" xmlns:r="http://schemas.openxmlformats.org/officeDocument/2006/relationships" xmlns:p="http://schemas.openxmlformats.org/presentationml/2006/main">
   <p:cSld>
     <p:spTree>
@@ -16055,7 +17463,7 @@
 </p:sld>
 </file>
 
-<file path=ppt/slides/slide25.xml><?xml version="1.0" encoding="utf-8"?>
+<file path=ppt/slides/slide29.xml><?xml version="1.0" encoding="utf-8"?>
 <p:sld xmlns:a="http://schemas.openxmlformats.org/drawingml/2006/main" xmlns:r="http://schemas.openxmlformats.org/officeDocument/2006/relationships" xmlns:p="http://schemas.openxmlformats.org/presentationml/2006/main">
   <p:cSld>
     <p:spTree>
@@ -18352,7 +19760,184 @@
 </p:sld>
 </file>
 
-<file path=ppt/slides/slide26.xml><?xml version="1.0" encoding="utf-8"?>
+<file path=ppt/slides/slide3.xml><?xml version="1.0" encoding="utf-8"?>
+<p:sld xmlns:a="http://schemas.openxmlformats.org/drawingml/2006/main" xmlns:r="http://schemas.openxmlformats.org/officeDocument/2006/relationships" xmlns:p="http://schemas.openxmlformats.org/presentationml/2006/main">
+  <p:cSld>
+    <p:spTree>
+      <p:nvGrpSpPr>
+        <p:cNvPr id="1" name="">
+          <a:extLst>
+            <a:ext uri="{FF2B5EF4-FFF2-40B4-BE49-F238E27FC236}">
+              <a16:creationId xmlns:a16="http://schemas.microsoft.com/office/drawing/2014/main" id="{838A04C0-A8DC-F257-4C18-5DF52A3939D2}"/>
+            </a:ext>
+          </a:extLst>
+        </p:cNvPr>
+        <p:cNvGrpSpPr/>
+        <p:nvPr/>
+      </p:nvGrpSpPr>
+      <p:grpSpPr>
+        <a:xfrm>
+          <a:off x="0" y="0"/>
+          <a:ext cx="0" cy="0"/>
+          <a:chOff x="0" y="0"/>
+          <a:chExt cx="0" cy="0"/>
+        </a:xfrm>
+      </p:grpSpPr>
+      <p:sp>
+        <p:nvSpPr>
+          <p:cNvPr id="4" name="Título 3">
+            <a:extLst>
+              <a:ext uri="{FF2B5EF4-FFF2-40B4-BE49-F238E27FC236}">
+                <a16:creationId xmlns:a16="http://schemas.microsoft.com/office/drawing/2014/main" id="{E1382EB7-AED8-14E8-F03A-82DDAD0A0FDF}"/>
+              </a:ext>
+            </a:extLst>
+          </p:cNvPr>
+          <p:cNvSpPr>
+            <a:spLocks noGrp="1"/>
+          </p:cNvSpPr>
+          <p:nvPr>
+            <p:ph type="ctrTitle"/>
+          </p:nvPr>
+        </p:nvSpPr>
+        <p:spPr/>
+        <p:txBody>
+          <a:bodyPr/>
+          <a:lstStyle/>
+          <a:p>
+            <a:r>
+              <a:rPr lang="pt-BR" dirty="0"/>
+              <a:t>1. Descrição do problema</a:t>
+            </a:r>
+          </a:p>
+        </p:txBody>
+      </p:sp>
+      <p:sp>
+        <p:nvSpPr>
+          <p:cNvPr id="5" name="Subtítulo 4">
+            <a:extLst>
+              <a:ext uri="{FF2B5EF4-FFF2-40B4-BE49-F238E27FC236}">
+                <a16:creationId xmlns:a16="http://schemas.microsoft.com/office/drawing/2014/main" id="{AB3A9946-7099-B7C0-415C-21185257BA92}"/>
+              </a:ext>
+            </a:extLst>
+          </p:cNvPr>
+          <p:cNvSpPr>
+            <a:spLocks noGrp="1"/>
+          </p:cNvSpPr>
+          <p:nvPr>
+            <p:ph type="subTitle" idx="1"/>
+          </p:nvPr>
+        </p:nvSpPr>
+        <p:spPr/>
+        <p:txBody>
+          <a:bodyPr/>
+          <a:lstStyle/>
+          <a:p>
+            <a:r>
+              <a:rPr lang="pt-BR" dirty="0"/>
+              <a:t>O que é a pesquisa do TCU?</a:t>
+            </a:r>
+          </a:p>
+        </p:txBody>
+      </p:sp>
+      <p:sp>
+        <p:nvSpPr>
+          <p:cNvPr id="7" name="Espaço Reservado para Número de Slide 6">
+            <a:extLst>
+              <a:ext uri="{FF2B5EF4-FFF2-40B4-BE49-F238E27FC236}">
+                <a16:creationId xmlns:a16="http://schemas.microsoft.com/office/drawing/2014/main" id="{A315E8E0-F2E1-F94B-8301-BCE247F07352}"/>
+              </a:ext>
+            </a:extLst>
+          </p:cNvPr>
+          <p:cNvSpPr>
+            <a:spLocks noGrp="1"/>
+          </p:cNvSpPr>
+          <p:nvPr>
+            <p:ph type="sldNum" sz="quarter" idx="4"/>
+          </p:nvPr>
+        </p:nvSpPr>
+        <p:spPr/>
+        <p:txBody>
+          <a:bodyPr/>
+          <a:lstStyle/>
+          <a:p>
+            <a:fld id="{F237BF63-6F93-4812-BF2B-F503033D63A9}" type="slidenum">
+              <a:rPr lang="pt-BR" smtClean="0"/>
+              <a:pPr/>
+              <a:t>3</a:t>
+            </a:fld>
+            <a:endParaRPr lang="pt-BR" dirty="0"/>
+          </a:p>
+        </p:txBody>
+      </p:sp>
+      <p:sp>
+        <p:nvSpPr>
+          <p:cNvPr id="3" name="Espaço Reservado para Conteúdo 2">
+            <a:extLst>
+              <a:ext uri="{FF2B5EF4-FFF2-40B4-BE49-F238E27FC236}">
+                <a16:creationId xmlns:a16="http://schemas.microsoft.com/office/drawing/2014/main" id="{3E68ED3B-5560-2746-BA4E-7CAB61E350DF}"/>
+              </a:ext>
+            </a:extLst>
+          </p:cNvPr>
+          <p:cNvSpPr>
+            <a:spLocks noGrp="1"/>
+          </p:cNvSpPr>
+          <p:nvPr>
+            <p:ph idx="10"/>
+          </p:nvPr>
+        </p:nvSpPr>
+        <p:spPr/>
+        <p:txBody>
+          <a:bodyPr/>
+          <a:lstStyle/>
+          <a:p>
+            <a:endParaRPr lang="pt-BR"/>
+          </a:p>
+        </p:txBody>
+      </p:sp>
+      <p:pic>
+        <p:nvPicPr>
+          <p:cNvPr id="6" name="Imagem 5">
+            <a:extLst>
+              <a:ext uri="{FF2B5EF4-FFF2-40B4-BE49-F238E27FC236}">
+                <a16:creationId xmlns:a16="http://schemas.microsoft.com/office/drawing/2014/main" id="{073D65D6-9C06-C715-DAF2-C62F4325F560}"/>
+              </a:ext>
+            </a:extLst>
+          </p:cNvPr>
+          <p:cNvPicPr>
+            <a:picLocks noChangeAspect="1"/>
+          </p:cNvPicPr>
+          <p:nvPr/>
+        </p:nvPicPr>
+        <p:blipFill>
+          <a:blip r:embed="rId2"/>
+          <a:stretch>
+            <a:fillRect/>
+          </a:stretch>
+        </p:blipFill>
+        <p:spPr>
+          <a:xfrm>
+            <a:off x="88499" y="1620000"/>
+            <a:ext cx="11343001" cy="4573210"/>
+          </a:xfrm>
+          <a:prstGeom prst="rect">
+            <a:avLst/>
+          </a:prstGeom>
+        </p:spPr>
+      </p:pic>
+    </p:spTree>
+    <p:extLst>
+      <p:ext uri="{BB962C8B-B14F-4D97-AF65-F5344CB8AC3E}">
+        <p14:creationId xmlns:p14="http://schemas.microsoft.com/office/powerpoint/2010/main" val="679391123"/>
+      </p:ext>
+    </p:extLst>
+  </p:cSld>
+  <p:clrMapOvr>
+    <a:masterClrMapping/>
+  </p:clrMapOvr>
+</p:sld>
+</file>
+
+<file path=ppt/slides/slide30.xml><?xml version="1.0" encoding="utf-8"?>
 <p:sld xmlns:a="http://schemas.openxmlformats.org/drawingml/2006/main" xmlns:r="http://schemas.openxmlformats.org/officeDocument/2006/relationships" xmlns:p="http://schemas.openxmlformats.org/presentationml/2006/main">
   <p:cSld>
     <p:spTree>
@@ -18563,7 +20148,7 @@
             <a:fld id="{F237BF63-6F93-4812-BF2B-F503033D63A9}" type="slidenum">
               <a:rPr lang="pt-BR" smtClean="0"/>
               <a:pPr/>
-              <a:t>26</a:t>
+              <a:t>30</a:t>
             </a:fld>
             <a:endParaRPr lang="pt-BR" dirty="0"/>
           </a:p>
@@ -18582,7 +20167,7 @@
 </p:sld>
 </file>
 
-<file path=ppt/slides/slide27.xml><?xml version="1.0" encoding="utf-8"?>
+<file path=ppt/slides/slide31.xml><?xml version="1.0" encoding="utf-8"?>
 <p:sld xmlns:a="http://schemas.openxmlformats.org/drawingml/2006/main" xmlns:r="http://schemas.openxmlformats.org/officeDocument/2006/relationships" xmlns:p="http://schemas.openxmlformats.org/presentationml/2006/main">
   <p:cSld>
     <p:spTree>
@@ -18734,7 +20319,361 @@
 </p:sld>
 </file>
 
-<file path=ppt/slides/slide3.xml><?xml version="1.0" encoding="utf-8"?>
+<file path=ppt/slides/slide4.xml><?xml version="1.0" encoding="utf-8"?>
+<p:sld xmlns:a="http://schemas.openxmlformats.org/drawingml/2006/main" xmlns:r="http://schemas.openxmlformats.org/officeDocument/2006/relationships" xmlns:p="http://schemas.openxmlformats.org/presentationml/2006/main">
+  <p:cSld>
+    <p:spTree>
+      <p:nvGrpSpPr>
+        <p:cNvPr id="1" name="">
+          <a:extLst>
+            <a:ext uri="{FF2B5EF4-FFF2-40B4-BE49-F238E27FC236}">
+              <a16:creationId xmlns:a16="http://schemas.microsoft.com/office/drawing/2014/main" id="{17DDB25D-A775-1AA7-2DC3-3E54EBF416A2}"/>
+            </a:ext>
+          </a:extLst>
+        </p:cNvPr>
+        <p:cNvGrpSpPr/>
+        <p:nvPr/>
+      </p:nvGrpSpPr>
+      <p:grpSpPr>
+        <a:xfrm>
+          <a:off x="0" y="0"/>
+          <a:ext cx="0" cy="0"/>
+          <a:chOff x="0" y="0"/>
+          <a:chExt cx="0" cy="0"/>
+        </a:xfrm>
+      </p:grpSpPr>
+      <p:sp>
+        <p:nvSpPr>
+          <p:cNvPr id="4" name="Título 3">
+            <a:extLst>
+              <a:ext uri="{FF2B5EF4-FFF2-40B4-BE49-F238E27FC236}">
+                <a16:creationId xmlns:a16="http://schemas.microsoft.com/office/drawing/2014/main" id="{B1DD5EE7-1B09-4BB8-9571-9E68874E7FE9}"/>
+              </a:ext>
+            </a:extLst>
+          </p:cNvPr>
+          <p:cNvSpPr>
+            <a:spLocks noGrp="1"/>
+          </p:cNvSpPr>
+          <p:nvPr>
+            <p:ph type="ctrTitle"/>
+          </p:nvPr>
+        </p:nvSpPr>
+        <p:spPr/>
+        <p:txBody>
+          <a:bodyPr/>
+          <a:lstStyle/>
+          <a:p>
+            <a:r>
+              <a:rPr lang="pt-BR" dirty="0"/>
+              <a:t>1. Descrição do problema</a:t>
+            </a:r>
+          </a:p>
+        </p:txBody>
+      </p:sp>
+      <p:sp>
+        <p:nvSpPr>
+          <p:cNvPr id="5" name="Subtítulo 4">
+            <a:extLst>
+              <a:ext uri="{FF2B5EF4-FFF2-40B4-BE49-F238E27FC236}">
+                <a16:creationId xmlns:a16="http://schemas.microsoft.com/office/drawing/2014/main" id="{AA811345-37FE-8C38-CDE1-46A72873947C}"/>
+              </a:ext>
+            </a:extLst>
+          </p:cNvPr>
+          <p:cNvSpPr>
+            <a:spLocks noGrp="1"/>
+          </p:cNvSpPr>
+          <p:nvPr>
+            <p:ph type="subTitle" idx="1"/>
+          </p:nvPr>
+        </p:nvSpPr>
+        <p:spPr/>
+        <p:txBody>
+          <a:bodyPr/>
+          <a:lstStyle/>
+          <a:p>
+            <a:r>
+              <a:rPr lang="pt-BR" dirty="0"/>
+              <a:t>O que é a pesquisa do TCU?</a:t>
+            </a:r>
+          </a:p>
+        </p:txBody>
+      </p:sp>
+      <p:sp>
+        <p:nvSpPr>
+          <p:cNvPr id="7" name="Espaço Reservado para Número de Slide 6">
+            <a:extLst>
+              <a:ext uri="{FF2B5EF4-FFF2-40B4-BE49-F238E27FC236}">
+                <a16:creationId xmlns:a16="http://schemas.microsoft.com/office/drawing/2014/main" id="{B1E87AAE-5E04-6534-5EEE-FC221381DF13}"/>
+              </a:ext>
+            </a:extLst>
+          </p:cNvPr>
+          <p:cNvSpPr>
+            <a:spLocks noGrp="1"/>
+          </p:cNvSpPr>
+          <p:nvPr>
+            <p:ph type="sldNum" sz="quarter" idx="4"/>
+          </p:nvPr>
+        </p:nvSpPr>
+        <p:spPr/>
+        <p:txBody>
+          <a:bodyPr/>
+          <a:lstStyle/>
+          <a:p>
+            <a:fld id="{F237BF63-6F93-4812-BF2B-F503033D63A9}" type="slidenum">
+              <a:rPr lang="pt-BR" smtClean="0"/>
+              <a:pPr/>
+              <a:t>4</a:t>
+            </a:fld>
+            <a:endParaRPr lang="pt-BR" dirty="0"/>
+          </a:p>
+        </p:txBody>
+      </p:sp>
+      <p:sp>
+        <p:nvSpPr>
+          <p:cNvPr id="3" name="Espaço Reservado para Conteúdo 2">
+            <a:extLst>
+              <a:ext uri="{FF2B5EF4-FFF2-40B4-BE49-F238E27FC236}">
+                <a16:creationId xmlns:a16="http://schemas.microsoft.com/office/drawing/2014/main" id="{FEE9DDF1-D5AB-047E-E04F-3047D3554464}"/>
+              </a:ext>
+            </a:extLst>
+          </p:cNvPr>
+          <p:cNvSpPr>
+            <a:spLocks noGrp="1"/>
+          </p:cNvSpPr>
+          <p:nvPr>
+            <p:ph idx="10"/>
+          </p:nvPr>
+        </p:nvSpPr>
+        <p:spPr/>
+        <p:txBody>
+          <a:bodyPr/>
+          <a:lstStyle/>
+          <a:p>
+            <a:endParaRPr lang="pt-BR"/>
+          </a:p>
+        </p:txBody>
+      </p:sp>
+      <p:pic>
+        <p:nvPicPr>
+          <p:cNvPr id="8" name="Imagem 7">
+            <a:extLst>
+              <a:ext uri="{FF2B5EF4-FFF2-40B4-BE49-F238E27FC236}">
+                <a16:creationId xmlns:a16="http://schemas.microsoft.com/office/drawing/2014/main" id="{E7305AEC-8D24-95EC-ADCD-4AD648483365}"/>
+              </a:ext>
+            </a:extLst>
+          </p:cNvPr>
+          <p:cNvPicPr>
+            <a:picLocks noChangeAspect="1"/>
+          </p:cNvPicPr>
+          <p:nvPr/>
+        </p:nvPicPr>
+        <p:blipFill>
+          <a:blip r:embed="rId2"/>
+          <a:stretch>
+            <a:fillRect/>
+          </a:stretch>
+        </p:blipFill>
+        <p:spPr>
+          <a:xfrm>
+            <a:off x="191638" y="1620000"/>
+            <a:ext cx="11294988" cy="4783266"/>
+          </a:xfrm>
+          <a:prstGeom prst="rect">
+            <a:avLst/>
+          </a:prstGeom>
+        </p:spPr>
+      </p:pic>
+    </p:spTree>
+    <p:extLst>
+      <p:ext uri="{BB962C8B-B14F-4D97-AF65-F5344CB8AC3E}">
+        <p14:creationId xmlns:p14="http://schemas.microsoft.com/office/powerpoint/2010/main" val="3795257765"/>
+      </p:ext>
+    </p:extLst>
+  </p:cSld>
+  <p:clrMapOvr>
+    <a:masterClrMapping/>
+  </p:clrMapOvr>
+</p:sld>
+</file>
+
+<file path=ppt/slides/slide5.xml><?xml version="1.0" encoding="utf-8"?>
+<p:sld xmlns:a="http://schemas.openxmlformats.org/drawingml/2006/main" xmlns:r="http://schemas.openxmlformats.org/officeDocument/2006/relationships" xmlns:p="http://schemas.openxmlformats.org/presentationml/2006/main">
+  <p:cSld>
+    <p:spTree>
+      <p:nvGrpSpPr>
+        <p:cNvPr id="1" name="">
+          <a:extLst>
+            <a:ext uri="{FF2B5EF4-FFF2-40B4-BE49-F238E27FC236}">
+              <a16:creationId xmlns:a16="http://schemas.microsoft.com/office/drawing/2014/main" id="{2E2F8626-4810-D38A-EF5E-DB41001BDA49}"/>
+            </a:ext>
+          </a:extLst>
+        </p:cNvPr>
+        <p:cNvGrpSpPr/>
+        <p:nvPr/>
+      </p:nvGrpSpPr>
+      <p:grpSpPr>
+        <a:xfrm>
+          <a:off x="0" y="0"/>
+          <a:ext cx="0" cy="0"/>
+          <a:chOff x="0" y="0"/>
+          <a:chExt cx="0" cy="0"/>
+        </a:xfrm>
+      </p:grpSpPr>
+      <p:sp>
+        <p:nvSpPr>
+          <p:cNvPr id="4" name="Título 3">
+            <a:extLst>
+              <a:ext uri="{FF2B5EF4-FFF2-40B4-BE49-F238E27FC236}">
+                <a16:creationId xmlns:a16="http://schemas.microsoft.com/office/drawing/2014/main" id="{C860F7C4-0258-BBFB-C29E-7F951CC57BAF}"/>
+              </a:ext>
+            </a:extLst>
+          </p:cNvPr>
+          <p:cNvSpPr>
+            <a:spLocks noGrp="1"/>
+          </p:cNvSpPr>
+          <p:nvPr>
+            <p:ph type="ctrTitle"/>
+          </p:nvPr>
+        </p:nvSpPr>
+        <p:spPr/>
+        <p:txBody>
+          <a:bodyPr/>
+          <a:lstStyle/>
+          <a:p>
+            <a:r>
+              <a:rPr lang="pt-BR" dirty="0"/>
+              <a:t>1. Descrição do problema</a:t>
+            </a:r>
+          </a:p>
+        </p:txBody>
+      </p:sp>
+      <p:sp>
+        <p:nvSpPr>
+          <p:cNvPr id="5" name="Subtítulo 4">
+            <a:extLst>
+              <a:ext uri="{FF2B5EF4-FFF2-40B4-BE49-F238E27FC236}">
+                <a16:creationId xmlns:a16="http://schemas.microsoft.com/office/drawing/2014/main" id="{984E5084-D1C8-A96A-3F3C-0B898EED1456}"/>
+              </a:ext>
+            </a:extLst>
+          </p:cNvPr>
+          <p:cNvSpPr>
+            <a:spLocks noGrp="1"/>
+          </p:cNvSpPr>
+          <p:nvPr>
+            <p:ph type="subTitle" idx="1"/>
+          </p:nvPr>
+        </p:nvSpPr>
+        <p:spPr/>
+        <p:txBody>
+          <a:bodyPr/>
+          <a:lstStyle/>
+          <a:p>
+            <a:r>
+              <a:rPr lang="pt-BR" dirty="0"/>
+              <a:t>O que é a pesquisa do TCU?</a:t>
+            </a:r>
+          </a:p>
+        </p:txBody>
+      </p:sp>
+      <p:sp>
+        <p:nvSpPr>
+          <p:cNvPr id="7" name="Espaço Reservado para Número de Slide 6">
+            <a:extLst>
+              <a:ext uri="{FF2B5EF4-FFF2-40B4-BE49-F238E27FC236}">
+                <a16:creationId xmlns:a16="http://schemas.microsoft.com/office/drawing/2014/main" id="{B83A6DE2-00C1-DE46-F813-98A03EDD80A5}"/>
+              </a:ext>
+            </a:extLst>
+          </p:cNvPr>
+          <p:cNvSpPr>
+            <a:spLocks noGrp="1"/>
+          </p:cNvSpPr>
+          <p:nvPr>
+            <p:ph type="sldNum" sz="quarter" idx="4"/>
+          </p:nvPr>
+        </p:nvSpPr>
+        <p:spPr/>
+        <p:txBody>
+          <a:bodyPr/>
+          <a:lstStyle/>
+          <a:p>
+            <a:fld id="{F237BF63-6F93-4812-BF2B-F503033D63A9}" type="slidenum">
+              <a:rPr lang="pt-BR" smtClean="0"/>
+              <a:pPr/>
+              <a:t>5</a:t>
+            </a:fld>
+            <a:endParaRPr lang="pt-BR" dirty="0"/>
+          </a:p>
+        </p:txBody>
+      </p:sp>
+      <p:sp>
+        <p:nvSpPr>
+          <p:cNvPr id="3" name="Espaço Reservado para Conteúdo 2">
+            <a:extLst>
+              <a:ext uri="{FF2B5EF4-FFF2-40B4-BE49-F238E27FC236}">
+                <a16:creationId xmlns:a16="http://schemas.microsoft.com/office/drawing/2014/main" id="{BF83333A-E397-DF12-BD96-8BDF332E50B8}"/>
+              </a:ext>
+            </a:extLst>
+          </p:cNvPr>
+          <p:cNvSpPr>
+            <a:spLocks noGrp="1"/>
+          </p:cNvSpPr>
+          <p:nvPr>
+            <p:ph idx="10"/>
+          </p:nvPr>
+        </p:nvSpPr>
+        <p:spPr/>
+        <p:txBody>
+          <a:bodyPr/>
+          <a:lstStyle/>
+          <a:p>
+            <a:endParaRPr lang="pt-BR"/>
+          </a:p>
+        </p:txBody>
+      </p:sp>
+      <p:pic>
+        <p:nvPicPr>
+          <p:cNvPr id="6" name="Imagem 5">
+            <a:extLst>
+              <a:ext uri="{FF2B5EF4-FFF2-40B4-BE49-F238E27FC236}">
+                <a16:creationId xmlns:a16="http://schemas.microsoft.com/office/drawing/2014/main" id="{11DDBDE1-A685-4E35-2F0C-42C24029F6DE}"/>
+              </a:ext>
+            </a:extLst>
+          </p:cNvPr>
+          <p:cNvPicPr>
+            <a:picLocks noChangeAspect="1"/>
+          </p:cNvPicPr>
+          <p:nvPr/>
+        </p:nvPicPr>
+        <p:blipFill>
+          <a:blip r:embed="rId2"/>
+          <a:stretch>
+            <a:fillRect/>
+          </a:stretch>
+        </p:blipFill>
+        <p:spPr>
+          <a:xfrm>
+            <a:off x="72405" y="1620000"/>
+            <a:ext cx="11306991" cy="4825276"/>
+          </a:xfrm>
+          <a:prstGeom prst="rect">
+            <a:avLst/>
+          </a:prstGeom>
+        </p:spPr>
+      </p:pic>
+    </p:spTree>
+    <p:extLst>
+      <p:ext uri="{BB962C8B-B14F-4D97-AF65-F5344CB8AC3E}">
+        <p14:creationId xmlns:p14="http://schemas.microsoft.com/office/powerpoint/2010/main" val="1427873446"/>
+      </p:ext>
+    </p:extLst>
+  </p:cSld>
+  <p:clrMapOvr>
+    <a:masterClrMapping/>
+  </p:clrMapOvr>
+</p:sld>
+</file>
+
+<file path=ppt/slides/slide6.xml><?xml version="1.0" encoding="utf-8"?>
 <p:sld xmlns:a="http://schemas.openxmlformats.org/drawingml/2006/main" xmlns:r="http://schemas.openxmlformats.org/officeDocument/2006/relationships" xmlns:p="http://schemas.openxmlformats.org/presentationml/2006/main">
   <p:cSld>
     <p:spTree>
@@ -18904,7 +20843,7 @@
             <a:fld id="{F237BF63-6F93-4812-BF2B-F503033D63A9}" type="slidenum">
               <a:rPr lang="pt-BR" smtClean="0"/>
               <a:pPr/>
-              <a:t>3</a:t>
+              <a:t>6</a:t>
             </a:fld>
             <a:endParaRPr lang="pt-BR" dirty="0"/>
           </a:p>
@@ -18923,361 +20862,7 @@
 </p:sld>
 </file>
 
-<file path=ppt/slides/slide4.xml><?xml version="1.0" encoding="utf-8"?>
-<p:sld xmlns:a="http://schemas.openxmlformats.org/drawingml/2006/main" xmlns:r="http://schemas.openxmlformats.org/officeDocument/2006/relationships" xmlns:p="http://schemas.openxmlformats.org/presentationml/2006/main">
-  <p:cSld>
-    <p:spTree>
-      <p:nvGrpSpPr>
-        <p:cNvPr id="1" name="">
-          <a:extLst>
-            <a:ext uri="{FF2B5EF4-FFF2-40B4-BE49-F238E27FC236}">
-              <a16:creationId xmlns:a16="http://schemas.microsoft.com/office/drawing/2014/main" id="{838A04C0-A8DC-F257-4C18-5DF52A3939D2}"/>
-            </a:ext>
-          </a:extLst>
-        </p:cNvPr>
-        <p:cNvGrpSpPr/>
-        <p:nvPr/>
-      </p:nvGrpSpPr>
-      <p:grpSpPr>
-        <a:xfrm>
-          <a:off x="0" y="0"/>
-          <a:ext cx="0" cy="0"/>
-          <a:chOff x="0" y="0"/>
-          <a:chExt cx="0" cy="0"/>
-        </a:xfrm>
-      </p:grpSpPr>
-      <p:sp>
-        <p:nvSpPr>
-          <p:cNvPr id="4" name="Título 3">
-            <a:extLst>
-              <a:ext uri="{FF2B5EF4-FFF2-40B4-BE49-F238E27FC236}">
-                <a16:creationId xmlns:a16="http://schemas.microsoft.com/office/drawing/2014/main" id="{E1382EB7-AED8-14E8-F03A-82DDAD0A0FDF}"/>
-              </a:ext>
-            </a:extLst>
-          </p:cNvPr>
-          <p:cNvSpPr>
-            <a:spLocks noGrp="1"/>
-          </p:cNvSpPr>
-          <p:nvPr>
-            <p:ph type="ctrTitle"/>
-          </p:nvPr>
-        </p:nvSpPr>
-        <p:spPr/>
-        <p:txBody>
-          <a:bodyPr/>
-          <a:lstStyle/>
-          <a:p>
-            <a:r>
-              <a:rPr lang="pt-BR" dirty="0"/>
-              <a:t>1. Descrição do problema</a:t>
-            </a:r>
-          </a:p>
-        </p:txBody>
-      </p:sp>
-      <p:sp>
-        <p:nvSpPr>
-          <p:cNvPr id="5" name="Subtítulo 4">
-            <a:extLst>
-              <a:ext uri="{FF2B5EF4-FFF2-40B4-BE49-F238E27FC236}">
-                <a16:creationId xmlns:a16="http://schemas.microsoft.com/office/drawing/2014/main" id="{AB3A9946-7099-B7C0-415C-21185257BA92}"/>
-              </a:ext>
-            </a:extLst>
-          </p:cNvPr>
-          <p:cNvSpPr>
-            <a:spLocks noGrp="1"/>
-          </p:cNvSpPr>
-          <p:nvPr>
-            <p:ph type="subTitle" idx="1"/>
-          </p:nvPr>
-        </p:nvSpPr>
-        <p:spPr/>
-        <p:txBody>
-          <a:bodyPr/>
-          <a:lstStyle/>
-          <a:p>
-            <a:r>
-              <a:rPr lang="pt-BR" dirty="0"/>
-              <a:t>O que é a pesquisa do TCU?</a:t>
-            </a:r>
-          </a:p>
-        </p:txBody>
-      </p:sp>
-      <p:sp>
-        <p:nvSpPr>
-          <p:cNvPr id="7" name="Espaço Reservado para Número de Slide 6">
-            <a:extLst>
-              <a:ext uri="{FF2B5EF4-FFF2-40B4-BE49-F238E27FC236}">
-                <a16:creationId xmlns:a16="http://schemas.microsoft.com/office/drawing/2014/main" id="{A315E8E0-F2E1-F94B-8301-BCE247F07352}"/>
-              </a:ext>
-            </a:extLst>
-          </p:cNvPr>
-          <p:cNvSpPr>
-            <a:spLocks noGrp="1"/>
-          </p:cNvSpPr>
-          <p:nvPr>
-            <p:ph type="sldNum" sz="quarter" idx="4"/>
-          </p:nvPr>
-        </p:nvSpPr>
-        <p:spPr/>
-        <p:txBody>
-          <a:bodyPr/>
-          <a:lstStyle/>
-          <a:p>
-            <a:fld id="{F237BF63-6F93-4812-BF2B-F503033D63A9}" type="slidenum">
-              <a:rPr lang="pt-BR" smtClean="0"/>
-              <a:pPr/>
-              <a:t>4</a:t>
-            </a:fld>
-            <a:endParaRPr lang="pt-BR" dirty="0"/>
-          </a:p>
-        </p:txBody>
-      </p:sp>
-      <p:sp>
-        <p:nvSpPr>
-          <p:cNvPr id="3" name="Espaço Reservado para Conteúdo 2">
-            <a:extLst>
-              <a:ext uri="{FF2B5EF4-FFF2-40B4-BE49-F238E27FC236}">
-                <a16:creationId xmlns:a16="http://schemas.microsoft.com/office/drawing/2014/main" id="{3E68ED3B-5560-2746-BA4E-7CAB61E350DF}"/>
-              </a:ext>
-            </a:extLst>
-          </p:cNvPr>
-          <p:cNvSpPr>
-            <a:spLocks noGrp="1"/>
-          </p:cNvSpPr>
-          <p:nvPr>
-            <p:ph idx="10"/>
-          </p:nvPr>
-        </p:nvSpPr>
-        <p:spPr/>
-        <p:txBody>
-          <a:bodyPr/>
-          <a:lstStyle/>
-          <a:p>
-            <a:endParaRPr lang="pt-BR"/>
-          </a:p>
-        </p:txBody>
-      </p:sp>
-      <p:pic>
-        <p:nvPicPr>
-          <p:cNvPr id="9" name="Imagem 8">
-            <a:extLst>
-              <a:ext uri="{FF2B5EF4-FFF2-40B4-BE49-F238E27FC236}">
-                <a16:creationId xmlns:a16="http://schemas.microsoft.com/office/drawing/2014/main" id="{0480C3FF-7140-BC3C-1363-B9A7CC3BF4C1}"/>
-              </a:ext>
-            </a:extLst>
-          </p:cNvPr>
-          <p:cNvPicPr>
-            <a:picLocks noChangeAspect="1"/>
-          </p:cNvPicPr>
-          <p:nvPr/>
-        </p:nvPicPr>
-        <p:blipFill>
-          <a:blip r:embed="rId2"/>
-          <a:stretch>
-            <a:fillRect/>
-          </a:stretch>
-        </p:blipFill>
-        <p:spPr>
-          <a:xfrm>
-            <a:off x="1224533" y="1602196"/>
-            <a:ext cx="8965453" cy="4157804"/>
-          </a:xfrm>
-          <a:prstGeom prst="rect">
-            <a:avLst/>
-          </a:prstGeom>
-        </p:spPr>
-      </p:pic>
-    </p:spTree>
-    <p:extLst>
-      <p:ext uri="{BB962C8B-B14F-4D97-AF65-F5344CB8AC3E}">
-        <p14:creationId xmlns:p14="http://schemas.microsoft.com/office/powerpoint/2010/main" val="679391123"/>
-      </p:ext>
-    </p:extLst>
-  </p:cSld>
-  <p:clrMapOvr>
-    <a:masterClrMapping/>
-  </p:clrMapOvr>
-</p:sld>
-</file>
-
-<file path=ppt/slides/slide5.xml><?xml version="1.0" encoding="utf-8"?>
-<p:sld xmlns:a="http://schemas.openxmlformats.org/drawingml/2006/main" xmlns:r="http://schemas.openxmlformats.org/officeDocument/2006/relationships" xmlns:p="http://schemas.openxmlformats.org/presentationml/2006/main">
-  <p:cSld>
-    <p:spTree>
-      <p:nvGrpSpPr>
-        <p:cNvPr id="1" name="">
-          <a:extLst>
-            <a:ext uri="{FF2B5EF4-FFF2-40B4-BE49-F238E27FC236}">
-              <a16:creationId xmlns:a16="http://schemas.microsoft.com/office/drawing/2014/main" id="{17DDB25D-A775-1AA7-2DC3-3E54EBF416A2}"/>
-            </a:ext>
-          </a:extLst>
-        </p:cNvPr>
-        <p:cNvGrpSpPr/>
-        <p:nvPr/>
-      </p:nvGrpSpPr>
-      <p:grpSpPr>
-        <a:xfrm>
-          <a:off x="0" y="0"/>
-          <a:ext cx="0" cy="0"/>
-          <a:chOff x="0" y="0"/>
-          <a:chExt cx="0" cy="0"/>
-        </a:xfrm>
-      </p:grpSpPr>
-      <p:sp>
-        <p:nvSpPr>
-          <p:cNvPr id="4" name="Título 3">
-            <a:extLst>
-              <a:ext uri="{FF2B5EF4-FFF2-40B4-BE49-F238E27FC236}">
-                <a16:creationId xmlns:a16="http://schemas.microsoft.com/office/drawing/2014/main" id="{B1DD5EE7-1B09-4BB8-9571-9E68874E7FE9}"/>
-              </a:ext>
-            </a:extLst>
-          </p:cNvPr>
-          <p:cNvSpPr>
-            <a:spLocks noGrp="1"/>
-          </p:cNvSpPr>
-          <p:nvPr>
-            <p:ph type="ctrTitle"/>
-          </p:nvPr>
-        </p:nvSpPr>
-        <p:spPr/>
-        <p:txBody>
-          <a:bodyPr/>
-          <a:lstStyle/>
-          <a:p>
-            <a:r>
-              <a:rPr lang="pt-BR" dirty="0"/>
-              <a:t>1. Descrição do problema</a:t>
-            </a:r>
-          </a:p>
-        </p:txBody>
-      </p:sp>
-      <p:sp>
-        <p:nvSpPr>
-          <p:cNvPr id="5" name="Subtítulo 4">
-            <a:extLst>
-              <a:ext uri="{FF2B5EF4-FFF2-40B4-BE49-F238E27FC236}">
-                <a16:creationId xmlns:a16="http://schemas.microsoft.com/office/drawing/2014/main" id="{AA811345-37FE-8C38-CDE1-46A72873947C}"/>
-              </a:ext>
-            </a:extLst>
-          </p:cNvPr>
-          <p:cNvSpPr>
-            <a:spLocks noGrp="1"/>
-          </p:cNvSpPr>
-          <p:nvPr>
-            <p:ph type="subTitle" idx="1"/>
-          </p:nvPr>
-        </p:nvSpPr>
-        <p:spPr/>
-        <p:txBody>
-          <a:bodyPr/>
-          <a:lstStyle/>
-          <a:p>
-            <a:r>
-              <a:rPr lang="pt-BR" dirty="0"/>
-              <a:t>O que é a pesquisa do TCU?</a:t>
-            </a:r>
-          </a:p>
-        </p:txBody>
-      </p:sp>
-      <p:sp>
-        <p:nvSpPr>
-          <p:cNvPr id="7" name="Espaço Reservado para Número de Slide 6">
-            <a:extLst>
-              <a:ext uri="{FF2B5EF4-FFF2-40B4-BE49-F238E27FC236}">
-                <a16:creationId xmlns:a16="http://schemas.microsoft.com/office/drawing/2014/main" id="{B1E87AAE-5E04-6534-5EEE-FC221381DF13}"/>
-              </a:ext>
-            </a:extLst>
-          </p:cNvPr>
-          <p:cNvSpPr>
-            <a:spLocks noGrp="1"/>
-          </p:cNvSpPr>
-          <p:nvPr>
-            <p:ph type="sldNum" sz="quarter" idx="4"/>
-          </p:nvPr>
-        </p:nvSpPr>
-        <p:spPr/>
-        <p:txBody>
-          <a:bodyPr/>
-          <a:lstStyle/>
-          <a:p>
-            <a:fld id="{F237BF63-6F93-4812-BF2B-F503033D63A9}" type="slidenum">
-              <a:rPr lang="pt-BR" smtClean="0"/>
-              <a:pPr/>
-              <a:t>5</a:t>
-            </a:fld>
-            <a:endParaRPr lang="pt-BR" dirty="0"/>
-          </a:p>
-        </p:txBody>
-      </p:sp>
-      <p:sp>
-        <p:nvSpPr>
-          <p:cNvPr id="3" name="Espaço Reservado para Conteúdo 2">
-            <a:extLst>
-              <a:ext uri="{FF2B5EF4-FFF2-40B4-BE49-F238E27FC236}">
-                <a16:creationId xmlns:a16="http://schemas.microsoft.com/office/drawing/2014/main" id="{FEE9DDF1-D5AB-047E-E04F-3047D3554464}"/>
-              </a:ext>
-            </a:extLst>
-          </p:cNvPr>
-          <p:cNvSpPr>
-            <a:spLocks noGrp="1"/>
-          </p:cNvSpPr>
-          <p:nvPr>
-            <p:ph idx="10"/>
-          </p:nvPr>
-        </p:nvSpPr>
-        <p:spPr/>
-        <p:txBody>
-          <a:bodyPr/>
-          <a:lstStyle/>
-          <a:p>
-            <a:endParaRPr lang="pt-BR"/>
-          </a:p>
-        </p:txBody>
-      </p:sp>
-      <p:pic>
-        <p:nvPicPr>
-          <p:cNvPr id="6" name="Imagem 5">
-            <a:extLst>
-              <a:ext uri="{FF2B5EF4-FFF2-40B4-BE49-F238E27FC236}">
-                <a16:creationId xmlns:a16="http://schemas.microsoft.com/office/drawing/2014/main" id="{5D30A9F1-FD25-B411-F8AF-1F0EB617EE7E}"/>
-              </a:ext>
-            </a:extLst>
-          </p:cNvPr>
-          <p:cNvPicPr>
-            <a:picLocks noChangeAspect="1"/>
-          </p:cNvPicPr>
-          <p:nvPr/>
-        </p:nvPicPr>
-        <p:blipFill>
-          <a:blip r:embed="rId2"/>
-          <a:stretch>
-            <a:fillRect/>
-          </a:stretch>
-        </p:blipFill>
-        <p:spPr>
-          <a:xfrm>
-            <a:off x="1224533" y="1620000"/>
-            <a:ext cx="9001000" cy="4145947"/>
-          </a:xfrm>
-          <a:prstGeom prst="rect">
-            <a:avLst/>
-          </a:prstGeom>
-        </p:spPr>
-      </p:pic>
-    </p:spTree>
-    <p:extLst>
-      <p:ext uri="{BB962C8B-B14F-4D97-AF65-F5344CB8AC3E}">
-        <p14:creationId xmlns:p14="http://schemas.microsoft.com/office/powerpoint/2010/main" val="3795257765"/>
-      </p:ext>
-    </p:extLst>
-  </p:cSld>
-  <p:clrMapOvr>
-    <a:masterClrMapping/>
-  </p:clrMapOvr>
-</p:sld>
-</file>
-
-<file path=ppt/slides/slide6.xml><?xml version="1.0" encoding="utf-8"?>
+<file path=ppt/slides/slide7.xml><?xml version="1.0" encoding="utf-8"?>
 <p:sld xmlns:a="http://schemas.openxmlformats.org/drawingml/2006/main" xmlns:r="http://schemas.openxmlformats.org/officeDocument/2006/relationships" xmlns:p="http://schemas.openxmlformats.org/presentationml/2006/main">
   <p:cSld>
     <p:spTree>
@@ -19351,7 +20936,7 @@
           <a:p>
             <a:r>
               <a:rPr lang="pt-BR" dirty="0"/>
-              <a:t>Funcionamento da pesquisa do Tribunal</a:t>
+              <a:t>Funcionamento da pesquisa do Tribunal – Indexação</a:t>
             </a:r>
           </a:p>
         </p:txBody>
@@ -19380,7 +20965,7 @@
             <a:fld id="{F237BF63-6F93-4812-BF2B-F503033D63A9}" type="slidenum">
               <a:rPr lang="pt-BR" smtClean="0"/>
               <a:pPr/>
-              <a:t>6</a:t>
+              <a:t>7</a:t>
             </a:fld>
             <a:endParaRPr lang="pt-BR" dirty="0"/>
           </a:p>
@@ -19408,10 +20993,7 @@
           <a:lstStyle/>
           <a:p>
             <a:pPr algn="ctr"/>
-            <a:r>
-              <a:rPr lang="pt-BR" dirty="0"/>
-              <a:t>Processo de indexação</a:t>
-            </a:r>
+            <a:endParaRPr lang="pt-BR" dirty="0"/>
           </a:p>
           <a:p>
             <a:endParaRPr lang="pt-BR" dirty="0"/>
@@ -19467,7 +21049,355 @@
 </p:sld>
 </file>
 
-<file path=ppt/slides/slide7.xml><?xml version="1.0" encoding="utf-8"?>
+<file path=ppt/slides/slide8.xml><?xml version="1.0" encoding="utf-8"?>
+<p:sld xmlns:a="http://schemas.openxmlformats.org/drawingml/2006/main" xmlns:r="http://schemas.openxmlformats.org/officeDocument/2006/relationships" xmlns:p="http://schemas.openxmlformats.org/presentationml/2006/main">
+  <p:cSld>
+    <p:spTree>
+      <p:nvGrpSpPr>
+        <p:cNvPr id="1" name="">
+          <a:extLst>
+            <a:ext uri="{FF2B5EF4-FFF2-40B4-BE49-F238E27FC236}">
+              <a16:creationId xmlns:a16="http://schemas.microsoft.com/office/drawing/2014/main" id="{A181DB04-BD0E-B185-E674-287E7D9EC2DE}"/>
+            </a:ext>
+          </a:extLst>
+        </p:cNvPr>
+        <p:cNvGrpSpPr/>
+        <p:nvPr/>
+      </p:nvGrpSpPr>
+      <p:grpSpPr>
+        <a:xfrm>
+          <a:off x="0" y="0"/>
+          <a:ext cx="0" cy="0"/>
+          <a:chOff x="0" y="0"/>
+          <a:chExt cx="0" cy="0"/>
+        </a:xfrm>
+      </p:grpSpPr>
+      <p:sp>
+        <p:nvSpPr>
+          <p:cNvPr id="4" name="Título 3">
+            <a:extLst>
+              <a:ext uri="{FF2B5EF4-FFF2-40B4-BE49-F238E27FC236}">
+                <a16:creationId xmlns:a16="http://schemas.microsoft.com/office/drawing/2014/main" id="{EEAF9F0C-5B8E-0D60-4805-02C531E985FF}"/>
+              </a:ext>
+            </a:extLst>
+          </p:cNvPr>
+          <p:cNvSpPr>
+            <a:spLocks noGrp="1"/>
+          </p:cNvSpPr>
+          <p:nvPr>
+            <p:ph type="ctrTitle"/>
+          </p:nvPr>
+        </p:nvSpPr>
+        <p:spPr/>
+        <p:txBody>
+          <a:bodyPr/>
+          <a:lstStyle/>
+          <a:p>
+            <a:r>
+              <a:rPr lang="pt-BR" dirty="0"/>
+              <a:t>1. Descrição do problema</a:t>
+            </a:r>
+          </a:p>
+        </p:txBody>
+      </p:sp>
+      <p:sp>
+        <p:nvSpPr>
+          <p:cNvPr id="5" name="Subtítulo 4">
+            <a:extLst>
+              <a:ext uri="{FF2B5EF4-FFF2-40B4-BE49-F238E27FC236}">
+                <a16:creationId xmlns:a16="http://schemas.microsoft.com/office/drawing/2014/main" id="{7CC39C4C-FACC-9C79-B019-341431C67EF5}"/>
+              </a:ext>
+            </a:extLst>
+          </p:cNvPr>
+          <p:cNvSpPr>
+            <a:spLocks noGrp="1"/>
+          </p:cNvSpPr>
+          <p:nvPr>
+            <p:ph type="subTitle" idx="1"/>
+          </p:nvPr>
+        </p:nvSpPr>
+        <p:spPr/>
+        <p:txBody>
+          <a:bodyPr/>
+          <a:lstStyle/>
+          <a:p>
+            <a:r>
+              <a:rPr lang="pt-BR" dirty="0"/>
+              <a:t>Funcionamento da pesquisa do Tribunal – Indexação</a:t>
+            </a:r>
+          </a:p>
+        </p:txBody>
+      </p:sp>
+      <p:sp>
+        <p:nvSpPr>
+          <p:cNvPr id="7" name="Espaço Reservado para Número de Slide 6">
+            <a:extLst>
+              <a:ext uri="{FF2B5EF4-FFF2-40B4-BE49-F238E27FC236}">
+                <a16:creationId xmlns:a16="http://schemas.microsoft.com/office/drawing/2014/main" id="{4BE900E2-F76F-D3C3-24D2-9D8886847206}"/>
+              </a:ext>
+            </a:extLst>
+          </p:cNvPr>
+          <p:cNvSpPr>
+            <a:spLocks noGrp="1"/>
+          </p:cNvSpPr>
+          <p:nvPr>
+            <p:ph type="sldNum" sz="quarter" idx="4"/>
+          </p:nvPr>
+        </p:nvSpPr>
+        <p:spPr/>
+        <p:txBody>
+          <a:bodyPr/>
+          <a:lstStyle/>
+          <a:p>
+            <a:fld id="{F237BF63-6F93-4812-BF2B-F503033D63A9}" type="slidenum">
+              <a:rPr lang="pt-BR" smtClean="0"/>
+              <a:pPr/>
+              <a:t>8</a:t>
+            </a:fld>
+            <a:endParaRPr lang="pt-BR" dirty="0"/>
+          </a:p>
+        </p:txBody>
+      </p:sp>
+      <p:sp>
+        <p:nvSpPr>
+          <p:cNvPr id="3" name="Espaço Reservado para Conteúdo 2">
+            <a:extLst>
+              <a:ext uri="{FF2B5EF4-FFF2-40B4-BE49-F238E27FC236}">
+                <a16:creationId xmlns:a16="http://schemas.microsoft.com/office/drawing/2014/main" id="{8FC44997-A8C1-6F48-60AB-5B2DAB580816}"/>
+              </a:ext>
+            </a:extLst>
+          </p:cNvPr>
+          <p:cNvSpPr>
+            <a:spLocks noGrp="1"/>
+          </p:cNvSpPr>
+          <p:nvPr>
+            <p:ph idx="10"/>
+          </p:nvPr>
+        </p:nvSpPr>
+        <p:spPr/>
+        <p:txBody>
+          <a:bodyPr>
+            <a:normAutofit/>
+          </a:bodyPr>
+          <a:lstStyle/>
+          <a:p>
+            <a:r>
+              <a:rPr lang="pt-BR" sz="2400" dirty="0"/>
+              <a:t>A utilização da empreitada por preço global para objetos com imprecisão intrínseca de quantitativos deve ser justificada no processo, em termos técnicos, econômicos ou outros devidamente motivados.</a:t>
+            </a:r>
+          </a:p>
+          <a:p>
+            <a:endParaRPr lang="pt-BR" sz="2400" dirty="0"/>
+          </a:p>
+          <a:p>
+            <a:endParaRPr lang="pt-BR" sz="2400" dirty="0"/>
+          </a:p>
+          <a:p>
+            <a:endParaRPr lang="pt-BR" sz="2400" dirty="0"/>
+          </a:p>
+          <a:p>
+            <a:endParaRPr lang="pt-BR" sz="2400" dirty="0"/>
+          </a:p>
+          <a:p>
+            <a:endParaRPr lang="pt-BR" sz="2400" dirty="0"/>
+          </a:p>
+          <a:p>
+            <a:r>
+              <a:rPr lang="pt-BR" sz="2400" dirty="0" err="1"/>
+              <a:t>utiliz</a:t>
+            </a:r>
+            <a:r>
+              <a:rPr lang="pt-BR" sz="2400" dirty="0"/>
+              <a:t> </a:t>
+            </a:r>
+            <a:r>
+              <a:rPr lang="pt-BR" sz="2400" dirty="0" err="1"/>
+              <a:t>empreit</a:t>
+            </a:r>
+            <a:r>
+              <a:rPr lang="pt-BR" sz="2400" dirty="0"/>
+              <a:t> </a:t>
+            </a:r>
+            <a:r>
+              <a:rPr lang="pt-BR" sz="2400" dirty="0" err="1"/>
+              <a:t>preç</a:t>
+            </a:r>
+            <a:r>
+              <a:rPr lang="pt-BR" sz="2400" dirty="0"/>
+              <a:t> </a:t>
+            </a:r>
+            <a:r>
+              <a:rPr lang="pt-BR" sz="2400" dirty="0" err="1"/>
+              <a:t>glob</a:t>
+            </a:r>
+            <a:r>
+              <a:rPr lang="pt-BR" sz="2400" dirty="0"/>
+              <a:t> </a:t>
+            </a:r>
+            <a:r>
+              <a:rPr lang="pt-BR" sz="2400" dirty="0" err="1"/>
+              <a:t>objet</a:t>
+            </a:r>
+            <a:r>
+              <a:rPr lang="pt-BR" sz="2400" dirty="0"/>
+              <a:t> </a:t>
+            </a:r>
+            <a:r>
+              <a:rPr lang="pt-BR" sz="2400" dirty="0" err="1"/>
+              <a:t>imprecis</a:t>
+            </a:r>
+            <a:r>
+              <a:rPr lang="pt-BR" sz="2400" dirty="0"/>
+              <a:t> </a:t>
+            </a:r>
+            <a:r>
+              <a:rPr lang="pt-BR" sz="2400" dirty="0" err="1"/>
+              <a:t>intrínsec</a:t>
+            </a:r>
+            <a:r>
+              <a:rPr lang="pt-BR" sz="2400" dirty="0"/>
+              <a:t> </a:t>
+            </a:r>
+            <a:r>
+              <a:rPr lang="pt-BR" sz="2400" dirty="0" err="1"/>
+              <a:t>quantit</a:t>
+            </a:r>
+            <a:r>
+              <a:rPr lang="pt-BR" sz="2400" dirty="0"/>
+              <a:t> </a:t>
+            </a:r>
+            <a:r>
+              <a:rPr lang="pt-BR" sz="2400" dirty="0" err="1"/>
+              <a:t>dev</a:t>
+            </a:r>
+            <a:r>
+              <a:rPr lang="pt-BR" sz="2400" dirty="0"/>
+              <a:t> </a:t>
+            </a:r>
+            <a:r>
+              <a:rPr lang="pt-BR" sz="2400" dirty="0" err="1"/>
+              <a:t>justific</a:t>
+            </a:r>
+            <a:r>
+              <a:rPr lang="pt-BR" sz="2400" dirty="0"/>
+              <a:t> </a:t>
+            </a:r>
+            <a:r>
+              <a:rPr lang="pt-BR" sz="2400" dirty="0" err="1"/>
+              <a:t>process</a:t>
+            </a:r>
+            <a:r>
+              <a:rPr lang="pt-BR" sz="2400" dirty="0"/>
+              <a:t> </a:t>
+            </a:r>
+            <a:r>
+              <a:rPr lang="pt-BR" sz="2400" dirty="0" err="1"/>
+              <a:t>term</a:t>
+            </a:r>
+            <a:r>
+              <a:rPr lang="pt-BR" sz="2400" dirty="0"/>
+              <a:t> </a:t>
+            </a:r>
+            <a:r>
+              <a:rPr lang="pt-BR" sz="2400" dirty="0" err="1"/>
+              <a:t>técn</a:t>
+            </a:r>
+            <a:r>
+              <a:rPr lang="pt-BR" sz="2400" dirty="0"/>
+              <a:t> </a:t>
+            </a:r>
+            <a:r>
+              <a:rPr lang="pt-BR" sz="2400" dirty="0" err="1"/>
+              <a:t>econôm</a:t>
+            </a:r>
+            <a:r>
+              <a:rPr lang="pt-BR" sz="2400" dirty="0"/>
+              <a:t> </a:t>
+            </a:r>
+            <a:r>
+              <a:rPr lang="pt-BR" sz="2400" dirty="0" err="1"/>
+              <a:t>outr</a:t>
+            </a:r>
+            <a:r>
+              <a:rPr lang="pt-BR" sz="2400" dirty="0"/>
+              <a:t> </a:t>
+            </a:r>
+            <a:r>
+              <a:rPr lang="pt-BR" sz="2400" dirty="0" err="1"/>
+              <a:t>devid</a:t>
+            </a:r>
+            <a:r>
+              <a:rPr lang="pt-BR" sz="2400" dirty="0"/>
+              <a:t> </a:t>
+            </a:r>
+            <a:r>
+              <a:rPr lang="pt-BR" sz="2400" dirty="0" err="1"/>
+              <a:t>motiv</a:t>
+            </a:r>
+            <a:endParaRPr lang="pt-BR" sz="2400" dirty="0"/>
+          </a:p>
+        </p:txBody>
+      </p:sp>
+      <p:sp>
+        <p:nvSpPr>
+          <p:cNvPr id="2" name="Seta: para Baixo 1">
+            <a:extLst>
+              <a:ext uri="{FF2B5EF4-FFF2-40B4-BE49-F238E27FC236}">
+                <a16:creationId xmlns:a16="http://schemas.microsoft.com/office/drawing/2014/main" id="{85746D5C-3B09-C33C-6977-90C65AD87D48}"/>
+              </a:ext>
+            </a:extLst>
+          </p:cNvPr>
+          <p:cNvSpPr/>
+          <p:nvPr/>
+        </p:nvSpPr>
+        <p:spPr>
+          <a:xfrm>
+            <a:off x="5112965" y="2736031"/>
+            <a:ext cx="1296144" cy="1296144"/>
+          </a:xfrm>
+          <a:prstGeom prst="downArrow">
+            <a:avLst/>
+          </a:prstGeom>
+        </p:spPr>
+        <p:style>
+          <a:lnRef idx="2">
+            <a:schemeClr val="accent1">
+              <a:shade val="15000"/>
+            </a:schemeClr>
+          </a:lnRef>
+          <a:fillRef idx="1">
+            <a:schemeClr val="accent1"/>
+          </a:fillRef>
+          <a:effectRef idx="0">
+            <a:schemeClr val="accent1"/>
+          </a:effectRef>
+          <a:fontRef idx="minor">
+            <a:schemeClr val="lt1"/>
+          </a:fontRef>
+        </p:style>
+        <p:txBody>
+          <a:bodyPr rtlCol="0" anchor="ctr"/>
+          <a:lstStyle/>
+          <a:p>
+            <a:pPr algn="ctr"/>
+            <a:endParaRPr lang="pt-BR" dirty="0"/>
+          </a:p>
+        </p:txBody>
+      </p:sp>
+    </p:spTree>
+    <p:extLst>
+      <p:ext uri="{BB962C8B-B14F-4D97-AF65-F5344CB8AC3E}">
+        <p14:creationId xmlns:p14="http://schemas.microsoft.com/office/powerpoint/2010/main" val="231831728"/>
+      </p:ext>
+    </p:extLst>
+  </p:cSld>
+  <p:clrMapOvr>
+    <a:masterClrMapping/>
+  </p:clrMapOvr>
+</p:sld>
+</file>
+
+<file path=ppt/slides/slide9.xml><?xml version="1.0" encoding="utf-8"?>
 <p:sld xmlns:a="http://schemas.openxmlformats.org/drawingml/2006/main" xmlns:r="http://schemas.openxmlformats.org/officeDocument/2006/relationships" xmlns:p="http://schemas.openxmlformats.org/presentationml/2006/main">
   <p:cSld>
     <p:spTree>
@@ -19541,7 +21471,7 @@
           <a:p>
             <a:r>
               <a:rPr lang="pt-BR" dirty="0"/>
-              <a:t>Funcionamento da pesquisa do Tribunal</a:t>
+              <a:t>Funcionamento da pesquisa do Tribunal – Consulta</a:t>
             </a:r>
           </a:p>
         </p:txBody>
@@ -19570,7 +21500,7 @@
             <a:fld id="{F237BF63-6F93-4812-BF2B-F503033D63A9}" type="slidenum">
               <a:rPr lang="pt-BR" smtClean="0"/>
               <a:pPr/>
-              <a:t>7</a:t>
+              <a:t>9</a:t>
             </a:fld>
             <a:endParaRPr lang="pt-BR" dirty="0"/>
           </a:p>
@@ -19596,13 +21526,6 @@
         <p:txBody>
           <a:bodyPr/>
           <a:lstStyle/>
-          <a:p>
-            <a:pPr algn="ctr"/>
-            <a:r>
-              <a:rPr lang="pt-BR" dirty="0"/>
-              <a:t>Processo de consulta</a:t>
-            </a:r>
-          </a:p>
           <a:p>
             <a:endParaRPr lang="pt-BR" dirty="0"/>
           </a:p>
@@ -19648,609 +21571,6 @@
     <p:extLst>
       <p:ext uri="{BB962C8B-B14F-4D97-AF65-F5344CB8AC3E}">
         <p14:creationId xmlns:p14="http://schemas.microsoft.com/office/powerpoint/2010/main" val="504825037"/>
-      </p:ext>
-    </p:extLst>
-  </p:cSld>
-  <p:clrMapOvr>
-    <a:masterClrMapping/>
-  </p:clrMapOvr>
-</p:sld>
-</file>
-
-<file path=ppt/slides/slide8.xml><?xml version="1.0" encoding="utf-8"?>
-<p:sld xmlns:a="http://schemas.openxmlformats.org/drawingml/2006/main" xmlns:r="http://schemas.openxmlformats.org/officeDocument/2006/relationships" xmlns:p="http://schemas.openxmlformats.org/presentationml/2006/main">
-  <p:cSld>
-    <p:spTree>
-      <p:nvGrpSpPr>
-        <p:cNvPr id="1" name=""/>
-        <p:cNvGrpSpPr/>
-        <p:nvPr/>
-      </p:nvGrpSpPr>
-      <p:grpSpPr>
-        <a:xfrm>
-          <a:off x="0" y="0"/>
-          <a:ext cx="0" cy="0"/>
-          <a:chOff x="0" y="0"/>
-          <a:chExt cx="0" cy="0"/>
-        </a:xfrm>
-      </p:grpSpPr>
-      <p:sp>
-        <p:nvSpPr>
-          <p:cNvPr id="2" name="Título 1">
-            <a:extLst>
-              <a:ext uri="{FF2B5EF4-FFF2-40B4-BE49-F238E27FC236}">
-                <a16:creationId xmlns:a16="http://schemas.microsoft.com/office/drawing/2014/main" id="{D58F19AD-E102-E162-CF60-5BFA23590519}"/>
-              </a:ext>
-            </a:extLst>
-          </p:cNvPr>
-          <p:cNvSpPr>
-            <a:spLocks noGrp="1"/>
-          </p:cNvSpPr>
-          <p:nvPr>
-            <p:ph type="ctrTitle"/>
-          </p:nvPr>
-        </p:nvSpPr>
-        <p:spPr/>
-        <p:txBody>
-          <a:bodyPr/>
-          <a:lstStyle/>
-          <a:p>
-            <a:r>
-              <a:rPr lang="pt-BR" dirty="0"/>
-              <a:t>1. Descrição do problema</a:t>
-            </a:r>
-          </a:p>
-        </p:txBody>
-      </p:sp>
-      <p:sp>
-        <p:nvSpPr>
-          <p:cNvPr id="3" name="Subtítulo 2">
-            <a:extLst>
-              <a:ext uri="{FF2B5EF4-FFF2-40B4-BE49-F238E27FC236}">
-                <a16:creationId xmlns:a16="http://schemas.microsoft.com/office/drawing/2014/main" id="{48315E0B-4C87-D536-1408-5E3DF60C0723}"/>
-              </a:ext>
-            </a:extLst>
-          </p:cNvPr>
-          <p:cNvSpPr>
-            <a:spLocks noGrp="1"/>
-          </p:cNvSpPr>
-          <p:nvPr>
-            <p:ph type="subTitle" idx="1"/>
-          </p:nvPr>
-        </p:nvSpPr>
-        <p:spPr/>
-        <p:txBody>
-          <a:bodyPr/>
-          <a:lstStyle/>
-          <a:p>
-            <a:r>
-              <a:rPr lang="pt-BR" dirty="0"/>
-              <a:t>Descasamento de vocabulário</a:t>
-            </a:r>
-          </a:p>
-          <a:p>
-            <a:endParaRPr lang="pt-BR" dirty="0"/>
-          </a:p>
-        </p:txBody>
-      </p:sp>
-      <p:sp>
-        <p:nvSpPr>
-          <p:cNvPr id="4" name="Espaço Reservado para Conteúdo 3">
-            <a:extLst>
-              <a:ext uri="{FF2B5EF4-FFF2-40B4-BE49-F238E27FC236}">
-                <a16:creationId xmlns:a16="http://schemas.microsoft.com/office/drawing/2014/main" id="{0D214713-17B8-3DF0-ED5F-01C27503771D}"/>
-              </a:ext>
-            </a:extLst>
-          </p:cNvPr>
-          <p:cNvSpPr>
-            <a:spLocks noGrp="1"/>
-          </p:cNvSpPr>
-          <p:nvPr>
-            <p:ph idx="10"/>
-          </p:nvPr>
-        </p:nvSpPr>
-        <p:spPr/>
-        <p:txBody>
-          <a:bodyPr/>
-          <a:lstStyle/>
-          <a:p>
-            <a:r>
-              <a:rPr lang="pt-BR" dirty="0"/>
-              <a:t>A pesquisa não é semântica, ela é </a:t>
-            </a:r>
-            <a:r>
-              <a:rPr lang="pt-BR" b="1" dirty="0"/>
-              <a:t>léxica. </a:t>
-            </a:r>
-            <a:r>
-              <a:rPr lang="pt-BR" dirty="0"/>
-              <a:t>O que é pesquisado é o texto, e não o significado.</a:t>
-            </a:r>
-          </a:p>
-        </p:txBody>
-      </p:sp>
-      <p:pic>
-        <p:nvPicPr>
-          <p:cNvPr id="13" name="Imagem 12">
-            <a:extLst>
-              <a:ext uri="{FF2B5EF4-FFF2-40B4-BE49-F238E27FC236}">
-                <a16:creationId xmlns:a16="http://schemas.microsoft.com/office/drawing/2014/main" id="{7089ED21-848B-7C0B-A129-DE1712AEE197}"/>
-              </a:ext>
-            </a:extLst>
-          </p:cNvPr>
-          <p:cNvPicPr>
-            <a:picLocks noChangeAspect="1"/>
-          </p:cNvPicPr>
-          <p:nvPr/>
-        </p:nvPicPr>
-        <p:blipFill>
-          <a:blip r:embed="rId3"/>
-          <a:stretch>
-            <a:fillRect/>
-          </a:stretch>
-        </p:blipFill>
-        <p:spPr>
-          <a:xfrm>
-            <a:off x="3504911" y="1956471"/>
-            <a:ext cx="8017164" cy="2567232"/>
-          </a:xfrm>
-          <a:prstGeom prst="rect">
-            <a:avLst/>
-          </a:prstGeom>
-        </p:spPr>
-      </p:pic>
-      <p:pic>
-        <p:nvPicPr>
-          <p:cNvPr id="14" name="Imagem 13">
-            <a:extLst>
-              <a:ext uri="{FF2B5EF4-FFF2-40B4-BE49-F238E27FC236}">
-                <a16:creationId xmlns:a16="http://schemas.microsoft.com/office/drawing/2014/main" id="{651C4C6F-B654-8DAE-92F9-B92BC84B0E35}"/>
-              </a:ext>
-            </a:extLst>
-          </p:cNvPr>
-          <p:cNvPicPr>
-            <a:picLocks noChangeAspect="1"/>
-          </p:cNvPicPr>
-          <p:nvPr/>
-        </p:nvPicPr>
-        <p:blipFill>
-          <a:blip r:embed="rId4"/>
-          <a:stretch>
-            <a:fillRect/>
-          </a:stretch>
-        </p:blipFill>
-        <p:spPr>
-          <a:xfrm>
-            <a:off x="3569566" y="4493771"/>
-            <a:ext cx="7952509" cy="1770371"/>
-          </a:xfrm>
-          <a:prstGeom prst="rect">
-            <a:avLst/>
-          </a:prstGeom>
-        </p:spPr>
-      </p:pic>
-      <p:sp>
-        <p:nvSpPr>
-          <p:cNvPr id="15" name="CaixaDeTexto 14">
-            <a:extLst>
-              <a:ext uri="{FF2B5EF4-FFF2-40B4-BE49-F238E27FC236}">
-                <a16:creationId xmlns:a16="http://schemas.microsoft.com/office/drawing/2014/main" id="{FCF97BBD-A0C8-F834-599B-DF54F521835A}"/>
-              </a:ext>
-            </a:extLst>
-          </p:cNvPr>
-          <p:cNvSpPr txBox="1"/>
-          <p:nvPr/>
-        </p:nvSpPr>
-        <p:spPr>
-          <a:xfrm>
-            <a:off x="296659" y="3004895"/>
-            <a:ext cx="1503938" cy="369332"/>
-          </a:xfrm>
-          <a:prstGeom prst="rect">
-            <a:avLst/>
-          </a:prstGeom>
-          <a:noFill/>
-        </p:spPr>
-        <p:txBody>
-          <a:bodyPr wrap="none" rtlCol="0">
-            <a:spAutoFit/>
-          </a:bodyPr>
-          <a:lstStyle/>
-          <a:p>
-            <a:r>
-              <a:rPr lang="pt-BR" dirty="0"/>
-              <a:t>Sancionados</a:t>
-            </a:r>
-          </a:p>
-        </p:txBody>
-      </p:sp>
-      <p:sp>
-        <p:nvSpPr>
-          <p:cNvPr id="16" name="CaixaDeTexto 15">
-            <a:extLst>
-              <a:ext uri="{FF2B5EF4-FFF2-40B4-BE49-F238E27FC236}">
-                <a16:creationId xmlns:a16="http://schemas.microsoft.com/office/drawing/2014/main" id="{D145F3D8-3369-E917-F980-51E486BDCEAE}"/>
-              </a:ext>
-            </a:extLst>
-          </p:cNvPr>
-          <p:cNvSpPr txBox="1"/>
-          <p:nvPr/>
-        </p:nvSpPr>
-        <p:spPr>
-          <a:xfrm>
-            <a:off x="479402" y="5009624"/>
-            <a:ext cx="1138453" cy="369332"/>
-          </a:xfrm>
-          <a:prstGeom prst="rect">
-            <a:avLst/>
-          </a:prstGeom>
-          <a:noFill/>
-        </p:spPr>
-        <p:txBody>
-          <a:bodyPr wrap="none" rtlCol="0">
-            <a:spAutoFit/>
-          </a:bodyPr>
-          <a:lstStyle/>
-          <a:p>
-            <a:r>
-              <a:rPr lang="pt-BR" dirty="0"/>
-              <a:t>Multados</a:t>
-            </a:r>
-          </a:p>
-        </p:txBody>
-      </p:sp>
-      <p:sp>
-        <p:nvSpPr>
-          <p:cNvPr id="17" name="Seta: para a Direita 16">
-            <a:extLst>
-              <a:ext uri="{FF2B5EF4-FFF2-40B4-BE49-F238E27FC236}">
-                <a16:creationId xmlns:a16="http://schemas.microsoft.com/office/drawing/2014/main" id="{1AD70239-A178-6319-6920-7E6B50EE524D}"/>
-              </a:ext>
-            </a:extLst>
-          </p:cNvPr>
-          <p:cNvSpPr/>
-          <p:nvPr/>
-        </p:nvSpPr>
-        <p:spPr>
-          <a:xfrm>
-            <a:off x="1666875" y="3004895"/>
-            <a:ext cx="1736436" cy="385413"/>
-          </a:xfrm>
-          <a:prstGeom prst="rightArrow">
-            <a:avLst/>
-          </a:prstGeom>
-        </p:spPr>
-        <p:style>
-          <a:lnRef idx="2">
-            <a:schemeClr val="accent1">
-              <a:shade val="15000"/>
-            </a:schemeClr>
-          </a:lnRef>
-          <a:fillRef idx="1">
-            <a:schemeClr val="accent1"/>
-          </a:fillRef>
-          <a:effectRef idx="0">
-            <a:schemeClr val="accent1"/>
-          </a:effectRef>
-          <a:fontRef idx="minor">
-            <a:schemeClr val="lt1"/>
-          </a:fontRef>
-        </p:style>
-        <p:txBody>
-          <a:bodyPr rtlCol="0" anchor="ctr"/>
-          <a:lstStyle/>
-          <a:p>
-            <a:pPr algn="ctr"/>
-            <a:endParaRPr lang="pt-BR"/>
-          </a:p>
-        </p:txBody>
-      </p:sp>
-      <p:sp>
-        <p:nvSpPr>
-          <p:cNvPr id="18" name="Seta: para a Direita 17">
-            <a:extLst>
-              <a:ext uri="{FF2B5EF4-FFF2-40B4-BE49-F238E27FC236}">
-                <a16:creationId xmlns:a16="http://schemas.microsoft.com/office/drawing/2014/main" id="{51288D80-7457-9018-7AF1-A502991226DB}"/>
-              </a:ext>
-            </a:extLst>
-          </p:cNvPr>
-          <p:cNvSpPr/>
-          <p:nvPr/>
-        </p:nvSpPr>
-        <p:spPr>
-          <a:xfrm>
-            <a:off x="1666875" y="5039469"/>
-            <a:ext cx="1736436" cy="385413"/>
-          </a:xfrm>
-          <a:prstGeom prst="rightArrow">
-            <a:avLst/>
-          </a:prstGeom>
-        </p:spPr>
-        <p:style>
-          <a:lnRef idx="2">
-            <a:schemeClr val="accent1">
-              <a:shade val="15000"/>
-            </a:schemeClr>
-          </a:lnRef>
-          <a:fillRef idx="1">
-            <a:schemeClr val="accent1"/>
-          </a:fillRef>
-          <a:effectRef idx="0">
-            <a:schemeClr val="accent1"/>
-          </a:effectRef>
-          <a:fontRef idx="minor">
-            <a:schemeClr val="lt1"/>
-          </a:fontRef>
-        </p:style>
-        <p:txBody>
-          <a:bodyPr rtlCol="0" anchor="ctr"/>
-          <a:lstStyle/>
-          <a:p>
-            <a:pPr algn="ctr"/>
-            <a:endParaRPr lang="pt-BR"/>
-          </a:p>
-        </p:txBody>
-      </p:sp>
-    </p:spTree>
-    <p:extLst>
-      <p:ext uri="{BB962C8B-B14F-4D97-AF65-F5344CB8AC3E}">
-        <p14:creationId xmlns:p14="http://schemas.microsoft.com/office/powerpoint/2010/main" val="1983833483"/>
-      </p:ext>
-    </p:extLst>
-  </p:cSld>
-  <p:clrMapOvr>
-    <a:masterClrMapping/>
-  </p:clrMapOvr>
-</p:sld>
-</file>
-
-<file path=ppt/slides/slide9.xml><?xml version="1.0" encoding="utf-8"?>
-<p:sld xmlns:a="http://schemas.openxmlformats.org/drawingml/2006/main" xmlns:r="http://schemas.openxmlformats.org/officeDocument/2006/relationships" xmlns:p="http://schemas.openxmlformats.org/presentationml/2006/main">
-  <p:cSld>
-    <p:spTree>
-      <p:nvGrpSpPr>
-        <p:cNvPr id="1" name=""/>
-        <p:cNvGrpSpPr/>
-        <p:nvPr/>
-      </p:nvGrpSpPr>
-      <p:grpSpPr>
-        <a:xfrm>
-          <a:off x="0" y="0"/>
-          <a:ext cx="0" cy="0"/>
-          <a:chOff x="0" y="0"/>
-          <a:chExt cx="0" cy="0"/>
-        </a:xfrm>
-      </p:grpSpPr>
-      <p:sp>
-        <p:nvSpPr>
-          <p:cNvPr id="2" name="Título 1">
-            <a:extLst>
-              <a:ext uri="{FF2B5EF4-FFF2-40B4-BE49-F238E27FC236}">
-                <a16:creationId xmlns:a16="http://schemas.microsoft.com/office/drawing/2014/main" id="{0D29C40D-5E17-0AF7-93BD-441772DD1C6D}"/>
-              </a:ext>
-            </a:extLst>
-          </p:cNvPr>
-          <p:cNvSpPr>
-            <a:spLocks noGrp="1"/>
-          </p:cNvSpPr>
-          <p:nvPr>
-            <p:ph type="ctrTitle"/>
-          </p:nvPr>
-        </p:nvSpPr>
-        <p:spPr/>
-        <p:txBody>
-          <a:bodyPr/>
-          <a:lstStyle/>
-          <a:p>
-            <a:r>
-              <a:rPr lang="pt-BR" dirty="0"/>
-              <a:t>1. Descrição do problema</a:t>
-            </a:r>
-          </a:p>
-        </p:txBody>
-      </p:sp>
-      <p:sp>
-        <p:nvSpPr>
-          <p:cNvPr id="3" name="Subtítulo 2">
-            <a:extLst>
-              <a:ext uri="{FF2B5EF4-FFF2-40B4-BE49-F238E27FC236}">
-                <a16:creationId xmlns:a16="http://schemas.microsoft.com/office/drawing/2014/main" id="{4E548EF1-B519-CC9E-C809-436FFE39B2D2}"/>
-              </a:ext>
-            </a:extLst>
-          </p:cNvPr>
-          <p:cNvSpPr>
-            <a:spLocks noGrp="1"/>
-          </p:cNvSpPr>
-          <p:nvPr>
-            <p:ph type="subTitle" idx="1"/>
-          </p:nvPr>
-        </p:nvSpPr>
-        <p:spPr/>
-        <p:txBody>
-          <a:bodyPr/>
-          <a:lstStyle/>
-          <a:p>
-            <a:r>
-              <a:rPr lang="pt-BR" dirty="0"/>
-              <a:t>Possíveis soluções</a:t>
-            </a:r>
-          </a:p>
-        </p:txBody>
-      </p:sp>
-      <p:sp>
-        <p:nvSpPr>
-          <p:cNvPr id="4" name="Espaço Reservado para Conteúdo 3">
-            <a:extLst>
-              <a:ext uri="{FF2B5EF4-FFF2-40B4-BE49-F238E27FC236}">
-                <a16:creationId xmlns:a16="http://schemas.microsoft.com/office/drawing/2014/main" id="{20D6F3B0-DDEE-A126-5BDC-09CF00FC3B0B}"/>
-              </a:ext>
-            </a:extLst>
-          </p:cNvPr>
-          <p:cNvSpPr>
-            <a:spLocks noGrp="1"/>
-          </p:cNvSpPr>
-          <p:nvPr>
-            <p:ph idx="10"/>
-          </p:nvPr>
-        </p:nvSpPr>
-        <p:spPr/>
-        <p:txBody>
-          <a:bodyPr/>
-          <a:lstStyle/>
-          <a:p>
-            <a:pPr marL="342900" indent="-342900">
-              <a:buAutoNum type="arabicPeriod"/>
-            </a:pPr>
-            <a:r>
-              <a:rPr lang="pt-BR" dirty="0"/>
-              <a:t>Expansão de </a:t>
-            </a:r>
-            <a:r>
-              <a:rPr lang="pt-BR" i="1" dirty="0"/>
-              <a:t>queries</a:t>
-            </a:r>
-          </a:p>
-          <a:p>
-            <a:pPr marL="522900" lvl="1" indent="-342900">
-              <a:buFont typeface="Arial" panose="020B0604020202020204" pitchFamily="34" charset="0"/>
-              <a:buChar char="•"/>
-            </a:pPr>
-            <a:r>
-              <a:rPr lang="pt-BR" dirty="0"/>
-              <a:t>Altera </a:t>
-            </a:r>
-            <a:r>
-              <a:rPr lang="pt-BR" b="1" u="sng" dirty="0"/>
-              <a:t>os termos de pesquisa </a:t>
-            </a:r>
-            <a:r>
-              <a:rPr lang="pt-BR" dirty="0"/>
-              <a:t>do usuário inserindo novos termos (por exemplo, sinônimos)</a:t>
-            </a:r>
-          </a:p>
-          <a:p>
-            <a:pPr marL="522900" lvl="1" indent="-342900">
-              <a:buFont typeface="Arial" panose="020B0604020202020204" pitchFamily="34" charset="0"/>
-              <a:buChar char="•"/>
-            </a:pPr>
-            <a:endParaRPr lang="pt-BR" dirty="0"/>
-          </a:p>
-          <a:p>
-            <a:pPr marL="522900" lvl="1" indent="-342900">
-              <a:buFont typeface="Arial" panose="020B0604020202020204" pitchFamily="34" charset="0"/>
-              <a:buChar char="•"/>
-            </a:pPr>
-            <a:endParaRPr lang="pt-BR" dirty="0"/>
-          </a:p>
-          <a:p>
-            <a:pPr marL="522900" lvl="1" indent="-342900">
-              <a:buFont typeface="Arial" panose="020B0604020202020204" pitchFamily="34" charset="0"/>
-              <a:buChar char="•"/>
-            </a:pPr>
-            <a:r>
-              <a:rPr lang="pt-BR" dirty="0">
-                <a:solidFill>
-                  <a:srgbClr val="00B050"/>
-                </a:solidFill>
-                <a:latin typeface="Times New Roman" panose="02020603050405020304" pitchFamily="18" charset="0"/>
-                <a:cs typeface="Times New Roman" panose="02020603050405020304" pitchFamily="18" charset="0"/>
-              </a:rPr>
-              <a:t>▲ </a:t>
-            </a:r>
-            <a:r>
-              <a:rPr lang="pt-BR" dirty="0"/>
-              <a:t>Tradicionalmente, tinha resultados melhores que expansão de documentos</a:t>
-            </a:r>
-          </a:p>
-          <a:p>
-            <a:pPr marL="522900" lvl="1" indent="-342900">
-              <a:buFont typeface="Arial" panose="020B0604020202020204" pitchFamily="34" charset="0"/>
-              <a:buChar char="•"/>
-            </a:pPr>
-            <a:r>
-              <a:rPr lang="pt-BR" dirty="0">
-                <a:solidFill>
-                  <a:srgbClr val="00B050"/>
-                </a:solidFill>
-                <a:latin typeface="Times New Roman" panose="02020603050405020304" pitchFamily="18" charset="0"/>
-                <a:cs typeface="Times New Roman" panose="02020603050405020304" pitchFamily="18" charset="0"/>
-              </a:rPr>
-              <a:t>▲ </a:t>
-            </a:r>
-            <a:r>
-              <a:rPr lang="pt-BR" dirty="0"/>
-              <a:t>É fácil de testar, pois atua apenas no processo de consulta</a:t>
-            </a:r>
-          </a:p>
-          <a:p>
-            <a:pPr marL="522900" lvl="1" indent="-342900">
-              <a:buFont typeface="Arial" panose="020B0604020202020204" pitchFamily="34" charset="0"/>
-              <a:buChar char="•"/>
-            </a:pPr>
-            <a:r>
-              <a:rPr lang="pt-BR" dirty="0">
-                <a:solidFill>
-                  <a:srgbClr val="00B050"/>
-                </a:solidFill>
-                <a:latin typeface="Times New Roman" panose="02020603050405020304" pitchFamily="18" charset="0"/>
-                <a:cs typeface="Times New Roman" panose="02020603050405020304" pitchFamily="18" charset="0"/>
-              </a:rPr>
-              <a:t>▲ </a:t>
-            </a:r>
-            <a:r>
-              <a:rPr lang="pt-BR" dirty="0"/>
-              <a:t>Não exige mudança do motor de busca</a:t>
-            </a:r>
-          </a:p>
-          <a:p>
-            <a:pPr marL="522900" lvl="1" indent="-342900">
-              <a:buFont typeface="Arial" panose="020B0604020202020204" pitchFamily="34" charset="0"/>
-              <a:buChar char="•"/>
-            </a:pPr>
-            <a:r>
-              <a:rPr lang="pt-BR" dirty="0">
-                <a:solidFill>
-                  <a:srgbClr val="FF0000"/>
-                </a:solidFill>
-                <a:latin typeface="Times New Roman" panose="02020603050405020304" pitchFamily="18" charset="0"/>
-                <a:cs typeface="Times New Roman" panose="02020603050405020304" pitchFamily="18" charset="0"/>
-              </a:rPr>
-              <a:t>▼ </a:t>
-            </a:r>
-            <a:r>
-              <a:rPr lang="pt-BR" dirty="0"/>
-              <a:t>Insere um novo elemento (código, </a:t>
-            </a:r>
-            <a:r>
-              <a:rPr lang="pt-BR" i="1" dirty="0"/>
-              <a:t>hardware</a:t>
-            </a:r>
-            <a:r>
-              <a:rPr lang="pt-BR" dirty="0"/>
-              <a:t> </a:t>
-            </a:r>
-            <a:r>
-              <a:rPr lang="pt-BR" dirty="0" err="1"/>
-              <a:t>etc</a:t>
-            </a:r>
-            <a:r>
-              <a:rPr lang="pt-BR" dirty="0"/>
-              <a:t>) na consulta</a:t>
-            </a:r>
-          </a:p>
-          <a:p>
-            <a:pPr marL="522900" lvl="1" indent="-342900">
-              <a:buFont typeface="Arial" panose="020B0604020202020204" pitchFamily="34" charset="0"/>
-              <a:buChar char="•"/>
-            </a:pPr>
-            <a:endParaRPr lang="pt-BR" dirty="0"/>
-          </a:p>
-        </p:txBody>
-      </p:sp>
-    </p:spTree>
-    <p:extLst>
-      <p:ext uri="{BB962C8B-B14F-4D97-AF65-F5344CB8AC3E}">
-        <p14:creationId xmlns:p14="http://schemas.microsoft.com/office/powerpoint/2010/main" val="1950488178"/>
       </p:ext>
     </p:extLst>
   </p:cSld>

--- a/projeto_final/Apresentação.pptx
+++ b/projeto_final/Apresentação.pptx
@@ -9495,7 +9495,7 @@
           <a:p>
             <a:fld id="{2F8BED3A-9422-4E14-A9B9-938985A422CB}" type="datetimeFigureOut">
               <a:rPr lang="pt-BR" smtClean="0"/>
-              <a:t>24/11/2024</a:t>
+              <a:t>25/11/2024</a:t>
             </a:fld>
             <a:endParaRPr lang="pt-BR"/>
           </a:p>
@@ -13327,7 +13327,7 @@
                 <a:ea typeface="Aptos" panose="020B0004020202020204" pitchFamily="34" charset="0"/>
                 <a:cs typeface="Times New Roman" panose="02020603050405020304" pitchFamily="18" charset="0"/>
               </a:rPr>
-              <a:t> que tem dados de pesquisa reais no grupo 1 e dados sintéticos nos grupos 2 e 3. No grupo 1, as queries foram extraídas do log como queries frequentemente buscadas e elas possuem a característica de usar termos que efetivamente se encontram nos documentos, que são documentos especializados. Reescrever o documento alterando as palavras vai ter o efeito de inserir um pouco de ruído na base, o que justificaria esse resultado.</a:t>
+              <a:t> que tem dados de pesquisa reais no grupo 1 e dados sintéticos nos grupos 2 e 3. Em todos os grupos, todas as queries usam termos presentes nos documentos desejados. Reescrever o documento alterando as palavras vai ter o efeito de inserir um pouco de ruído na base, o que justificaria esse resultado.</a:t>
             </a:r>
           </a:p>
           <a:p>
@@ -15303,7 +15303,7 @@
             <a:fld id="{B76ADD97-593B-4FCA-900D-00522E87B7DD}" type="datetime1">
               <a:rPr lang="pt-BR" smtClean="0"/>
               <a:pPr/>
-              <a:t>24/11/2024</a:t>
+              <a:t>25/11/2024</a:t>
             </a:fld>
             <a:endParaRPr lang="pt-BR" dirty="0"/>
           </a:p>
@@ -15453,7 +15453,7 @@
             <a:fld id="{B76ADD97-593B-4FCA-900D-00522E87B7DD}" type="datetime1">
               <a:rPr lang="pt-BR" smtClean="0"/>
               <a:pPr/>
-              <a:t>24/11/2024</a:t>
+              <a:t>25/11/2024</a:t>
             </a:fld>
             <a:endParaRPr lang="pt-BR" dirty="0"/>
           </a:p>
@@ -15730,7 +15730,7 @@
             <a:fld id="{B76ADD97-593B-4FCA-900D-00522E87B7DD}" type="datetime1">
               <a:rPr lang="pt-BR" smtClean="0"/>
               <a:pPr/>
-              <a:t>24/11/2024</a:t>
+              <a:t>25/11/2024</a:t>
             </a:fld>
             <a:endParaRPr lang="pt-BR" dirty="0"/>
           </a:p>
@@ -16038,7 +16038,7 @@
             <a:fld id="{B76ADD97-593B-4FCA-900D-00522E87B7DD}" type="datetime1">
               <a:rPr lang="pt-BR" smtClean="0"/>
               <a:pPr/>
-              <a:t>24/11/2024</a:t>
+              <a:t>25/11/2024</a:t>
             </a:fld>
             <a:endParaRPr lang="pt-BR" dirty="0"/>
           </a:p>
@@ -16321,7 +16321,7 @@
             <a:fld id="{B76ADD97-593B-4FCA-900D-00522E87B7DD}" type="datetime1">
               <a:rPr lang="pt-BR" smtClean="0"/>
               <a:pPr/>
-              <a:t>24/11/2024</a:t>
+              <a:t>25/11/2024</a:t>
             </a:fld>
             <a:endParaRPr lang="pt-BR" dirty="0"/>
           </a:p>
@@ -16595,7 +16595,7 @@
             <a:fld id="{B76ADD97-593B-4FCA-900D-00522E87B7DD}" type="datetime1">
               <a:rPr lang="pt-BR" smtClean="0"/>
               <a:pPr/>
-              <a:t>24/11/2024</a:t>
+              <a:t>25/11/2024</a:t>
             </a:fld>
             <a:endParaRPr lang="pt-BR" dirty="0"/>
           </a:p>
@@ -16926,7 +16926,7 @@
             <a:fld id="{B76ADD97-593B-4FCA-900D-00522E87B7DD}" type="datetime1">
               <a:rPr lang="pt-BR" smtClean="0"/>
               <a:pPr/>
-              <a:t>24/11/2024</a:t>
+              <a:t>25/11/2024</a:t>
             </a:fld>
             <a:endParaRPr lang="pt-BR" dirty="0"/>
           </a:p>
@@ -17985,13 +17985,6 @@
               <a:buFont typeface="Arial" panose="020B0604020202020204" pitchFamily="34" charset="0"/>
               <a:buChar char="•"/>
             </a:pPr>
-            <a:endParaRPr lang="pt-BR" dirty="0"/>
-          </a:p>
-          <a:p>
-            <a:pPr marL="522900" lvl="1" indent="-342900">
-              <a:buFont typeface="Arial" panose="020B0604020202020204" pitchFamily="34" charset="0"/>
-              <a:buChar char="•"/>
-            </a:pPr>
             <a:r>
               <a:rPr lang="pt-BR" dirty="0">
                 <a:solidFill>
@@ -18033,7 +18026,7 @@
               <a:buChar char="•"/>
             </a:pPr>
             <a:r>
-              <a:rPr lang="pt-BR">
+              <a:rPr lang="pt-BR" dirty="0">
                 <a:solidFill>
                   <a:srgbClr val="FF0000"/>
                 </a:solidFill>
@@ -18069,88 +18062,6 @@
               <a:buChar char="•"/>
             </a:pPr>
             <a:endParaRPr lang="pt-BR" dirty="0"/>
-          </a:p>
-        </p:txBody>
-      </p:sp>
-      <p:pic>
-        <p:nvPicPr>
-          <p:cNvPr id="5" name="Imagem 4" descr="Diagrama&#10;&#10;Descrição gerada automaticamente">
-            <a:extLst>
-              <a:ext uri="{FF2B5EF4-FFF2-40B4-BE49-F238E27FC236}">
-                <a16:creationId xmlns:a16="http://schemas.microsoft.com/office/drawing/2014/main" id="{54B18EB2-C8BB-1225-3262-E41898C20FF8}"/>
-              </a:ext>
-            </a:extLst>
-          </p:cNvPr>
-          <p:cNvPicPr>
-            <a:picLocks noChangeAspect="1"/>
-          </p:cNvPicPr>
-          <p:nvPr/>
-        </p:nvPicPr>
-        <p:blipFill>
-          <a:blip r:embed="rId3" cstate="print">
-            <a:extLst>
-              <a:ext uri="{28A0092B-C50C-407E-A947-70E740481C1C}">
-                <a14:useLocalDpi xmlns:a14="http://schemas.microsoft.com/office/drawing/2010/main" val="0"/>
-              </a:ext>
-            </a:extLst>
-          </a:blip>
-          <a:stretch>
-            <a:fillRect/>
-          </a:stretch>
-        </p:blipFill>
-        <p:spPr>
-          <a:xfrm>
-            <a:off x="8353325" y="4651829"/>
-            <a:ext cx="3024336" cy="1648171"/>
-          </a:xfrm>
-          <a:prstGeom prst="rect">
-            <a:avLst/>
-          </a:prstGeom>
-        </p:spPr>
-      </p:pic>
-      <p:sp>
-        <p:nvSpPr>
-          <p:cNvPr id="6" name="Estrela: 5 Pontas 5">
-            <a:extLst>
-              <a:ext uri="{FF2B5EF4-FFF2-40B4-BE49-F238E27FC236}">
-                <a16:creationId xmlns:a16="http://schemas.microsoft.com/office/drawing/2014/main" id="{A9E52783-64B1-DA66-2D7A-AC1C662F48A1}"/>
-              </a:ext>
-            </a:extLst>
-          </p:cNvPr>
-          <p:cNvSpPr/>
-          <p:nvPr/>
-        </p:nvSpPr>
-        <p:spPr>
-          <a:xfrm>
-            <a:off x="9878336" y="5091525"/>
-            <a:ext cx="396501" cy="360040"/>
-          </a:xfrm>
-          <a:prstGeom prst="star5">
-            <a:avLst/>
-          </a:prstGeom>
-        </p:spPr>
-        <p:style>
-          <a:lnRef idx="2">
-            <a:schemeClr val="accent1">
-              <a:shade val="15000"/>
-            </a:schemeClr>
-          </a:lnRef>
-          <a:fillRef idx="1">
-            <a:schemeClr val="accent1"/>
-          </a:fillRef>
-          <a:effectRef idx="0">
-            <a:schemeClr val="accent1"/>
-          </a:effectRef>
-          <a:fontRef idx="minor">
-            <a:schemeClr val="lt1"/>
-          </a:fontRef>
-        </p:style>
-        <p:txBody>
-          <a:bodyPr rtlCol="0" anchor="ctr"/>
-          <a:lstStyle/>
-          <a:p>
-            <a:pPr algn="ctr"/>
-            <a:endParaRPr lang="pt-BR"/>
           </a:p>
         </p:txBody>
       </p:sp>
@@ -18302,13 +18213,6 @@
               <a:buFont typeface="Arial" panose="020B0604020202020204" pitchFamily="34" charset="0"/>
               <a:buChar char="•"/>
             </a:pPr>
-            <a:endParaRPr lang="pt-BR" dirty="0"/>
-          </a:p>
-          <a:p>
-            <a:pPr marL="522900" lvl="1" indent="-342900">
-              <a:buFont typeface="Arial" panose="020B0604020202020204" pitchFamily="34" charset="0"/>
-              <a:buChar char="•"/>
-            </a:pPr>
             <a:r>
               <a:rPr lang="pt-BR" dirty="0">
                 <a:solidFill>
@@ -18403,88 +18307,6 @@
               <a:rPr lang="pt-BR" dirty="0"/>
               <a:t>É mais difícil de testar, pois exige a reindexação da base de dados</a:t>
             </a:r>
-          </a:p>
-        </p:txBody>
-      </p:sp>
-      <p:pic>
-        <p:nvPicPr>
-          <p:cNvPr id="5" name="Imagem 4" descr="Diagrama&#10;&#10;Descrição gerada automaticamente">
-            <a:extLst>
-              <a:ext uri="{FF2B5EF4-FFF2-40B4-BE49-F238E27FC236}">
-                <a16:creationId xmlns:a16="http://schemas.microsoft.com/office/drawing/2014/main" id="{5C98C5F6-73B9-8E05-EF67-B42EAF1193C9}"/>
-              </a:ext>
-            </a:extLst>
-          </p:cNvPr>
-          <p:cNvPicPr>
-            <a:picLocks noChangeAspect="1"/>
-          </p:cNvPicPr>
-          <p:nvPr/>
-        </p:nvPicPr>
-        <p:blipFill>
-          <a:blip r:embed="rId3" cstate="print">
-            <a:extLst>
-              <a:ext uri="{28A0092B-C50C-407E-A947-70E740481C1C}">
-                <a14:useLocalDpi xmlns:a14="http://schemas.microsoft.com/office/drawing/2010/main" val="0"/>
-              </a:ext>
-            </a:extLst>
-          </a:blip>
-          <a:stretch>
-            <a:fillRect/>
-          </a:stretch>
-        </p:blipFill>
-        <p:spPr>
-          <a:xfrm>
-            <a:off x="7417221" y="4748344"/>
-            <a:ext cx="3888432" cy="1700626"/>
-          </a:xfrm>
-          <a:prstGeom prst="rect">
-            <a:avLst/>
-          </a:prstGeom>
-        </p:spPr>
-      </p:pic>
-      <p:sp>
-        <p:nvSpPr>
-          <p:cNvPr id="6" name="Estrela: 5 Pontas 5">
-            <a:extLst>
-              <a:ext uri="{FF2B5EF4-FFF2-40B4-BE49-F238E27FC236}">
-                <a16:creationId xmlns:a16="http://schemas.microsoft.com/office/drawing/2014/main" id="{9B524739-EF60-9AF1-AEDD-EF93C7DE739B}"/>
-              </a:ext>
-            </a:extLst>
-          </p:cNvPr>
-          <p:cNvSpPr/>
-          <p:nvPr/>
-        </p:nvSpPr>
-        <p:spPr>
-          <a:xfrm>
-            <a:off x="9649469" y="5040135"/>
-            <a:ext cx="396501" cy="360040"/>
-          </a:xfrm>
-          <a:prstGeom prst="star5">
-            <a:avLst/>
-          </a:prstGeom>
-        </p:spPr>
-        <p:style>
-          <a:lnRef idx="2">
-            <a:schemeClr val="accent1">
-              <a:shade val="15000"/>
-            </a:schemeClr>
-          </a:lnRef>
-          <a:fillRef idx="1">
-            <a:schemeClr val="accent1"/>
-          </a:fillRef>
-          <a:effectRef idx="0">
-            <a:schemeClr val="accent1"/>
-          </a:effectRef>
-          <a:fontRef idx="minor">
-            <a:schemeClr val="lt1"/>
-          </a:fontRef>
-        </p:style>
-        <p:txBody>
-          <a:bodyPr rtlCol="0" anchor="ctr"/>
-          <a:lstStyle/>
-          <a:p>
-            <a:pPr algn="ctr"/>
-            <a:endParaRPr lang="pt-BR"/>
           </a:p>
         </p:txBody>
       </p:sp>
@@ -18777,354 +18599,6 @@
               <a:buChar char="•"/>
             </a:pPr>
             <a:endParaRPr lang="pt-BR" dirty="0"/>
-          </a:p>
-        </p:txBody>
-      </p:sp>
-      <p:pic>
-        <p:nvPicPr>
-          <p:cNvPr id="5" name="Imagem 4" descr="Diagrama&#10;&#10;Descrição gerada automaticamente">
-            <a:extLst>
-              <a:ext uri="{FF2B5EF4-FFF2-40B4-BE49-F238E27FC236}">
-                <a16:creationId xmlns:a16="http://schemas.microsoft.com/office/drawing/2014/main" id="{35D5E39B-3D93-0C5E-166B-49597094ED6E}"/>
-              </a:ext>
-            </a:extLst>
-          </p:cNvPr>
-          <p:cNvPicPr>
-            <a:picLocks noChangeAspect="1"/>
-          </p:cNvPicPr>
-          <p:nvPr/>
-        </p:nvPicPr>
-        <p:blipFill>
-          <a:blip r:embed="rId3" cstate="print">
-            <a:extLst>
-              <a:ext uri="{28A0092B-C50C-407E-A947-70E740481C1C}">
-                <a14:useLocalDpi xmlns:a14="http://schemas.microsoft.com/office/drawing/2010/main" val="0"/>
-              </a:ext>
-            </a:extLst>
-          </a:blip>
-          <a:stretch>
-            <a:fillRect/>
-          </a:stretch>
-        </p:blipFill>
-        <p:spPr>
-          <a:xfrm>
-            <a:off x="864493" y="4763202"/>
-            <a:ext cx="3888432" cy="1700626"/>
-          </a:xfrm>
-          <a:prstGeom prst="rect">
-            <a:avLst/>
-          </a:prstGeom>
-        </p:spPr>
-      </p:pic>
-      <p:pic>
-        <p:nvPicPr>
-          <p:cNvPr id="6" name="Imagem 5" descr="Diagrama&#10;&#10;Descrição gerada automaticamente">
-            <a:extLst>
-              <a:ext uri="{FF2B5EF4-FFF2-40B4-BE49-F238E27FC236}">
-                <a16:creationId xmlns:a16="http://schemas.microsoft.com/office/drawing/2014/main" id="{F2CA4125-D66C-08B9-C58A-9C0EA29D4916}"/>
-              </a:ext>
-            </a:extLst>
-          </p:cNvPr>
-          <p:cNvPicPr>
-            <a:picLocks noChangeAspect="1"/>
-          </p:cNvPicPr>
-          <p:nvPr/>
-        </p:nvPicPr>
-        <p:blipFill>
-          <a:blip r:embed="rId4" cstate="print">
-            <a:extLst>
-              <a:ext uri="{28A0092B-C50C-407E-A947-70E740481C1C}">
-                <a14:useLocalDpi xmlns:a14="http://schemas.microsoft.com/office/drawing/2010/main" val="0"/>
-              </a:ext>
-            </a:extLst>
-          </a:blip>
-          <a:stretch>
-            <a:fillRect/>
-          </a:stretch>
-        </p:blipFill>
-        <p:spPr>
-          <a:xfrm>
-            <a:off x="8463716" y="4815657"/>
-            <a:ext cx="3024336" cy="1648171"/>
-          </a:xfrm>
-          <a:prstGeom prst="rect">
-            <a:avLst/>
-          </a:prstGeom>
-        </p:spPr>
-      </p:pic>
-      <p:sp>
-        <p:nvSpPr>
-          <p:cNvPr id="7" name="Estrela: 5 Pontas 6">
-            <a:extLst>
-              <a:ext uri="{FF2B5EF4-FFF2-40B4-BE49-F238E27FC236}">
-                <a16:creationId xmlns:a16="http://schemas.microsoft.com/office/drawing/2014/main" id="{2F4270F6-C74C-F4B4-50F0-3C358EB303AF}"/>
-              </a:ext>
-            </a:extLst>
-          </p:cNvPr>
-          <p:cNvSpPr/>
-          <p:nvPr/>
-        </p:nvSpPr>
-        <p:spPr>
-          <a:xfrm>
-            <a:off x="4248869" y="5760135"/>
-            <a:ext cx="396501" cy="360040"/>
-          </a:xfrm>
-          <a:prstGeom prst="star5">
-            <a:avLst/>
-          </a:prstGeom>
-        </p:spPr>
-        <p:style>
-          <a:lnRef idx="2">
-            <a:schemeClr val="accent1">
-              <a:shade val="15000"/>
-            </a:schemeClr>
-          </a:lnRef>
-          <a:fillRef idx="1">
-            <a:schemeClr val="accent1"/>
-          </a:fillRef>
-          <a:effectRef idx="0">
-            <a:schemeClr val="accent1"/>
-          </a:effectRef>
-          <a:fontRef idx="minor">
-            <a:schemeClr val="lt1"/>
-          </a:fontRef>
-        </p:style>
-        <p:txBody>
-          <a:bodyPr rtlCol="0" anchor="ctr"/>
-          <a:lstStyle/>
-          <a:p>
-            <a:pPr algn="ctr"/>
-            <a:endParaRPr lang="pt-BR"/>
-          </a:p>
-        </p:txBody>
-      </p:sp>
-      <p:sp>
-        <p:nvSpPr>
-          <p:cNvPr id="8" name="Estrela: 5 Pontas 7">
-            <a:extLst>
-              <a:ext uri="{FF2B5EF4-FFF2-40B4-BE49-F238E27FC236}">
-                <a16:creationId xmlns:a16="http://schemas.microsoft.com/office/drawing/2014/main" id="{47E6CC1C-350A-82B8-BA1D-342CCF66E962}"/>
-              </a:ext>
-            </a:extLst>
-          </p:cNvPr>
-          <p:cNvSpPr/>
-          <p:nvPr/>
-        </p:nvSpPr>
-        <p:spPr>
-          <a:xfrm>
-            <a:off x="4448522" y="5056442"/>
-            <a:ext cx="396501" cy="360040"/>
-          </a:xfrm>
-          <a:prstGeom prst="star5">
-            <a:avLst/>
-          </a:prstGeom>
-        </p:spPr>
-        <p:style>
-          <a:lnRef idx="2">
-            <a:schemeClr val="accent1">
-              <a:shade val="15000"/>
-            </a:schemeClr>
-          </a:lnRef>
-          <a:fillRef idx="1">
-            <a:schemeClr val="accent1"/>
-          </a:fillRef>
-          <a:effectRef idx="0">
-            <a:schemeClr val="accent1"/>
-          </a:effectRef>
-          <a:fontRef idx="minor">
-            <a:schemeClr val="lt1"/>
-          </a:fontRef>
-        </p:style>
-        <p:txBody>
-          <a:bodyPr rtlCol="0" anchor="ctr"/>
-          <a:lstStyle/>
-          <a:p>
-            <a:pPr algn="ctr"/>
-            <a:endParaRPr lang="pt-BR"/>
-          </a:p>
-        </p:txBody>
-      </p:sp>
-      <p:sp>
-        <p:nvSpPr>
-          <p:cNvPr id="9" name="Estrela: 5 Pontas 8">
-            <a:extLst>
-              <a:ext uri="{FF2B5EF4-FFF2-40B4-BE49-F238E27FC236}">
-                <a16:creationId xmlns:a16="http://schemas.microsoft.com/office/drawing/2014/main" id="{7A9FDF16-545C-73D7-1934-E5F7946C32DA}"/>
-              </a:ext>
-            </a:extLst>
-          </p:cNvPr>
-          <p:cNvSpPr/>
-          <p:nvPr/>
-        </p:nvSpPr>
-        <p:spPr>
-          <a:xfrm>
-            <a:off x="10658985" y="4675064"/>
-            <a:ext cx="396501" cy="360040"/>
-          </a:xfrm>
-          <a:prstGeom prst="star5">
-            <a:avLst/>
-          </a:prstGeom>
-        </p:spPr>
-        <p:style>
-          <a:lnRef idx="2">
-            <a:schemeClr val="accent1">
-              <a:shade val="15000"/>
-            </a:schemeClr>
-          </a:lnRef>
-          <a:fillRef idx="1">
-            <a:schemeClr val="accent1"/>
-          </a:fillRef>
-          <a:effectRef idx="0">
-            <a:schemeClr val="accent1"/>
-          </a:effectRef>
-          <a:fontRef idx="minor">
-            <a:schemeClr val="lt1"/>
-          </a:fontRef>
-        </p:style>
-        <p:txBody>
-          <a:bodyPr rtlCol="0" anchor="ctr"/>
-          <a:lstStyle/>
-          <a:p>
-            <a:pPr algn="ctr"/>
-            <a:endParaRPr lang="pt-BR"/>
-          </a:p>
-        </p:txBody>
-      </p:sp>
-      <p:sp>
-        <p:nvSpPr>
-          <p:cNvPr id="10" name="Estrela: 5 Pontas 9">
-            <a:extLst>
-              <a:ext uri="{FF2B5EF4-FFF2-40B4-BE49-F238E27FC236}">
-                <a16:creationId xmlns:a16="http://schemas.microsoft.com/office/drawing/2014/main" id="{DDDC44CB-1E9A-83A0-C2A7-4EFD06245224}"/>
-              </a:ext>
-            </a:extLst>
-          </p:cNvPr>
-          <p:cNvSpPr/>
-          <p:nvPr/>
-        </p:nvSpPr>
-        <p:spPr>
-          <a:xfrm>
-            <a:off x="11014318" y="5459722"/>
-            <a:ext cx="396501" cy="360040"/>
-          </a:xfrm>
-          <a:prstGeom prst="star5">
-            <a:avLst/>
-          </a:prstGeom>
-        </p:spPr>
-        <p:style>
-          <a:lnRef idx="2">
-            <a:schemeClr val="accent1">
-              <a:shade val="15000"/>
-            </a:schemeClr>
-          </a:lnRef>
-          <a:fillRef idx="1">
-            <a:schemeClr val="accent1"/>
-          </a:fillRef>
-          <a:effectRef idx="0">
-            <a:schemeClr val="accent1"/>
-          </a:effectRef>
-          <a:fontRef idx="minor">
-            <a:schemeClr val="lt1"/>
-          </a:fontRef>
-        </p:style>
-        <p:txBody>
-          <a:bodyPr rtlCol="0" anchor="ctr"/>
-          <a:lstStyle/>
-          <a:p>
-            <a:pPr algn="ctr"/>
-            <a:endParaRPr lang="pt-BR"/>
-          </a:p>
-        </p:txBody>
-      </p:sp>
-      <p:sp>
-        <p:nvSpPr>
-          <p:cNvPr id="11" name="Estrela: 5 Pontas 10">
-            <a:extLst>
-              <a:ext uri="{FF2B5EF4-FFF2-40B4-BE49-F238E27FC236}">
-                <a16:creationId xmlns:a16="http://schemas.microsoft.com/office/drawing/2014/main" id="{F9941192-6116-CE6C-0167-C0AA2FB0F0FD}"/>
-              </a:ext>
-            </a:extLst>
-          </p:cNvPr>
-          <p:cNvSpPr/>
-          <p:nvPr/>
-        </p:nvSpPr>
-        <p:spPr>
-          <a:xfrm>
-            <a:off x="3131180" y="4990906"/>
-            <a:ext cx="396501" cy="360040"/>
-          </a:xfrm>
-          <a:prstGeom prst="star5">
-            <a:avLst/>
-          </a:prstGeom>
-        </p:spPr>
-        <p:style>
-          <a:lnRef idx="2">
-            <a:schemeClr val="accent1">
-              <a:shade val="15000"/>
-            </a:schemeClr>
-          </a:lnRef>
-          <a:fillRef idx="1">
-            <a:schemeClr val="accent1"/>
-          </a:fillRef>
-          <a:effectRef idx="0">
-            <a:schemeClr val="accent1"/>
-          </a:effectRef>
-          <a:fontRef idx="minor">
-            <a:schemeClr val="lt1"/>
-          </a:fontRef>
-        </p:style>
-        <p:txBody>
-          <a:bodyPr rtlCol="0" anchor="ctr"/>
-          <a:lstStyle/>
-          <a:p>
-            <a:pPr algn="ctr"/>
-            <a:endParaRPr lang="pt-BR"/>
-          </a:p>
-        </p:txBody>
-      </p:sp>
-      <p:sp>
-        <p:nvSpPr>
-          <p:cNvPr id="12" name="Estrela: 5 Pontas 11">
-            <a:extLst>
-              <a:ext uri="{FF2B5EF4-FFF2-40B4-BE49-F238E27FC236}">
-                <a16:creationId xmlns:a16="http://schemas.microsoft.com/office/drawing/2014/main" id="{97AF5D51-63C9-D01A-5708-FCA57C437AD6}"/>
-              </a:ext>
-            </a:extLst>
-          </p:cNvPr>
-          <p:cNvSpPr/>
-          <p:nvPr/>
-        </p:nvSpPr>
-        <p:spPr>
-          <a:xfrm>
-            <a:off x="10011577" y="5209277"/>
-            <a:ext cx="396501" cy="360040"/>
-          </a:xfrm>
-          <a:prstGeom prst="star5">
-            <a:avLst/>
-          </a:prstGeom>
-        </p:spPr>
-        <p:style>
-          <a:lnRef idx="2">
-            <a:schemeClr val="accent1">
-              <a:shade val="15000"/>
-            </a:schemeClr>
-          </a:lnRef>
-          <a:fillRef idx="1">
-            <a:schemeClr val="accent1"/>
-          </a:fillRef>
-          <a:effectRef idx="0">
-            <a:schemeClr val="accent1"/>
-          </a:effectRef>
-          <a:fontRef idx="minor">
-            <a:schemeClr val="lt1"/>
-          </a:fontRef>
-        </p:style>
-        <p:txBody>
-          <a:bodyPr rtlCol="0" anchor="ctr"/>
-          <a:lstStyle/>
-          <a:p>
-            <a:pPr algn="ctr"/>
-            <a:endParaRPr lang="pt-BR"/>
           </a:p>
         </p:txBody>
       </p:sp>
@@ -26406,7 +25880,7 @@
 </file>
 
 <file path=ppt/slides/slide7.xml><?xml version="1.0" encoding="utf-8"?>
-<p:sld xmlns:a="http://schemas.openxmlformats.org/drawingml/2006/main" xmlns:r="http://schemas.openxmlformats.org/officeDocument/2006/relationships" xmlns:p="http://schemas.openxmlformats.org/presentationml/2006/main">
+<p:sld xmlns:a="http://schemas.openxmlformats.org/drawingml/2006/main" xmlns:r="http://schemas.openxmlformats.org/officeDocument/2006/relationships" xmlns:p="http://schemas.openxmlformats.org/presentationml/2006/main" show="0">
   <p:cSld>
     <p:spTree>
       <p:nvGrpSpPr>
@@ -26593,7 +26067,7 @@
 </file>
 
 <file path=ppt/slides/slide8.xml><?xml version="1.0" encoding="utf-8"?>
-<p:sld xmlns:a="http://schemas.openxmlformats.org/drawingml/2006/main" xmlns:r="http://schemas.openxmlformats.org/officeDocument/2006/relationships" xmlns:p="http://schemas.openxmlformats.org/presentationml/2006/main">
+<p:sld xmlns:a="http://schemas.openxmlformats.org/drawingml/2006/main" xmlns:r="http://schemas.openxmlformats.org/officeDocument/2006/relationships" xmlns:p="http://schemas.openxmlformats.org/presentationml/2006/main" show="0">
   <p:cSld>
     <p:spTree>
       <p:nvGrpSpPr>
@@ -26751,7 +26225,7 @@
 </file>
 
 <file path=ppt/slides/slide9.xml><?xml version="1.0" encoding="utf-8"?>
-<p:sld xmlns:a="http://schemas.openxmlformats.org/drawingml/2006/main" xmlns:r="http://schemas.openxmlformats.org/officeDocument/2006/relationships" xmlns:p="http://schemas.openxmlformats.org/presentationml/2006/main">
+<p:sld xmlns:a="http://schemas.openxmlformats.org/drawingml/2006/main" xmlns:r="http://schemas.openxmlformats.org/officeDocument/2006/relationships" xmlns:p="http://schemas.openxmlformats.org/presentationml/2006/main" show="0">
   <p:cSld>
     <p:spTree>
       <p:nvGrpSpPr>
